--- a/Cpp/docs/ConceptModel.pptx
+++ b/Cpp/docs/ConceptModel.pptx
@@ -5,7 +5,7 @@
     <p:sldMasterId id="2147483648" r:id="rId1"/>
   </p:sldMasterIdLst>
   <p:notesMasterIdLst>
-    <p:notesMasterId r:id="rId13"/>
+    <p:notesMasterId r:id="rId16"/>
   </p:notesMasterIdLst>
   <p:sldIdLst>
     <p:sldId id="256" r:id="rId2"/>
@@ -19,6 +19,9 @@
     <p:sldId id="265" r:id="rId10"/>
     <p:sldId id="264" r:id="rId11"/>
     <p:sldId id="266" r:id="rId12"/>
+    <p:sldId id="267" r:id="rId13"/>
+    <p:sldId id="268" r:id="rId14"/>
+    <p:sldId id="269" r:id="rId15"/>
   </p:sldIdLst>
   <p:sldSz cx="9144000" cy="6858000" type="screen4x3"/>
   <p:notesSz cx="6858000" cy="9144000"/>
@@ -117,6 +120,22 @@
       </a:defRPr>
     </a:lvl9pPr>
   </p:defaultTextStyle>
+  <p:extLst>
+    <p:ext uri="{EFAFB233-063F-42B5-8137-9DF3F51BA10A}">
+      <p15:sldGuideLst xmlns:p15="http://schemas.microsoft.com/office/powerpoint/2012/main">
+        <p15:guide id="1" orient="horz" pos="2160">
+          <p15:clr>
+            <a:srgbClr val="A4A3A4"/>
+          </p15:clr>
+        </p15:guide>
+        <p15:guide id="2" pos="2880">
+          <p15:clr>
+            <a:srgbClr val="A4A3A4"/>
+          </p15:clr>
+        </p15:guide>
+      </p15:sldGuideLst>
+    </p:ext>
+  </p:extLst>
 </p:presentation>
 </file>
 
@@ -202,7 +221,7 @@
           <a:p>
             <a:fld id="{2CB47C0B-26F4-4604-A10F-0D1F85E80C79}" type="datetimeFigureOut">
               <a:rPr lang="en-US" smtClean="0"/>
-              <a:t>4/19/2014</a:t>
+              <a:t>10/13/2020</a:t>
             </a:fld>
             <a:endParaRPr lang="en-US"/>
           </a:p>
@@ -266,38 +285,37 @@
           <a:p>
             <a:pPr lvl="0"/>
             <a:r>
-              <a:rPr lang="en-US" smtClean="0"/>
+              <a:rPr lang="en-US"/>
               <a:t>Click to edit Master text styles</a:t>
             </a:r>
           </a:p>
           <a:p>
             <a:pPr lvl="1"/>
             <a:r>
-              <a:rPr lang="en-US" smtClean="0"/>
+              <a:rPr lang="en-US"/>
               <a:t>Second level</a:t>
             </a:r>
           </a:p>
           <a:p>
             <a:pPr lvl="2"/>
             <a:r>
-              <a:rPr lang="en-US" smtClean="0"/>
+              <a:rPr lang="en-US"/>
               <a:t>Third level</a:t>
             </a:r>
           </a:p>
           <a:p>
             <a:pPr lvl="3"/>
             <a:r>
-              <a:rPr lang="en-US" smtClean="0"/>
+              <a:rPr lang="en-US"/>
               <a:t>Fourth level</a:t>
             </a:r>
           </a:p>
           <a:p>
             <a:pPr lvl="4"/>
             <a:r>
-              <a:rPr lang="en-US" smtClean="0"/>
+              <a:rPr lang="en-US"/>
               <a:t>Fifth level</a:t>
             </a:r>
-            <a:endParaRPr lang="en-US"/>
           </a:p>
         </p:txBody>
       </p:sp>
@@ -592,10 +610,9 @@
           <a:lstStyle/>
           <a:p>
             <a:r>
-              <a:rPr lang="en-US" smtClean="0"/>
+              <a:rPr lang="en-US"/>
               <a:t>Click to edit Master title style</a:t>
             </a:r>
-            <a:endParaRPr lang="en-US"/>
           </a:p>
         </p:txBody>
       </p:sp>
@@ -711,10 +728,9 @@
           </a:lstStyle>
           <a:p>
             <a:r>
-              <a:rPr lang="en-US" smtClean="0"/>
+              <a:rPr lang="en-US"/>
               <a:t>Click to edit Master subtitle style</a:t>
             </a:r>
-            <a:endParaRPr lang="en-US"/>
           </a:p>
         </p:txBody>
       </p:sp>
@@ -735,7 +751,7 @@
           <a:p>
             <a:fld id="{D497955B-8004-424B-BA22-A0BBD749EF8E}" type="datetimeFigureOut">
               <a:rPr lang="en-US" smtClean="0"/>
-              <a:t>4/19/2014</a:t>
+              <a:t>10/13/2020</a:t>
             </a:fld>
             <a:endParaRPr lang="en-US"/>
           </a:p>
@@ -829,10 +845,9 @@
           <a:lstStyle/>
           <a:p>
             <a:r>
-              <a:rPr lang="en-US" smtClean="0"/>
+              <a:rPr lang="en-US"/>
               <a:t>Click to edit Master title style</a:t>
             </a:r>
-            <a:endParaRPr lang="en-US"/>
           </a:p>
         </p:txBody>
       </p:sp>
@@ -853,38 +868,37 @@
           <a:p>
             <a:pPr lvl="0"/>
             <a:r>
-              <a:rPr lang="en-US" smtClean="0"/>
+              <a:rPr lang="en-US"/>
               <a:t>Click to edit Master text styles</a:t>
             </a:r>
           </a:p>
           <a:p>
             <a:pPr lvl="1"/>
             <a:r>
-              <a:rPr lang="en-US" smtClean="0"/>
+              <a:rPr lang="en-US"/>
               <a:t>Second level</a:t>
             </a:r>
           </a:p>
           <a:p>
             <a:pPr lvl="2"/>
             <a:r>
-              <a:rPr lang="en-US" smtClean="0"/>
+              <a:rPr lang="en-US"/>
               <a:t>Third level</a:t>
             </a:r>
           </a:p>
           <a:p>
             <a:pPr lvl="3"/>
             <a:r>
-              <a:rPr lang="en-US" smtClean="0"/>
+              <a:rPr lang="en-US"/>
               <a:t>Fourth level</a:t>
             </a:r>
           </a:p>
           <a:p>
             <a:pPr lvl="4"/>
             <a:r>
-              <a:rPr lang="en-US" smtClean="0"/>
+              <a:rPr lang="en-US"/>
               <a:t>Fifth level</a:t>
             </a:r>
-            <a:endParaRPr lang="en-US"/>
           </a:p>
         </p:txBody>
       </p:sp>
@@ -905,7 +919,7 @@
           <a:p>
             <a:fld id="{D497955B-8004-424B-BA22-A0BBD749EF8E}" type="datetimeFigureOut">
               <a:rPr lang="en-US" smtClean="0"/>
-              <a:t>4/19/2014</a:t>
+              <a:t>10/13/2020</a:t>
             </a:fld>
             <a:endParaRPr lang="en-US"/>
           </a:p>
@@ -1004,10 +1018,9 @@
           <a:lstStyle/>
           <a:p>
             <a:r>
-              <a:rPr lang="en-US" smtClean="0"/>
+              <a:rPr lang="en-US"/>
               <a:t>Click to edit Master title style</a:t>
             </a:r>
-            <a:endParaRPr lang="en-US"/>
           </a:p>
         </p:txBody>
       </p:sp>
@@ -1033,38 +1046,37 @@
           <a:p>
             <a:pPr lvl="0"/>
             <a:r>
-              <a:rPr lang="en-US" smtClean="0"/>
+              <a:rPr lang="en-US"/>
               <a:t>Click to edit Master text styles</a:t>
             </a:r>
           </a:p>
           <a:p>
             <a:pPr lvl="1"/>
             <a:r>
-              <a:rPr lang="en-US" smtClean="0"/>
+              <a:rPr lang="en-US"/>
               <a:t>Second level</a:t>
             </a:r>
           </a:p>
           <a:p>
             <a:pPr lvl="2"/>
             <a:r>
-              <a:rPr lang="en-US" smtClean="0"/>
+              <a:rPr lang="en-US"/>
               <a:t>Third level</a:t>
             </a:r>
           </a:p>
           <a:p>
             <a:pPr lvl="3"/>
             <a:r>
-              <a:rPr lang="en-US" smtClean="0"/>
+              <a:rPr lang="en-US"/>
               <a:t>Fourth level</a:t>
             </a:r>
           </a:p>
           <a:p>
             <a:pPr lvl="4"/>
             <a:r>
-              <a:rPr lang="en-US" smtClean="0"/>
+              <a:rPr lang="en-US"/>
               <a:t>Fifth level</a:t>
             </a:r>
-            <a:endParaRPr lang="en-US"/>
           </a:p>
         </p:txBody>
       </p:sp>
@@ -1085,7 +1097,7 @@
           <a:p>
             <a:fld id="{D497955B-8004-424B-BA22-A0BBD749EF8E}" type="datetimeFigureOut">
               <a:rPr lang="en-US" smtClean="0"/>
-              <a:t>4/19/2014</a:t>
+              <a:t>10/13/2020</a:t>
             </a:fld>
             <a:endParaRPr lang="en-US"/>
           </a:p>
@@ -1179,10 +1191,9 @@
           <a:lstStyle/>
           <a:p>
             <a:r>
-              <a:rPr lang="en-US" smtClean="0"/>
+              <a:rPr lang="en-US"/>
               <a:t>Click to edit Master title style</a:t>
             </a:r>
-            <a:endParaRPr lang="en-US"/>
           </a:p>
         </p:txBody>
       </p:sp>
@@ -1203,38 +1214,37 @@
           <a:p>
             <a:pPr lvl="0"/>
             <a:r>
-              <a:rPr lang="en-US" smtClean="0"/>
+              <a:rPr lang="en-US"/>
               <a:t>Click to edit Master text styles</a:t>
             </a:r>
           </a:p>
           <a:p>
             <a:pPr lvl="1"/>
             <a:r>
-              <a:rPr lang="en-US" smtClean="0"/>
+              <a:rPr lang="en-US"/>
               <a:t>Second level</a:t>
             </a:r>
           </a:p>
           <a:p>
             <a:pPr lvl="2"/>
             <a:r>
-              <a:rPr lang="en-US" smtClean="0"/>
+              <a:rPr lang="en-US"/>
               <a:t>Third level</a:t>
             </a:r>
           </a:p>
           <a:p>
             <a:pPr lvl="3"/>
             <a:r>
-              <a:rPr lang="en-US" smtClean="0"/>
+              <a:rPr lang="en-US"/>
               <a:t>Fourth level</a:t>
             </a:r>
           </a:p>
           <a:p>
             <a:pPr lvl="4"/>
             <a:r>
-              <a:rPr lang="en-US" smtClean="0"/>
+              <a:rPr lang="en-US"/>
               <a:t>Fifth level</a:t>
             </a:r>
-            <a:endParaRPr lang="en-US"/>
           </a:p>
         </p:txBody>
       </p:sp>
@@ -1255,7 +1265,7 @@
           <a:p>
             <a:fld id="{D497955B-8004-424B-BA22-A0BBD749EF8E}" type="datetimeFigureOut">
               <a:rPr lang="en-US" smtClean="0"/>
-              <a:t>4/19/2014</a:t>
+              <a:t>10/13/2020</a:t>
             </a:fld>
             <a:endParaRPr lang="en-US"/>
           </a:p>
@@ -1358,10 +1368,9 @@
           </a:lstStyle>
           <a:p>
             <a:r>
-              <a:rPr lang="en-US" smtClean="0"/>
+              <a:rPr lang="en-US"/>
               <a:t>Click to edit Master title style</a:t>
             </a:r>
-            <a:endParaRPr lang="en-US"/>
           </a:p>
         </p:txBody>
       </p:sp>
@@ -1478,7 +1487,7 @@
           <a:p>
             <a:pPr lvl="0"/>
             <a:r>
-              <a:rPr lang="en-US" smtClean="0"/>
+              <a:rPr lang="en-US"/>
               <a:t>Click to edit Master text styles</a:t>
             </a:r>
           </a:p>
@@ -1501,7 +1510,7 @@
           <a:p>
             <a:fld id="{D497955B-8004-424B-BA22-A0BBD749EF8E}" type="datetimeFigureOut">
               <a:rPr lang="en-US" smtClean="0"/>
-              <a:t>4/19/2014</a:t>
+              <a:t>10/13/2020</a:t>
             </a:fld>
             <a:endParaRPr lang="en-US"/>
           </a:p>
@@ -1595,10 +1604,9 @@
           <a:lstStyle/>
           <a:p>
             <a:r>
-              <a:rPr lang="en-US" smtClean="0"/>
+              <a:rPr lang="en-US"/>
               <a:t>Click to edit Master title style</a:t>
             </a:r>
-            <a:endParaRPr lang="en-US"/>
           </a:p>
         </p:txBody>
       </p:sp>
@@ -1652,38 +1660,37 @@
           <a:p>
             <a:pPr lvl="0"/>
             <a:r>
-              <a:rPr lang="en-US" smtClean="0"/>
+              <a:rPr lang="en-US"/>
               <a:t>Click to edit Master text styles</a:t>
             </a:r>
           </a:p>
           <a:p>
             <a:pPr lvl="1"/>
             <a:r>
-              <a:rPr lang="en-US" smtClean="0"/>
+              <a:rPr lang="en-US"/>
               <a:t>Second level</a:t>
             </a:r>
           </a:p>
           <a:p>
             <a:pPr lvl="2"/>
             <a:r>
-              <a:rPr lang="en-US" smtClean="0"/>
+              <a:rPr lang="en-US"/>
               <a:t>Third level</a:t>
             </a:r>
           </a:p>
           <a:p>
             <a:pPr lvl="3"/>
             <a:r>
-              <a:rPr lang="en-US" smtClean="0"/>
+              <a:rPr lang="en-US"/>
               <a:t>Fourth level</a:t>
             </a:r>
           </a:p>
           <a:p>
             <a:pPr lvl="4"/>
             <a:r>
-              <a:rPr lang="en-US" smtClean="0"/>
+              <a:rPr lang="en-US"/>
               <a:t>Fifth level</a:t>
             </a:r>
-            <a:endParaRPr lang="en-US"/>
           </a:p>
         </p:txBody>
       </p:sp>
@@ -1737,38 +1744,37 @@
           <a:p>
             <a:pPr lvl="0"/>
             <a:r>
-              <a:rPr lang="en-US" smtClean="0"/>
+              <a:rPr lang="en-US"/>
               <a:t>Click to edit Master text styles</a:t>
             </a:r>
           </a:p>
           <a:p>
             <a:pPr lvl="1"/>
             <a:r>
-              <a:rPr lang="en-US" smtClean="0"/>
+              <a:rPr lang="en-US"/>
               <a:t>Second level</a:t>
             </a:r>
           </a:p>
           <a:p>
             <a:pPr lvl="2"/>
             <a:r>
-              <a:rPr lang="en-US" smtClean="0"/>
+              <a:rPr lang="en-US"/>
               <a:t>Third level</a:t>
             </a:r>
           </a:p>
           <a:p>
             <a:pPr lvl="3"/>
             <a:r>
-              <a:rPr lang="en-US" smtClean="0"/>
+              <a:rPr lang="en-US"/>
               <a:t>Fourth level</a:t>
             </a:r>
           </a:p>
           <a:p>
             <a:pPr lvl="4"/>
             <a:r>
-              <a:rPr lang="en-US" smtClean="0"/>
+              <a:rPr lang="en-US"/>
               <a:t>Fifth level</a:t>
             </a:r>
-            <a:endParaRPr lang="en-US"/>
           </a:p>
         </p:txBody>
       </p:sp>
@@ -1789,7 +1795,7 @@
           <a:p>
             <a:fld id="{D497955B-8004-424B-BA22-A0BBD749EF8E}" type="datetimeFigureOut">
               <a:rPr lang="en-US" smtClean="0"/>
-              <a:t>4/19/2014</a:t>
+              <a:t>10/13/2020</a:t>
             </a:fld>
             <a:endParaRPr lang="en-US"/>
           </a:p>
@@ -1887,10 +1893,9 @@
           </a:lstStyle>
           <a:p>
             <a:r>
-              <a:rPr lang="en-US" smtClean="0"/>
+              <a:rPr lang="en-US"/>
               <a:t>Click to edit Master title style</a:t>
             </a:r>
-            <a:endParaRPr lang="en-US"/>
           </a:p>
         </p:txBody>
       </p:sp>
@@ -1953,7 +1958,7 @@
           <a:p>
             <a:pPr lvl="0"/>
             <a:r>
-              <a:rPr lang="en-US" smtClean="0"/>
+              <a:rPr lang="en-US"/>
               <a:t>Click to edit Master text styles</a:t>
             </a:r>
           </a:p>
@@ -2009,38 +2014,37 @@
           <a:p>
             <a:pPr lvl="0"/>
             <a:r>
-              <a:rPr lang="en-US" smtClean="0"/>
+              <a:rPr lang="en-US"/>
               <a:t>Click to edit Master text styles</a:t>
             </a:r>
           </a:p>
           <a:p>
             <a:pPr lvl="1"/>
             <a:r>
-              <a:rPr lang="en-US" smtClean="0"/>
+              <a:rPr lang="en-US"/>
               <a:t>Second level</a:t>
             </a:r>
           </a:p>
           <a:p>
             <a:pPr lvl="2"/>
             <a:r>
-              <a:rPr lang="en-US" smtClean="0"/>
+              <a:rPr lang="en-US"/>
               <a:t>Third level</a:t>
             </a:r>
           </a:p>
           <a:p>
             <a:pPr lvl="3"/>
             <a:r>
-              <a:rPr lang="en-US" smtClean="0"/>
+              <a:rPr lang="en-US"/>
               <a:t>Fourth level</a:t>
             </a:r>
           </a:p>
           <a:p>
             <a:pPr lvl="4"/>
             <a:r>
-              <a:rPr lang="en-US" smtClean="0"/>
+              <a:rPr lang="en-US"/>
               <a:t>Fifth level</a:t>
             </a:r>
-            <a:endParaRPr lang="en-US"/>
           </a:p>
         </p:txBody>
       </p:sp>
@@ -2103,7 +2107,7 @@
           <a:p>
             <a:pPr lvl="0"/>
             <a:r>
-              <a:rPr lang="en-US" smtClean="0"/>
+              <a:rPr lang="en-US"/>
               <a:t>Click to edit Master text styles</a:t>
             </a:r>
           </a:p>
@@ -2159,38 +2163,37 @@
           <a:p>
             <a:pPr lvl="0"/>
             <a:r>
-              <a:rPr lang="en-US" smtClean="0"/>
+              <a:rPr lang="en-US"/>
               <a:t>Click to edit Master text styles</a:t>
             </a:r>
           </a:p>
           <a:p>
             <a:pPr lvl="1"/>
             <a:r>
-              <a:rPr lang="en-US" smtClean="0"/>
+              <a:rPr lang="en-US"/>
               <a:t>Second level</a:t>
             </a:r>
           </a:p>
           <a:p>
             <a:pPr lvl="2"/>
             <a:r>
-              <a:rPr lang="en-US" smtClean="0"/>
+              <a:rPr lang="en-US"/>
               <a:t>Third level</a:t>
             </a:r>
           </a:p>
           <a:p>
             <a:pPr lvl="3"/>
             <a:r>
-              <a:rPr lang="en-US" smtClean="0"/>
+              <a:rPr lang="en-US"/>
               <a:t>Fourth level</a:t>
             </a:r>
           </a:p>
           <a:p>
             <a:pPr lvl="4"/>
             <a:r>
-              <a:rPr lang="en-US" smtClean="0"/>
+              <a:rPr lang="en-US"/>
               <a:t>Fifth level</a:t>
             </a:r>
-            <a:endParaRPr lang="en-US"/>
           </a:p>
         </p:txBody>
       </p:sp>
@@ -2211,7 +2214,7 @@
           <a:p>
             <a:fld id="{D497955B-8004-424B-BA22-A0BBD749EF8E}" type="datetimeFigureOut">
               <a:rPr lang="en-US" smtClean="0"/>
-              <a:t>4/19/2014</a:t>
+              <a:t>10/13/2020</a:t>
             </a:fld>
             <a:endParaRPr lang="en-US"/>
           </a:p>
@@ -2305,10 +2308,9 @@
           <a:lstStyle/>
           <a:p>
             <a:r>
-              <a:rPr lang="en-US" smtClean="0"/>
+              <a:rPr lang="en-US"/>
               <a:t>Click to edit Master title style</a:t>
             </a:r>
-            <a:endParaRPr lang="en-US"/>
           </a:p>
         </p:txBody>
       </p:sp>
@@ -2329,7 +2331,7 @@
           <a:p>
             <a:fld id="{D497955B-8004-424B-BA22-A0BBD749EF8E}" type="datetimeFigureOut">
               <a:rPr lang="en-US" smtClean="0"/>
-              <a:t>4/19/2014</a:t>
+              <a:t>10/13/2020</a:t>
             </a:fld>
             <a:endParaRPr lang="en-US"/>
           </a:p>
@@ -2424,7 +2426,7 @@
           <a:p>
             <a:fld id="{D497955B-8004-424B-BA22-A0BBD749EF8E}" type="datetimeFigureOut">
               <a:rPr lang="en-US" smtClean="0"/>
-              <a:t>4/19/2014</a:t>
+              <a:t>10/13/2020</a:t>
             </a:fld>
             <a:endParaRPr lang="en-US"/>
           </a:p>
@@ -2527,10 +2529,9 @@
           </a:lstStyle>
           <a:p>
             <a:r>
-              <a:rPr lang="en-US" smtClean="0"/>
+              <a:rPr lang="en-US"/>
               <a:t>Click to edit Master title style</a:t>
             </a:r>
-            <a:endParaRPr lang="en-US"/>
           </a:p>
         </p:txBody>
       </p:sp>
@@ -2584,38 +2585,37 @@
           <a:p>
             <a:pPr lvl="0"/>
             <a:r>
-              <a:rPr lang="en-US" smtClean="0"/>
+              <a:rPr lang="en-US"/>
               <a:t>Click to edit Master text styles</a:t>
             </a:r>
           </a:p>
           <a:p>
             <a:pPr lvl="1"/>
             <a:r>
-              <a:rPr lang="en-US" smtClean="0"/>
+              <a:rPr lang="en-US"/>
               <a:t>Second level</a:t>
             </a:r>
           </a:p>
           <a:p>
             <a:pPr lvl="2"/>
             <a:r>
-              <a:rPr lang="en-US" smtClean="0"/>
+              <a:rPr lang="en-US"/>
               <a:t>Third level</a:t>
             </a:r>
           </a:p>
           <a:p>
             <a:pPr lvl="3"/>
             <a:r>
-              <a:rPr lang="en-US" smtClean="0"/>
+              <a:rPr lang="en-US"/>
               <a:t>Fourth level</a:t>
             </a:r>
           </a:p>
           <a:p>
             <a:pPr lvl="4"/>
             <a:r>
-              <a:rPr lang="en-US" smtClean="0"/>
+              <a:rPr lang="en-US"/>
               <a:t>Fifth level</a:t>
             </a:r>
-            <a:endParaRPr lang="en-US"/>
           </a:p>
         </p:txBody>
       </p:sp>
@@ -2678,7 +2678,7 @@
           <a:p>
             <a:pPr lvl="0"/>
             <a:r>
-              <a:rPr lang="en-US" smtClean="0"/>
+              <a:rPr lang="en-US"/>
               <a:t>Click to edit Master text styles</a:t>
             </a:r>
           </a:p>
@@ -2701,7 +2701,7 @@
           <a:p>
             <a:fld id="{D497955B-8004-424B-BA22-A0BBD749EF8E}" type="datetimeFigureOut">
               <a:rPr lang="en-US" smtClean="0"/>
-              <a:t>4/19/2014</a:t>
+              <a:t>10/13/2020</a:t>
             </a:fld>
             <a:endParaRPr lang="en-US"/>
           </a:p>
@@ -2804,10 +2804,9 @@
           </a:lstStyle>
           <a:p>
             <a:r>
-              <a:rPr lang="en-US" smtClean="0"/>
+              <a:rPr lang="en-US"/>
               <a:t>Click to edit Master title style</a:t>
             </a:r>
-            <a:endParaRPr lang="en-US"/>
           </a:p>
         </p:txBody>
       </p:sp>
@@ -2931,7 +2930,7 @@
           <a:p>
             <a:pPr lvl="0"/>
             <a:r>
-              <a:rPr lang="en-US" smtClean="0"/>
+              <a:rPr lang="en-US"/>
               <a:t>Click to edit Master text styles</a:t>
             </a:r>
           </a:p>
@@ -2954,7 +2953,7 @@
           <a:p>
             <a:fld id="{D497955B-8004-424B-BA22-A0BBD749EF8E}" type="datetimeFigureOut">
               <a:rPr lang="en-US" smtClean="0"/>
-              <a:t>4/19/2014</a:t>
+              <a:t>10/13/2020</a:t>
             </a:fld>
             <a:endParaRPr lang="en-US"/>
           </a:p>
@@ -3063,10 +3062,9 @@
           <a:lstStyle/>
           <a:p>
             <a:r>
-              <a:rPr lang="en-US" smtClean="0"/>
+              <a:rPr lang="en-US"/>
               <a:t>Click to edit Master title style</a:t>
             </a:r>
-            <a:endParaRPr lang="en-US"/>
           </a:p>
         </p:txBody>
       </p:sp>
@@ -3097,38 +3095,37 @@
           <a:p>
             <a:pPr lvl="0"/>
             <a:r>
-              <a:rPr lang="en-US" smtClean="0"/>
+              <a:rPr lang="en-US"/>
               <a:t>Click to edit Master text styles</a:t>
             </a:r>
           </a:p>
           <a:p>
             <a:pPr lvl="1"/>
             <a:r>
-              <a:rPr lang="en-US" smtClean="0"/>
+              <a:rPr lang="en-US"/>
               <a:t>Second level</a:t>
             </a:r>
           </a:p>
           <a:p>
             <a:pPr lvl="2"/>
             <a:r>
-              <a:rPr lang="en-US" smtClean="0"/>
+              <a:rPr lang="en-US"/>
               <a:t>Third level</a:t>
             </a:r>
           </a:p>
           <a:p>
             <a:pPr lvl="3"/>
             <a:r>
-              <a:rPr lang="en-US" smtClean="0"/>
+              <a:rPr lang="en-US"/>
               <a:t>Fourth level</a:t>
             </a:r>
           </a:p>
           <a:p>
             <a:pPr lvl="4"/>
             <a:r>
-              <a:rPr lang="en-US" smtClean="0"/>
+              <a:rPr lang="en-US"/>
               <a:t>Fifth level</a:t>
             </a:r>
-            <a:endParaRPr lang="en-US"/>
           </a:p>
         </p:txBody>
       </p:sp>
@@ -3167,7 +3164,7 @@
           <a:p>
             <a:fld id="{D497955B-8004-424B-BA22-A0BBD749EF8E}" type="datetimeFigureOut">
               <a:rPr lang="en-US" smtClean="0"/>
-              <a:t>4/19/2014</a:t>
+              <a:t>10/13/2020</a:t>
             </a:fld>
             <a:endParaRPr lang="en-US"/>
           </a:p>
@@ -3565,10 +3562,9 @@
           <a:lstStyle/>
           <a:p>
             <a:r>
-              <a:rPr lang="en-US" dirty="0" smtClean="0"/>
+              <a:rPr lang="en-US" dirty="0"/>
               <a:t>Modeling : Entities</a:t>
             </a:r>
-            <a:endParaRPr lang="en-US" dirty="0"/>
           </a:p>
         </p:txBody>
       </p:sp>
@@ -3610,10 +3606,9 @@
           <a:p>
             <a:pPr algn="ctr"/>
             <a:r>
-              <a:rPr lang="en-US" sz="1050" dirty="0" smtClean="0"/>
+              <a:rPr lang="en-US" sz="1050" dirty="0"/>
               <a:t>World</a:t>
             </a:r>
-            <a:endParaRPr lang="en-US" sz="1050" dirty="0"/>
           </a:p>
         </p:txBody>
       </p:sp>
@@ -3655,10 +3650,9 @@
           <a:p>
             <a:pPr algn="ctr"/>
             <a:r>
-              <a:rPr lang="en-US" sz="900" dirty="0" smtClean="0"/>
+              <a:rPr lang="en-US" sz="900" dirty="0"/>
               <a:t> Visualization info</a:t>
             </a:r>
-            <a:endParaRPr lang="en-US" sz="900" dirty="0"/>
           </a:p>
         </p:txBody>
       </p:sp>
@@ -3702,10 +3696,9 @@
           <a:p>
             <a:pPr algn="ctr"/>
             <a:r>
-              <a:rPr lang="en-US" sz="1050" dirty="0" smtClean="0"/>
+              <a:rPr lang="en-US" sz="1050" dirty="0"/>
               <a:t>Robot</a:t>
             </a:r>
-            <a:endParaRPr lang="en-US" sz="1050" dirty="0"/>
           </a:p>
         </p:txBody>
       </p:sp>
@@ -3747,10 +3740,9 @@
           <a:p>
             <a:pPr algn="ctr"/>
             <a:r>
-              <a:rPr lang="en-US" sz="900" dirty="0" smtClean="0"/>
+              <a:rPr lang="en-US" sz="900" dirty="0"/>
               <a:t>Current configuration</a:t>
             </a:r>
-            <a:endParaRPr lang="en-US" sz="900" dirty="0"/>
           </a:p>
         </p:txBody>
       </p:sp>
@@ -3806,10 +3798,9 @@
             <a:p>
               <a:pPr algn="ctr"/>
               <a:r>
-                <a:rPr lang="en-US" sz="900" dirty="0" smtClean="0"/>
+                <a:rPr lang="en-US" sz="900" dirty="0"/>
                 <a:t>Robot</a:t>
               </a:r>
-              <a:endParaRPr lang="en-US" sz="900" dirty="0"/>
             </a:p>
           </p:txBody>
         </p:sp>
@@ -3851,10 +3842,9 @@
             <a:p>
               <a:pPr algn="ctr"/>
               <a:r>
-                <a:rPr lang="en-US" sz="900" dirty="0" smtClean="0"/>
+                <a:rPr lang="en-US" sz="900" dirty="0"/>
                 <a:t>Robot</a:t>
               </a:r>
-              <a:endParaRPr lang="en-US" sz="900" dirty="0"/>
             </a:p>
           </p:txBody>
         </p:sp>
@@ -3896,10 +3886,9 @@
             <a:p>
               <a:pPr algn="ctr"/>
               <a:r>
-                <a:rPr lang="en-US" sz="900" dirty="0" smtClean="0"/>
+                <a:rPr lang="en-US" sz="900" dirty="0"/>
                 <a:t>Robot</a:t>
               </a:r>
-              <a:endParaRPr lang="en-US" sz="900" dirty="0"/>
             </a:p>
           </p:txBody>
         </p:sp>
@@ -3956,10 +3945,9 @@
             <a:p>
               <a:pPr algn="ctr"/>
               <a:r>
-                <a:rPr lang="en-US" sz="900" dirty="0" smtClean="0"/>
+                <a:rPr lang="en-US" sz="900" dirty="0"/>
                 <a:t>Robot</a:t>
               </a:r>
-              <a:endParaRPr lang="en-US" sz="900" dirty="0"/>
             </a:p>
           </p:txBody>
         </p:sp>
@@ -4001,10 +3989,9 @@
             <a:p>
               <a:pPr algn="ctr"/>
               <a:r>
-                <a:rPr lang="en-US" sz="900" dirty="0" smtClean="0"/>
+                <a:rPr lang="en-US" sz="900" dirty="0"/>
                 <a:t>Robot</a:t>
               </a:r>
-              <a:endParaRPr lang="en-US" sz="900" dirty="0"/>
             </a:p>
           </p:txBody>
         </p:sp>
@@ -4046,7 +4033,7 @@
             <a:p>
               <a:pPr algn="ctr"/>
               <a:r>
-                <a:rPr lang="en-US" sz="900" dirty="0" smtClean="0"/>
+                <a:rPr lang="en-US" sz="900" dirty="0"/>
                 <a:t>Rigid Object</a:t>
               </a:r>
             </a:p>
@@ -4105,10 +4092,9 @@
             <a:p>
               <a:pPr algn="ctr"/>
               <a:r>
-                <a:rPr lang="en-US" sz="900" dirty="0" smtClean="0"/>
+                <a:rPr lang="en-US" sz="900" dirty="0"/>
                 <a:t>Robot</a:t>
               </a:r>
-              <a:endParaRPr lang="en-US" sz="900" dirty="0"/>
             </a:p>
           </p:txBody>
         </p:sp>
@@ -4150,10 +4136,9 @@
             <a:p>
               <a:pPr algn="ctr"/>
               <a:r>
-                <a:rPr lang="en-US" sz="900" dirty="0" smtClean="0"/>
+                <a:rPr lang="en-US" sz="900" dirty="0"/>
                 <a:t>Robot</a:t>
               </a:r>
-              <a:endParaRPr lang="en-US" sz="900" dirty="0"/>
             </a:p>
           </p:txBody>
         </p:sp>
@@ -4195,10 +4180,9 @@
             <a:p>
               <a:pPr algn="ctr"/>
               <a:r>
-                <a:rPr lang="en-US" sz="900" dirty="0" smtClean="0"/>
+                <a:rPr lang="en-US" sz="900" dirty="0"/>
                 <a:t>Environment</a:t>
               </a:r>
-              <a:endParaRPr lang="en-US" sz="900" dirty="0"/>
             </a:p>
           </p:txBody>
         </p:sp>
@@ -4241,10 +4225,9 @@
           <a:p>
             <a:pPr algn="ctr"/>
             <a:r>
-              <a:rPr lang="en-US" sz="900" dirty="0" smtClean="0"/>
+              <a:rPr lang="en-US" sz="900" dirty="0"/>
               <a:t>Link kinematics</a:t>
             </a:r>
-            <a:endParaRPr lang="en-US" sz="900" dirty="0"/>
           </a:p>
         </p:txBody>
       </p:sp>
@@ -4286,10 +4269,9 @@
           <a:p>
             <a:pPr algn="ctr"/>
             <a:r>
-              <a:rPr lang="en-US" sz="900" dirty="0" smtClean="0"/>
+              <a:rPr lang="en-US" sz="900" dirty="0"/>
               <a:t>Link dynamics</a:t>
             </a:r>
-            <a:endParaRPr lang="en-US" sz="900" dirty="0"/>
           </a:p>
         </p:txBody>
       </p:sp>
@@ -4331,10 +4313,9 @@
           <a:p>
             <a:pPr algn="ctr"/>
             <a:r>
-              <a:rPr lang="en-US" sz="900" dirty="0" smtClean="0"/>
+              <a:rPr lang="en-US" sz="900" dirty="0"/>
               <a:t>Link geometry</a:t>
             </a:r>
-            <a:endParaRPr lang="en-US" sz="900" dirty="0"/>
           </a:p>
         </p:txBody>
       </p:sp>
@@ -4376,10 +4357,9 @@
           <a:p>
             <a:pPr algn="ctr"/>
             <a:r>
-              <a:rPr lang="en-US" sz="900" dirty="0" smtClean="0"/>
+              <a:rPr lang="en-US" sz="900" dirty="0"/>
               <a:t>Current link transforms</a:t>
             </a:r>
-            <a:endParaRPr lang="en-US" sz="900" dirty="0"/>
           </a:p>
         </p:txBody>
       </p:sp>
@@ -4421,10 +4401,9 @@
           <a:p>
             <a:pPr algn="ctr"/>
             <a:r>
-              <a:rPr lang="en-US" sz="900" dirty="0" smtClean="0"/>
+              <a:rPr lang="en-US" sz="900" dirty="0"/>
               <a:t>Current velocity</a:t>
             </a:r>
-            <a:endParaRPr lang="en-US" sz="900" dirty="0"/>
           </a:p>
         </p:txBody>
       </p:sp>
@@ -4466,10 +4445,9 @@
           <a:p>
             <a:pPr algn="ctr"/>
             <a:r>
-              <a:rPr lang="en-US" sz="900" dirty="0" smtClean="0"/>
+              <a:rPr lang="en-US" sz="900" dirty="0"/>
               <a:t>Link/driver names</a:t>
             </a:r>
-            <a:endParaRPr lang="en-US" sz="900" dirty="0"/>
           </a:p>
         </p:txBody>
       </p:sp>
@@ -4511,10 +4489,9 @@
           <a:p>
             <a:pPr algn="ctr"/>
             <a:r>
-              <a:rPr lang="en-US" sz="900" dirty="0" smtClean="0"/>
+              <a:rPr lang="en-US" sz="900" dirty="0"/>
               <a:t>Coll. detection structures</a:t>
             </a:r>
-            <a:endParaRPr lang="en-US" sz="900" dirty="0"/>
           </a:p>
         </p:txBody>
       </p:sp>
@@ -4556,10 +4533,9 @@
           <a:p>
             <a:pPr algn="ctr"/>
             <a:r>
-              <a:rPr lang="en-US" sz="900" dirty="0" smtClean="0"/>
+              <a:rPr lang="en-US" sz="900" dirty="0"/>
               <a:t>Joint semantics</a:t>
             </a:r>
-            <a:endParaRPr lang="en-US" sz="900" dirty="0"/>
           </a:p>
         </p:txBody>
       </p:sp>
@@ -4601,10 +4577,9 @@
           <a:p>
             <a:pPr algn="ctr"/>
             <a:r>
-              <a:rPr lang="en-US" sz="900" dirty="0" smtClean="0"/>
+              <a:rPr lang="en-US" sz="900" dirty="0"/>
               <a:t>Driver semantics</a:t>
             </a:r>
-            <a:endParaRPr lang="en-US" sz="900" dirty="0"/>
           </a:p>
         </p:txBody>
       </p:sp>
@@ -4646,18 +4621,17 @@
           <a:p>
             <a:pPr algn="ctr"/>
             <a:r>
-              <a:rPr lang="en-US" sz="900" dirty="0" smtClean="0"/>
+              <a:rPr lang="en-US" sz="900" dirty="0"/>
               <a:t>Motor </a:t>
             </a:r>
             <a:r>
-              <a:rPr lang="en-US" sz="900" dirty="0" err="1" smtClean="0"/>
+              <a:rPr lang="en-US" sz="900" dirty="0" err="1"/>
               <a:t>sim</a:t>
             </a:r>
             <a:r>
-              <a:rPr lang="en-US" sz="900" dirty="0" smtClean="0"/>
+              <a:rPr lang="en-US" sz="900" dirty="0"/>
               <a:t> parameters</a:t>
             </a:r>
-            <a:endParaRPr lang="en-US" sz="900" dirty="0"/>
           </a:p>
         </p:txBody>
       </p:sp>
@@ -4699,10 +4673,9 @@
           <a:p>
             <a:pPr algn="ctr"/>
             <a:r>
-              <a:rPr lang="en-US" sz="900" dirty="0" smtClean="0"/>
+              <a:rPr lang="en-US" sz="900" dirty="0"/>
               <a:t>Kinematic limits</a:t>
             </a:r>
-            <a:endParaRPr lang="en-US" sz="900" dirty="0"/>
           </a:p>
         </p:txBody>
       </p:sp>
@@ -4746,10 +4719,9 @@
           <a:p>
             <a:pPr algn="ctr"/>
             <a:r>
-              <a:rPr lang="en-US" sz="1050" dirty="0" smtClean="0"/>
+              <a:rPr lang="en-US" sz="1050" dirty="0"/>
               <a:t>Environment</a:t>
             </a:r>
-            <a:endParaRPr lang="en-US" sz="1050" dirty="0"/>
           </a:p>
         </p:txBody>
       </p:sp>
@@ -4791,10 +4763,9 @@
           <a:p>
             <a:pPr algn="ctr"/>
             <a:r>
-              <a:rPr lang="en-US" sz="900" dirty="0" smtClean="0"/>
+              <a:rPr lang="en-US" sz="900" dirty="0"/>
               <a:t>Geometry</a:t>
             </a:r>
-            <a:endParaRPr lang="en-US" sz="900" dirty="0"/>
           </a:p>
         </p:txBody>
       </p:sp>
@@ -4836,10 +4807,9 @@
           <a:p>
             <a:pPr algn="ctr"/>
             <a:r>
-              <a:rPr lang="en-US" sz="900" dirty="0" smtClean="0"/>
+              <a:rPr lang="en-US" sz="900" dirty="0"/>
               <a:t>Contact parameters</a:t>
             </a:r>
-            <a:endParaRPr lang="en-US" sz="900" dirty="0"/>
           </a:p>
         </p:txBody>
       </p:sp>
@@ -4883,10 +4853,9 @@
           <a:p>
             <a:pPr algn="ctr"/>
             <a:r>
-              <a:rPr lang="en-US" sz="1050" dirty="0" smtClean="0"/>
+              <a:rPr lang="en-US" sz="1050" dirty="0"/>
               <a:t>Rigid Object</a:t>
             </a:r>
-            <a:endParaRPr lang="en-US" sz="1050" dirty="0"/>
           </a:p>
         </p:txBody>
       </p:sp>
@@ -4928,10 +4897,9 @@
           <a:p>
             <a:pPr algn="ctr"/>
             <a:r>
-              <a:rPr lang="en-US" sz="900" dirty="0" smtClean="0"/>
+              <a:rPr lang="en-US" sz="900" dirty="0"/>
               <a:t>Geometry</a:t>
             </a:r>
-            <a:endParaRPr lang="en-US" sz="900" dirty="0"/>
           </a:p>
         </p:txBody>
       </p:sp>
@@ -4973,10 +4941,9 @@
           <a:p>
             <a:pPr algn="ctr"/>
             <a:r>
-              <a:rPr lang="en-US" sz="900" dirty="0" smtClean="0"/>
+              <a:rPr lang="en-US" sz="900" dirty="0"/>
               <a:t>Contact parameters</a:t>
             </a:r>
-            <a:endParaRPr lang="en-US" sz="900" dirty="0"/>
           </a:p>
         </p:txBody>
       </p:sp>
@@ -5018,10 +4985,9 @@
           <a:p>
             <a:pPr algn="ctr"/>
             <a:r>
-              <a:rPr lang="en-US" sz="900" dirty="0" smtClean="0"/>
+              <a:rPr lang="en-US" sz="900" dirty="0"/>
               <a:t>Current pose</a:t>
             </a:r>
-            <a:endParaRPr lang="en-US" sz="900" dirty="0"/>
           </a:p>
         </p:txBody>
       </p:sp>
@@ -5063,10 +5029,9 @@
           <a:p>
             <a:pPr algn="ctr"/>
             <a:r>
-              <a:rPr lang="en-US" sz="900" dirty="0" smtClean="0"/>
+              <a:rPr lang="en-US" sz="900" dirty="0"/>
               <a:t>Link dynamics</a:t>
             </a:r>
-            <a:endParaRPr lang="en-US" sz="900" dirty="0"/>
           </a:p>
         </p:txBody>
       </p:sp>
@@ -5108,10 +5073,9 @@
           <a:p>
             <a:pPr algn="ctr"/>
             <a:r>
-              <a:rPr lang="en-US" sz="900" dirty="0" smtClean="0"/>
+              <a:rPr lang="en-US" sz="900" dirty="0"/>
               <a:t>Dynamic limits</a:t>
             </a:r>
-            <a:endParaRPr lang="en-US" sz="900" dirty="0"/>
           </a:p>
         </p:txBody>
       </p:sp>
@@ -5265,10 +5229,9 @@
           <a:p>
             <a:pPr algn="ctr"/>
             <a:r>
-              <a:rPr lang="en-US" sz="1050" dirty="0" smtClean="0"/>
+              <a:rPr lang="en-US" sz="1050" dirty="0"/>
               <a:t>ROS dispatcher</a:t>
             </a:r>
-            <a:endParaRPr lang="en-US" sz="1050" dirty="0"/>
           </a:p>
         </p:txBody>
       </p:sp>
@@ -5295,10 +5258,9 @@
           <a:lstStyle/>
           <a:p>
             <a:r>
-              <a:rPr lang="en-US" dirty="0" smtClean="0"/>
+              <a:rPr lang="en-US" dirty="0"/>
               <a:t>Controller integration with ROS</a:t>
             </a:r>
-            <a:endParaRPr lang="en-US" dirty="0"/>
           </a:p>
         </p:txBody>
       </p:sp>
@@ -5342,15 +5304,15 @@
           <a:p>
             <a:pPr algn="ctr"/>
             <a:r>
-              <a:rPr lang="en-US" sz="1050" dirty="0" err="1" smtClean="0"/>
+              <a:rPr lang="en-US" sz="1050" dirty="0" err="1"/>
               <a:t>Klamp’t</a:t>
             </a:r>
             <a:r>
-              <a:rPr lang="en-US" sz="1050" dirty="0" smtClean="0"/>
+              <a:rPr lang="en-US" sz="1050" dirty="0"/>
               <a:t> </a:t>
             </a:r>
             <a:r>
-              <a:rPr lang="en-US" sz="1050" dirty="0" err="1" smtClean="0"/>
+              <a:rPr lang="en-US" sz="1050" dirty="0" err="1"/>
               <a:t>SerialController</a:t>
             </a:r>
             <a:endParaRPr lang="en-US" sz="1050" dirty="0"/>
@@ -5397,14 +5359,9 @@
           <a:p>
             <a:pPr algn="ctr"/>
             <a:r>
-              <a:rPr lang="en-US" sz="1050" dirty="0" smtClean="0"/>
-              <a:t>External c</a:t>
-            </a:r>
-            <a:r>
-              <a:rPr lang="en-US" sz="1050" dirty="0" smtClean="0"/>
-              <a:t>ontroller</a:t>
-            </a:r>
-            <a:endParaRPr lang="en-US" sz="1050" dirty="0"/>
+              <a:rPr lang="en-US" sz="1050" dirty="0"/>
+              <a:t>External controller</a:t>
+            </a:r>
           </a:p>
         </p:txBody>
       </p:sp>
@@ -5485,18 +5442,17 @@
           <a:p>
             <a:pPr algn="ctr"/>
             <a:r>
-              <a:rPr lang="en-US" sz="1200" dirty="0" smtClean="0"/>
+              <a:rPr lang="en-US" sz="1200" dirty="0"/>
               <a:t>ROS </a:t>
             </a:r>
             <a:r>
-              <a:rPr lang="en-US" sz="1200" dirty="0" err="1" smtClean="0"/>
+              <a:rPr lang="en-US" sz="1200" dirty="0" err="1"/>
               <a:t>joint_trajectory</a:t>
             </a:r>
             <a:r>
-              <a:rPr lang="en-US" sz="1200" dirty="0" smtClean="0"/>
+              <a:rPr lang="en-US" sz="1200" dirty="0"/>
               <a:t> messages</a:t>
             </a:r>
-            <a:endParaRPr lang="en-US" sz="1200" dirty="0"/>
           </a:p>
         </p:txBody>
       </p:sp>
@@ -5537,18 +5493,17 @@
           <a:p>
             <a:pPr algn="ctr"/>
             <a:r>
-              <a:rPr lang="en-US" sz="1200" dirty="0" smtClean="0"/>
+              <a:rPr lang="en-US" sz="1200" dirty="0"/>
               <a:t>ROS </a:t>
             </a:r>
             <a:r>
-              <a:rPr lang="en-US" sz="1200" dirty="0" err="1" smtClean="0"/>
+              <a:rPr lang="en-US" sz="1200" dirty="0" err="1"/>
               <a:t>joint_state</a:t>
             </a:r>
             <a:r>
-              <a:rPr lang="en-US" sz="1200" dirty="0" smtClean="0"/>
+              <a:rPr lang="en-US" sz="1200" dirty="0"/>
               <a:t> messages</a:t>
             </a:r>
-            <a:endParaRPr lang="en-US" sz="1200" dirty="0"/>
           </a:p>
         </p:txBody>
       </p:sp>
@@ -5592,10 +5547,9 @@
           <a:p>
             <a:pPr algn="ctr"/>
             <a:r>
-              <a:rPr lang="en-US" sz="1050" dirty="0" smtClean="0"/>
+              <a:rPr lang="en-US" sz="1050" dirty="0"/>
               <a:t>Physical robot</a:t>
             </a:r>
-            <a:endParaRPr lang="en-US" sz="1050" dirty="0"/>
           </a:p>
         </p:txBody>
       </p:sp>
@@ -5674,10 +5628,9 @@
           <a:p>
             <a:pPr algn="ctr"/>
             <a:r>
-              <a:rPr lang="en-US" sz="1050" dirty="0" smtClean="0"/>
+              <a:rPr lang="en-US" sz="1050" dirty="0"/>
               <a:t>roscontroller.py</a:t>
             </a:r>
-            <a:endParaRPr lang="en-US" sz="1050" dirty="0"/>
           </a:p>
         </p:txBody>
       </p:sp>
@@ -5722,13 +5675,8 @@
             <a:pPr algn="ctr"/>
             <a:r>
               <a:rPr lang="en-US" sz="1050" dirty="0"/>
-              <a:t>r</a:t>
-            </a:r>
-            <a:r>
-              <a:rPr lang="en-US" sz="1050" dirty="0" smtClean="0"/>
-              <a:t>osserialrelay.py</a:t>
-            </a:r>
-            <a:endParaRPr lang="en-US" sz="1050" dirty="0"/>
+              <a:t>rosserialrelay.py</a:t>
+            </a:r>
           </a:p>
         </p:txBody>
       </p:sp>
@@ -5772,22 +5720,17 @@
           <a:p>
             <a:pPr algn="ctr"/>
             <a:r>
-              <a:rPr lang="en-US" sz="1050" dirty="0" smtClean="0"/>
+              <a:rPr lang="en-US" sz="1050" dirty="0"/>
               <a:t>Simulated robot (</a:t>
             </a:r>
             <a:r>
-              <a:rPr lang="en-US" sz="1050" dirty="0" err="1" smtClean="0"/>
+              <a:rPr lang="en-US" sz="1050" dirty="0" err="1"/>
               <a:t>SimTest</a:t>
             </a:r>
             <a:r>
-              <a:rPr lang="en-US" sz="1050" dirty="0" smtClean="0"/>
-              <a:t>, </a:t>
-            </a:r>
-            <a:r>
-              <a:rPr lang="en-US" sz="1050" dirty="0" smtClean="0"/>
-              <a:t>simtest.py, etc.)</a:t>
-            </a:r>
-            <a:endParaRPr lang="en-US" sz="1050" dirty="0"/>
+              <a:rPr lang="en-US" sz="1050" dirty="0"/>
+              <a:t>, simtest.py, etc.)</a:t>
+            </a:r>
           </a:p>
         </p:txBody>
       </p:sp>
@@ -5871,10 +5814,9 @@
           <a:p>
             <a:pPr algn="ctr"/>
             <a:r>
-              <a:rPr lang="en-US" sz="1050" dirty="0" smtClean="0"/>
+              <a:rPr lang="en-US" sz="1050" dirty="0"/>
               <a:t>Simulated robot in simtest.py</a:t>
             </a:r>
-            <a:endParaRPr lang="en-US" sz="1050" dirty="0"/>
           </a:p>
         </p:txBody>
       </p:sp>
@@ -6166,10 +6108,9 @@
           <a:lstStyle/>
           <a:p>
             <a:r>
-              <a:rPr lang="en-US" sz="1200" dirty="0" smtClean="0"/>
+              <a:rPr lang="en-US" sz="1200" dirty="0"/>
               <a:t>Simulation, option 1</a:t>
             </a:r>
-            <a:endParaRPr lang="en-US" sz="1200" dirty="0"/>
           </a:p>
         </p:txBody>
       </p:sp>
@@ -6196,10 +6137,9 @@
           <a:lstStyle/>
           <a:p>
             <a:r>
-              <a:rPr lang="en-US" sz="1200" dirty="0" smtClean="0"/>
+              <a:rPr lang="en-US" sz="1200" dirty="0"/>
               <a:t>Simulation, option 2</a:t>
             </a:r>
-            <a:endParaRPr lang="en-US" sz="1200" dirty="0"/>
           </a:p>
         </p:txBody>
       </p:sp>
@@ -6226,10 +6166,9 @@
           <a:lstStyle/>
           <a:p>
             <a:r>
-              <a:rPr lang="en-US" sz="1200" dirty="0" smtClean="0"/>
+              <a:rPr lang="en-US" sz="1200" dirty="0"/>
               <a:t>Physical robot</a:t>
             </a:r>
-            <a:endParaRPr lang="en-US" sz="1200" dirty="0"/>
           </a:p>
         </p:txBody>
       </p:sp>
@@ -6273,14 +6212,9 @@
           <a:p>
             <a:pPr algn="ctr"/>
             <a:r>
-              <a:rPr lang="en-US" sz="1050" dirty="0" smtClean="0"/>
-              <a:t>External c</a:t>
-            </a:r>
-            <a:r>
-              <a:rPr lang="en-US" sz="1050" dirty="0" smtClean="0"/>
-              <a:t>ontroller</a:t>
-            </a:r>
-            <a:endParaRPr lang="en-US" sz="1050" dirty="0"/>
+              <a:rPr lang="en-US" sz="1050" dirty="0"/>
+              <a:t>External controller</a:t>
+            </a:r>
           </a:p>
         </p:txBody>
       </p:sp>
@@ -6321,18 +6255,17 @@
           <a:p>
             <a:pPr algn="ctr"/>
             <a:r>
-              <a:rPr lang="en-US" sz="1200" dirty="0" smtClean="0"/>
+              <a:rPr lang="en-US" sz="1200" dirty="0"/>
               <a:t>ROS </a:t>
             </a:r>
             <a:r>
-              <a:rPr lang="en-US" sz="1200" dirty="0" err="1" smtClean="0"/>
+              <a:rPr lang="en-US" sz="1200" dirty="0" err="1"/>
               <a:t>joint_trajectory</a:t>
             </a:r>
             <a:r>
-              <a:rPr lang="en-US" sz="1200" dirty="0" smtClean="0"/>
+              <a:rPr lang="en-US" sz="1200" dirty="0"/>
               <a:t> messages</a:t>
             </a:r>
-            <a:endParaRPr lang="en-US" sz="1200" dirty="0"/>
           </a:p>
         </p:txBody>
       </p:sp>
@@ -6373,18 +6306,17 @@
           <a:p>
             <a:pPr algn="ctr"/>
             <a:r>
-              <a:rPr lang="en-US" sz="1200" dirty="0" smtClean="0"/>
+              <a:rPr lang="en-US" sz="1200" dirty="0"/>
               <a:t>ROS </a:t>
             </a:r>
             <a:r>
-              <a:rPr lang="en-US" sz="1200" dirty="0" err="1" smtClean="0"/>
+              <a:rPr lang="en-US" sz="1200" dirty="0" err="1"/>
               <a:t>joint_state</a:t>
             </a:r>
             <a:r>
-              <a:rPr lang="en-US" sz="1200" dirty="0" smtClean="0"/>
+              <a:rPr lang="en-US" sz="1200" dirty="0"/>
               <a:t> messages</a:t>
             </a:r>
-            <a:endParaRPr lang="en-US" sz="1200" dirty="0"/>
           </a:p>
         </p:txBody>
       </p:sp>
@@ -6568,14 +6500,9 @@
           <a:p>
             <a:pPr algn="ctr"/>
             <a:r>
-              <a:rPr lang="en-US" sz="1050" dirty="0" smtClean="0"/>
-              <a:t>External c</a:t>
-            </a:r>
-            <a:r>
-              <a:rPr lang="en-US" sz="1050" dirty="0" smtClean="0"/>
-              <a:t>ontroller</a:t>
-            </a:r>
-            <a:endParaRPr lang="en-US" sz="1050" dirty="0"/>
+              <a:rPr lang="en-US" sz="1050" dirty="0"/>
+              <a:t>External controller</a:t>
+            </a:r>
           </a:p>
         </p:txBody>
       </p:sp>
@@ -6616,18 +6543,17 @@
           <a:p>
             <a:pPr algn="ctr"/>
             <a:r>
-              <a:rPr lang="en-US" sz="1200" dirty="0" smtClean="0"/>
+              <a:rPr lang="en-US" sz="1200" dirty="0"/>
               <a:t>ROS </a:t>
             </a:r>
             <a:r>
-              <a:rPr lang="en-US" sz="1200" dirty="0" err="1" smtClean="0"/>
+              <a:rPr lang="en-US" sz="1200" dirty="0" err="1"/>
               <a:t>joint_trajectory</a:t>
             </a:r>
             <a:r>
-              <a:rPr lang="en-US" sz="1200" dirty="0" smtClean="0"/>
+              <a:rPr lang="en-US" sz="1200" dirty="0"/>
               <a:t> messages</a:t>
             </a:r>
-            <a:endParaRPr lang="en-US" sz="1200" dirty="0"/>
           </a:p>
         </p:txBody>
       </p:sp>
@@ -6668,18 +6594,17 @@
           <a:p>
             <a:pPr algn="ctr"/>
             <a:r>
-              <a:rPr lang="en-US" sz="1200" dirty="0" smtClean="0"/>
+              <a:rPr lang="en-US" sz="1200" dirty="0"/>
               <a:t>ROS </a:t>
             </a:r>
             <a:r>
-              <a:rPr lang="en-US" sz="1200" dirty="0" err="1" smtClean="0"/>
+              <a:rPr lang="en-US" sz="1200" dirty="0" err="1"/>
               <a:t>joint_state</a:t>
             </a:r>
             <a:r>
-              <a:rPr lang="en-US" sz="1200" dirty="0" smtClean="0"/>
+              <a:rPr lang="en-US" sz="1200" dirty="0"/>
               <a:t> messages</a:t>
             </a:r>
-            <a:endParaRPr lang="en-US" sz="1200" dirty="0"/>
           </a:p>
         </p:txBody>
       </p:sp>
@@ -7003,18 +6928,17 @@
           <a:lstStyle/>
           <a:p>
             <a:r>
-              <a:rPr lang="en-US" dirty="0" smtClean="0"/>
+              <a:rPr lang="en-US" dirty="0"/>
               <a:t>Integration with a </a:t>
             </a:r>
             <a:r>
-              <a:rPr lang="en-US" dirty="0" err="1" smtClean="0"/>
+              <a:rPr lang="en-US" dirty="0" err="1"/>
               <a:t>Klamp’t</a:t>
             </a:r>
             <a:r>
-              <a:rPr lang="en-US" dirty="0" smtClean="0"/>
+              <a:rPr lang="en-US" dirty="0"/>
               <a:t> controller at the joint command level</a:t>
             </a:r>
-            <a:endParaRPr lang="en-US" dirty="0"/>
           </a:p>
         </p:txBody>
       </p:sp>
@@ -7058,18 +6982,13 @@
           <a:p>
             <a:pPr algn="ctr"/>
             <a:r>
-              <a:rPr lang="en-US" sz="1050" dirty="0" err="1" smtClean="0"/>
+              <a:rPr lang="en-US" sz="1050" dirty="0" err="1"/>
               <a:t>Klamp’t</a:t>
             </a:r>
             <a:r>
-              <a:rPr lang="en-US" sz="1050" dirty="0" smtClean="0"/>
-              <a:t> c</a:t>
-            </a:r>
-            <a:r>
-              <a:rPr lang="en-US" sz="1050" dirty="0" smtClean="0"/>
-              <a:t>ontroller</a:t>
-            </a:r>
-            <a:endParaRPr lang="en-US" sz="1050" dirty="0"/>
+              <a:rPr lang="en-US" sz="1050" dirty="0"/>
+              <a:t> controller</a:t>
+            </a:r>
           </a:p>
         </p:txBody>
       </p:sp>
@@ -7110,14 +7029,13 @@
           <a:p>
             <a:pPr algn="ctr"/>
             <a:r>
-              <a:rPr lang="en-US" sz="1200" dirty="0" err="1" smtClean="0"/>
+              <a:rPr lang="en-US" sz="1200" dirty="0" err="1"/>
               <a:t>RobotMotorCommand</a:t>
             </a:r>
             <a:r>
-              <a:rPr lang="en-US" sz="1200" dirty="0" smtClean="0"/>
+              <a:rPr lang="en-US" sz="1200" dirty="0"/>
               <a:t> structure</a:t>
             </a:r>
-            <a:endParaRPr lang="en-US" sz="1200" dirty="0"/>
           </a:p>
         </p:txBody>
       </p:sp>
@@ -7158,16 +7076,12 @@
           <a:p>
             <a:pPr algn="ctr"/>
             <a:r>
-              <a:rPr lang="en-US" sz="1200" dirty="0" err="1" smtClean="0"/>
+              <a:rPr lang="en-US" sz="1200" dirty="0" err="1"/>
               <a:t>RobotSensors</a:t>
             </a:r>
             <a:r>
-              <a:rPr lang="en-US" sz="1200" dirty="0" smtClean="0"/>
-              <a:t> </a:t>
-            </a:r>
-            <a:r>
               <a:rPr lang="en-US" sz="1200" dirty="0"/>
-              <a:t>structure</a:t>
+              <a:t> structure</a:t>
             </a:r>
           </a:p>
         </p:txBody>
@@ -7215,7 +7129,6 @@
               <a:rPr lang="en-US" sz="1050" dirty="0"/>
               <a:t>Simulation engine</a:t>
             </a:r>
-            <a:endParaRPr lang="en-US" sz="1050" dirty="0"/>
           </a:p>
         </p:txBody>
       </p:sp>
@@ -7422,10 +7335,9 @@
           <a:lstStyle/>
           <a:p>
             <a:r>
-              <a:rPr lang="en-US" sz="1200" dirty="0" smtClean="0"/>
+              <a:rPr lang="en-US" sz="1200" dirty="0"/>
               <a:t>Physical robot</a:t>
             </a:r>
-            <a:endParaRPr lang="en-US" sz="1200" dirty="0"/>
           </a:p>
         </p:txBody>
       </p:sp>
@@ -7452,10 +7364,9 @@
           <a:lstStyle/>
           <a:p>
             <a:r>
-              <a:rPr lang="en-US" sz="1200" dirty="0" smtClean="0"/>
+              <a:rPr lang="en-US" sz="1200" dirty="0"/>
               <a:t>Simulated robot</a:t>
             </a:r>
-            <a:endParaRPr lang="en-US" sz="1200" dirty="0"/>
           </a:p>
         </p:txBody>
       </p:sp>
@@ -7496,10 +7407,9 @@
           <a:p>
             <a:pPr algn="ctr"/>
             <a:r>
-              <a:rPr lang="en-US" sz="1200" dirty="0" smtClean="0"/>
+              <a:rPr lang="en-US" sz="1200" dirty="0"/>
               <a:t>PID emulator</a:t>
             </a:r>
-            <a:endParaRPr lang="en-US" sz="1200" dirty="0"/>
           </a:p>
         </p:txBody>
       </p:sp>
@@ -7540,10 +7450,9 @@
           <a:p>
             <a:pPr algn="ctr"/>
             <a:r>
-              <a:rPr lang="en-US" sz="1200" dirty="0" smtClean="0"/>
+              <a:rPr lang="en-US" sz="1200" dirty="0"/>
               <a:t>Sensor emulator</a:t>
             </a:r>
-            <a:endParaRPr lang="en-US" sz="1200" dirty="0"/>
           </a:p>
         </p:txBody>
       </p:sp>
@@ -7587,11 +7496,11 @@
           <a:p>
             <a:pPr algn="ctr"/>
             <a:r>
-              <a:rPr lang="en-US" sz="1050" dirty="0" smtClean="0"/>
+              <a:rPr lang="en-US" sz="1050" dirty="0"/>
               <a:t>Subclass of </a:t>
             </a:r>
             <a:r>
-              <a:rPr lang="en-US" sz="1050" dirty="0" err="1" smtClean="0"/>
+              <a:rPr lang="en-US" sz="1050" dirty="0" err="1"/>
               <a:t>ControlledRobot</a:t>
             </a:r>
             <a:endParaRPr lang="en-US" sz="1050" dirty="0"/>
@@ -7638,18 +7547,13 @@
           <a:p>
             <a:pPr algn="ctr"/>
             <a:r>
-              <a:rPr lang="en-US" sz="1050" dirty="0" err="1" smtClean="0"/>
+              <a:rPr lang="en-US" sz="1050" dirty="0" err="1"/>
               <a:t>Klamp’t</a:t>
             </a:r>
             <a:r>
-              <a:rPr lang="en-US" sz="1050" dirty="0" smtClean="0"/>
-              <a:t> c</a:t>
-            </a:r>
-            <a:r>
-              <a:rPr lang="en-US" sz="1050" dirty="0" smtClean="0"/>
-              <a:t>ontroller</a:t>
-            </a:r>
-            <a:endParaRPr lang="en-US" sz="1050" dirty="0"/>
+              <a:rPr lang="en-US" sz="1050" dirty="0"/>
+              <a:t> controller</a:t>
+            </a:r>
           </a:p>
         </p:txBody>
       </p:sp>
@@ -7690,16 +7594,12 @@
           <a:p>
             <a:pPr algn="ctr"/>
             <a:r>
-              <a:rPr lang="en-US" sz="1200" dirty="0" err="1" smtClean="0"/>
+              <a:rPr lang="en-US" sz="1200" dirty="0" err="1"/>
               <a:t>RobotMotorCommand</a:t>
             </a:r>
             <a:r>
-              <a:rPr lang="en-US" sz="1200" dirty="0" smtClean="0"/>
-              <a:t> </a:t>
-            </a:r>
-            <a:r>
               <a:rPr lang="en-US" sz="1200" dirty="0"/>
-              <a:t>structure</a:t>
+              <a:t> structure</a:t>
             </a:r>
           </a:p>
         </p:txBody>
@@ -7741,16 +7641,12 @@
           <a:p>
             <a:pPr algn="ctr"/>
             <a:r>
-              <a:rPr lang="en-US" sz="1200" dirty="0" err="1" smtClean="0"/>
+              <a:rPr lang="en-US" sz="1200" dirty="0" err="1"/>
               <a:t>RobotSensors</a:t>
             </a:r>
             <a:r>
-              <a:rPr lang="en-US" sz="1200" dirty="0" smtClean="0"/>
-              <a:t> </a:t>
-            </a:r>
-            <a:r>
               <a:rPr lang="en-US" sz="1200" dirty="0"/>
-              <a:t>structure</a:t>
+              <a:t> structure</a:t>
             </a:r>
           </a:p>
         </p:txBody>
@@ -7938,7 +7834,6 @@
               <a:rPr lang="en-US" sz="1050" dirty="0"/>
               <a:t>Physical robot</a:t>
             </a:r>
-            <a:endParaRPr lang="en-US" sz="1050" dirty="0"/>
           </a:p>
         </p:txBody>
       </p:sp>
@@ -7986,6 +7881,3962 @@
     <p:extLst>
       <p:ext uri="{BB962C8B-B14F-4D97-AF65-F5344CB8AC3E}">
         <p14:creationId xmlns:p14="http://schemas.microsoft.com/office/powerpoint/2010/main" val="2687840333"/>
+      </p:ext>
+    </p:extLst>
+  </p:cSld>
+  <p:clrMapOvr>
+    <a:masterClrMapping/>
+  </p:clrMapOvr>
+</p:sld>
+</file>
+
+<file path=ppt/slides/slide12.xml><?xml version="1.0" encoding="utf-8"?>
+<p:sld xmlns:a="http://schemas.openxmlformats.org/drawingml/2006/main" xmlns:r="http://schemas.openxmlformats.org/officeDocument/2006/relationships" xmlns:p="http://schemas.openxmlformats.org/presentationml/2006/main">
+  <p:cSld>
+    <p:spTree>
+      <p:nvGrpSpPr>
+        <p:cNvPr id="1" name=""/>
+        <p:cNvGrpSpPr/>
+        <p:nvPr/>
+      </p:nvGrpSpPr>
+      <p:grpSpPr>
+        <a:xfrm>
+          <a:off x="0" y="0"/>
+          <a:ext cx="0" cy="0"/>
+          <a:chOff x="0" y="0"/>
+          <a:chExt cx="0" cy="0"/>
+        </a:xfrm>
+      </p:grpSpPr>
+      <p:sp>
+        <p:nvSpPr>
+          <p:cNvPr id="35" name="Rectangle: Rounded Corners 34">
+            <a:extLst>
+              <a:ext uri="{FF2B5EF4-FFF2-40B4-BE49-F238E27FC236}">
+                <a16:creationId xmlns:a16="http://schemas.microsoft.com/office/drawing/2014/main" id="{F1277F6A-081D-42A1-8694-85764D653779}"/>
+              </a:ext>
+            </a:extLst>
+          </p:cNvPr>
+          <p:cNvSpPr/>
+          <p:nvPr/>
+        </p:nvSpPr>
+        <p:spPr>
+          <a:xfrm>
+            <a:off x="2819400" y="3542913"/>
+            <a:ext cx="3200400" cy="1489264"/>
+          </a:xfrm>
+          <a:prstGeom prst="roundRect">
+            <a:avLst>
+              <a:gd name="adj" fmla="val 13085"/>
+            </a:avLst>
+          </a:prstGeom>
+          <a:noFill/>
+          <a:ln>
+            <a:solidFill>
+              <a:schemeClr val="accent5">
+                <a:lumMod val="75000"/>
+              </a:schemeClr>
+            </a:solidFill>
+            <a:prstDash val="dash"/>
+          </a:ln>
+        </p:spPr>
+        <p:style>
+          <a:lnRef idx="2">
+            <a:schemeClr val="accent1">
+              <a:shade val="50000"/>
+            </a:schemeClr>
+          </a:lnRef>
+          <a:fillRef idx="1">
+            <a:schemeClr val="accent1"/>
+          </a:fillRef>
+          <a:effectRef idx="0">
+            <a:schemeClr val="accent1"/>
+          </a:effectRef>
+          <a:fontRef idx="minor">
+            <a:schemeClr val="lt1"/>
+          </a:fontRef>
+        </p:style>
+        <p:txBody>
+          <a:bodyPr rtlCol="0" anchor="ctr"/>
+          <a:lstStyle/>
+          <a:p>
+            <a:pPr algn="ctr"/>
+            <a:endParaRPr lang="en-US"/>
+          </a:p>
+        </p:txBody>
+      </p:sp>
+      <p:sp>
+        <p:nvSpPr>
+          <p:cNvPr id="5" name="TextBox 4"/>
+          <p:cNvSpPr txBox="1"/>
+          <p:nvPr/>
+        </p:nvSpPr>
+        <p:spPr>
+          <a:xfrm>
+            <a:off x="464127" y="466498"/>
+            <a:ext cx="3637984" cy="369332"/>
+          </a:xfrm>
+          <a:prstGeom prst="rect">
+            <a:avLst/>
+          </a:prstGeom>
+          <a:noFill/>
+        </p:spPr>
+        <p:txBody>
+          <a:bodyPr wrap="none" rtlCol="0">
+            <a:spAutoFit/>
+          </a:bodyPr>
+          <a:lstStyle/>
+          <a:p>
+            <a:r>
+              <a:rPr lang="en-US" dirty="0"/>
+              <a:t>Python </a:t>
+            </a:r>
+            <a:r>
+              <a:rPr lang="en-US" dirty="0" err="1"/>
+              <a:t>SimRobotController</a:t>
+            </a:r>
+            <a:r>
+              <a:rPr lang="en-US" dirty="0"/>
+              <a:t> interface</a:t>
+            </a:r>
+          </a:p>
+        </p:txBody>
+      </p:sp>
+      <p:sp>
+        <p:nvSpPr>
+          <p:cNvPr id="7" name="Rounded Rectangle 6"/>
+          <p:cNvSpPr/>
+          <p:nvPr/>
+        </p:nvSpPr>
+        <p:spPr>
+          <a:xfrm>
+            <a:off x="3759136" y="1872611"/>
+            <a:ext cx="1267176" cy="480454"/>
+          </a:xfrm>
+          <a:prstGeom prst="roundRect">
+            <a:avLst>
+              <a:gd name="adj" fmla="val 20065"/>
+            </a:avLst>
+          </a:prstGeom>
+          <a:ln w="12700"/>
+        </p:spPr>
+        <p:style>
+          <a:lnRef idx="2">
+            <a:schemeClr val="accent4">
+              <a:shade val="50000"/>
+            </a:schemeClr>
+          </a:lnRef>
+          <a:fillRef idx="1">
+            <a:schemeClr val="accent4"/>
+          </a:fillRef>
+          <a:effectRef idx="0">
+            <a:schemeClr val="accent4"/>
+          </a:effectRef>
+          <a:fontRef idx="minor">
+            <a:schemeClr val="lt1"/>
+          </a:fontRef>
+        </p:style>
+        <p:txBody>
+          <a:bodyPr lIns="0" tIns="0" rIns="0" bIns="0" rtlCol="0" anchor="ctr"/>
+          <a:lstStyle/>
+          <a:p>
+            <a:pPr algn="ctr"/>
+            <a:r>
+              <a:rPr lang="en-US" sz="1050" dirty="0"/>
+              <a:t>Custom controller code</a:t>
+            </a:r>
+          </a:p>
+        </p:txBody>
+      </p:sp>
+      <p:cxnSp>
+        <p:nvCxnSpPr>
+          <p:cNvPr id="21" name="Straight Arrow Connector 20"/>
+          <p:cNvCxnSpPr>
+            <a:cxnSpLocks/>
+            <a:stCxn id="27" idx="0"/>
+          </p:cNvCxnSpPr>
+          <p:nvPr/>
+        </p:nvCxnSpPr>
+        <p:spPr>
+          <a:xfrm flipV="1">
+            <a:off x="3605388" y="2360570"/>
+            <a:ext cx="529841" cy="611230"/>
+          </a:xfrm>
+          <a:prstGeom prst="straightConnector1">
+            <a:avLst/>
+          </a:prstGeom>
+          <a:ln>
+            <a:solidFill>
+              <a:schemeClr val="tx1"/>
+            </a:solidFill>
+            <a:tailEnd type="arrow"/>
+          </a:ln>
+        </p:spPr>
+        <p:style>
+          <a:lnRef idx="1">
+            <a:schemeClr val="accent1"/>
+          </a:lnRef>
+          <a:fillRef idx="0">
+            <a:schemeClr val="accent1"/>
+          </a:fillRef>
+          <a:effectRef idx="0">
+            <a:schemeClr val="accent1"/>
+          </a:effectRef>
+          <a:fontRef idx="minor">
+            <a:schemeClr val="tx1"/>
+          </a:fontRef>
+        </p:style>
+      </p:cxnSp>
+      <p:cxnSp>
+        <p:nvCxnSpPr>
+          <p:cNvPr id="26" name="Straight Arrow Connector 25"/>
+          <p:cNvCxnSpPr>
+            <a:cxnSpLocks/>
+          </p:cNvCxnSpPr>
+          <p:nvPr/>
+        </p:nvCxnSpPr>
+        <p:spPr>
+          <a:xfrm flipH="1">
+            <a:off x="3431184" y="2362200"/>
+            <a:ext cx="520961" cy="609600"/>
+          </a:xfrm>
+          <a:prstGeom prst="straightConnector1">
+            <a:avLst/>
+          </a:prstGeom>
+          <a:ln>
+            <a:solidFill>
+              <a:schemeClr val="tx1"/>
+            </a:solidFill>
+            <a:tailEnd type="arrow"/>
+          </a:ln>
+        </p:spPr>
+        <p:style>
+          <a:lnRef idx="1">
+            <a:schemeClr val="accent1"/>
+          </a:lnRef>
+          <a:fillRef idx="0">
+            <a:schemeClr val="accent1"/>
+          </a:fillRef>
+          <a:effectRef idx="0">
+            <a:schemeClr val="accent1"/>
+          </a:effectRef>
+          <a:fontRef idx="minor">
+            <a:schemeClr val="tx1"/>
+          </a:fontRef>
+        </p:style>
+      </p:cxnSp>
+      <p:sp>
+        <p:nvSpPr>
+          <p:cNvPr id="27" name="Rounded Rectangle 26"/>
+          <p:cNvSpPr/>
+          <p:nvPr/>
+        </p:nvSpPr>
+        <p:spPr>
+          <a:xfrm>
+            <a:off x="2971800" y="2971800"/>
+            <a:ext cx="1267176" cy="480454"/>
+          </a:xfrm>
+          <a:prstGeom prst="roundRect">
+            <a:avLst>
+              <a:gd name="adj" fmla="val 20065"/>
+            </a:avLst>
+          </a:prstGeom>
+          <a:ln w="12700"/>
+        </p:spPr>
+        <p:style>
+          <a:lnRef idx="2">
+            <a:schemeClr val="accent1">
+              <a:shade val="50000"/>
+            </a:schemeClr>
+          </a:lnRef>
+          <a:fillRef idx="1">
+            <a:schemeClr val="accent1"/>
+          </a:fillRef>
+          <a:effectRef idx="0">
+            <a:schemeClr val="accent1"/>
+          </a:effectRef>
+          <a:fontRef idx="minor">
+            <a:schemeClr val="lt1"/>
+          </a:fontRef>
+        </p:style>
+        <p:txBody>
+          <a:bodyPr lIns="0" tIns="0" rIns="0" bIns="0" rtlCol="0" anchor="ctr"/>
+          <a:lstStyle/>
+          <a:p>
+            <a:pPr algn="ctr"/>
+            <a:r>
+              <a:rPr lang="en-US" sz="1050" dirty="0" err="1"/>
+              <a:t>Klamp’t</a:t>
+            </a:r>
+            <a:r>
+              <a:rPr lang="en-US" sz="1050" dirty="0"/>
+              <a:t> </a:t>
+            </a:r>
+            <a:r>
+              <a:rPr lang="en-US" sz="1050" dirty="0" err="1"/>
+              <a:t>SimRobotController</a:t>
+            </a:r>
+            <a:endParaRPr lang="en-US" sz="1050" dirty="0"/>
+          </a:p>
+        </p:txBody>
+      </p:sp>
+      <p:sp>
+        <p:nvSpPr>
+          <p:cNvPr id="28" name="Rounded Rectangle 27"/>
+          <p:cNvSpPr/>
+          <p:nvPr/>
+        </p:nvSpPr>
+        <p:spPr>
+          <a:xfrm>
+            <a:off x="2971800" y="3621830"/>
+            <a:ext cx="1267176" cy="480454"/>
+          </a:xfrm>
+          <a:prstGeom prst="roundRect">
+            <a:avLst>
+              <a:gd name="adj" fmla="val 20065"/>
+            </a:avLst>
+          </a:prstGeom>
+          <a:ln w="12700">
+            <a:solidFill>
+              <a:schemeClr val="accent1"/>
+            </a:solidFill>
+          </a:ln>
+        </p:spPr>
+        <p:style>
+          <a:lnRef idx="2">
+            <a:schemeClr val="accent5">
+              <a:shade val="50000"/>
+            </a:schemeClr>
+          </a:lnRef>
+          <a:fillRef idx="1">
+            <a:schemeClr val="accent5"/>
+          </a:fillRef>
+          <a:effectRef idx="0">
+            <a:schemeClr val="accent5"/>
+          </a:effectRef>
+          <a:fontRef idx="minor">
+            <a:schemeClr val="lt1"/>
+          </a:fontRef>
+        </p:style>
+        <p:txBody>
+          <a:bodyPr lIns="0" tIns="0" rIns="0" bIns="0" rtlCol="0" anchor="ctr"/>
+          <a:lstStyle/>
+          <a:p>
+            <a:pPr algn="ctr"/>
+            <a:r>
+              <a:rPr lang="en-US" sz="1050" dirty="0"/>
+              <a:t>Simulated actuators (PID, torque)</a:t>
+            </a:r>
+          </a:p>
+        </p:txBody>
+      </p:sp>
+      <p:sp>
+        <p:nvSpPr>
+          <p:cNvPr id="29" name="Down Arrow 28"/>
+          <p:cNvSpPr/>
+          <p:nvPr/>
+        </p:nvSpPr>
+        <p:spPr>
+          <a:xfrm>
+            <a:off x="3382280" y="3470524"/>
+            <a:ext cx="147738" cy="151306"/>
+          </a:xfrm>
+          <a:prstGeom prst="downArrow">
+            <a:avLst/>
+          </a:prstGeom>
+        </p:spPr>
+        <p:style>
+          <a:lnRef idx="2">
+            <a:schemeClr val="accent6">
+              <a:shade val="50000"/>
+            </a:schemeClr>
+          </a:lnRef>
+          <a:fillRef idx="1">
+            <a:schemeClr val="accent6"/>
+          </a:fillRef>
+          <a:effectRef idx="0">
+            <a:schemeClr val="accent6"/>
+          </a:effectRef>
+          <a:fontRef idx="minor">
+            <a:schemeClr val="lt1"/>
+          </a:fontRef>
+        </p:style>
+        <p:txBody>
+          <a:bodyPr lIns="0" rIns="0" rtlCol="0" anchor="ctr"/>
+          <a:lstStyle/>
+          <a:p>
+            <a:pPr algn="ctr"/>
+            <a:endParaRPr lang="en-US" sz="1400"/>
+          </a:p>
+        </p:txBody>
+      </p:sp>
+      <p:sp>
+        <p:nvSpPr>
+          <p:cNvPr id="30" name="Down Arrow 29"/>
+          <p:cNvSpPr/>
+          <p:nvPr/>
+        </p:nvSpPr>
+        <p:spPr>
+          <a:xfrm rot="10800000">
+            <a:off x="3633526" y="3467260"/>
+            <a:ext cx="147738" cy="151306"/>
+          </a:xfrm>
+          <a:prstGeom prst="downArrow">
+            <a:avLst/>
+          </a:prstGeom>
+        </p:spPr>
+        <p:style>
+          <a:lnRef idx="2">
+            <a:schemeClr val="accent6">
+              <a:shade val="50000"/>
+            </a:schemeClr>
+          </a:lnRef>
+          <a:fillRef idx="1">
+            <a:schemeClr val="accent6"/>
+          </a:fillRef>
+          <a:effectRef idx="0">
+            <a:schemeClr val="accent6"/>
+          </a:effectRef>
+          <a:fontRef idx="minor">
+            <a:schemeClr val="lt1"/>
+          </a:fontRef>
+        </p:style>
+        <p:txBody>
+          <a:bodyPr lIns="0" rIns="0" rtlCol="0" anchor="ctr"/>
+          <a:lstStyle/>
+          <a:p>
+            <a:pPr algn="ctr"/>
+            <a:endParaRPr lang="en-US" sz="1400"/>
+          </a:p>
+        </p:txBody>
+      </p:sp>
+      <p:sp>
+        <p:nvSpPr>
+          <p:cNvPr id="16" name="Down Arrow 28">
+            <a:extLst>
+              <a:ext uri="{FF2B5EF4-FFF2-40B4-BE49-F238E27FC236}">
+                <a16:creationId xmlns:a16="http://schemas.microsoft.com/office/drawing/2014/main" id="{0A793055-073A-4F3C-BAA1-B2385E45A5BD}"/>
+              </a:ext>
+            </a:extLst>
+          </p:cNvPr>
+          <p:cNvSpPr/>
+          <p:nvPr/>
+        </p:nvSpPr>
+        <p:spPr>
+          <a:xfrm>
+            <a:off x="3382280" y="4113051"/>
+            <a:ext cx="147738" cy="151306"/>
+          </a:xfrm>
+          <a:prstGeom prst="downArrow">
+            <a:avLst/>
+          </a:prstGeom>
+        </p:spPr>
+        <p:style>
+          <a:lnRef idx="2">
+            <a:schemeClr val="accent6">
+              <a:shade val="50000"/>
+            </a:schemeClr>
+          </a:lnRef>
+          <a:fillRef idx="1">
+            <a:schemeClr val="accent6"/>
+          </a:fillRef>
+          <a:effectRef idx="0">
+            <a:schemeClr val="accent6"/>
+          </a:effectRef>
+          <a:fontRef idx="minor">
+            <a:schemeClr val="lt1"/>
+          </a:fontRef>
+        </p:style>
+        <p:txBody>
+          <a:bodyPr lIns="0" rIns="0" rtlCol="0" anchor="ctr"/>
+          <a:lstStyle/>
+          <a:p>
+            <a:pPr algn="ctr"/>
+            <a:endParaRPr lang="en-US" sz="1400"/>
+          </a:p>
+        </p:txBody>
+      </p:sp>
+      <p:sp>
+        <p:nvSpPr>
+          <p:cNvPr id="17" name="Down Arrow 29">
+            <a:extLst>
+              <a:ext uri="{FF2B5EF4-FFF2-40B4-BE49-F238E27FC236}">
+                <a16:creationId xmlns:a16="http://schemas.microsoft.com/office/drawing/2014/main" id="{65533F1A-EAE2-40CD-A279-08D95F8510A2}"/>
+              </a:ext>
+            </a:extLst>
+          </p:cNvPr>
+          <p:cNvSpPr/>
+          <p:nvPr/>
+        </p:nvSpPr>
+        <p:spPr>
+          <a:xfrm rot="10800000">
+            <a:off x="3633526" y="4109787"/>
+            <a:ext cx="147738" cy="151306"/>
+          </a:xfrm>
+          <a:prstGeom prst="downArrow">
+            <a:avLst/>
+          </a:prstGeom>
+        </p:spPr>
+        <p:style>
+          <a:lnRef idx="2">
+            <a:schemeClr val="accent6">
+              <a:shade val="50000"/>
+            </a:schemeClr>
+          </a:lnRef>
+          <a:fillRef idx="1">
+            <a:schemeClr val="accent6"/>
+          </a:fillRef>
+          <a:effectRef idx="0">
+            <a:schemeClr val="accent6"/>
+          </a:effectRef>
+          <a:fontRef idx="minor">
+            <a:schemeClr val="lt1"/>
+          </a:fontRef>
+        </p:style>
+        <p:txBody>
+          <a:bodyPr lIns="0" rIns="0" rtlCol="0" anchor="ctr"/>
+          <a:lstStyle/>
+          <a:p>
+            <a:pPr algn="ctr"/>
+            <a:endParaRPr lang="en-US" sz="1400"/>
+          </a:p>
+        </p:txBody>
+      </p:sp>
+      <p:sp>
+        <p:nvSpPr>
+          <p:cNvPr id="23" name="Rounded Rectangle 26">
+            <a:extLst>
+              <a:ext uri="{FF2B5EF4-FFF2-40B4-BE49-F238E27FC236}">
+                <a16:creationId xmlns:a16="http://schemas.microsoft.com/office/drawing/2014/main" id="{919D6C92-8F2D-4CE4-9F12-CC2744D8AC4B}"/>
+              </a:ext>
+            </a:extLst>
+          </p:cNvPr>
+          <p:cNvSpPr/>
+          <p:nvPr/>
+        </p:nvSpPr>
+        <p:spPr>
+          <a:xfrm>
+            <a:off x="4587434" y="2971800"/>
+            <a:ext cx="1267176" cy="480454"/>
+          </a:xfrm>
+          <a:prstGeom prst="roundRect">
+            <a:avLst>
+              <a:gd name="adj" fmla="val 20065"/>
+            </a:avLst>
+          </a:prstGeom>
+          <a:ln w="12700"/>
+        </p:spPr>
+        <p:style>
+          <a:lnRef idx="2">
+            <a:schemeClr val="accent1">
+              <a:shade val="50000"/>
+            </a:schemeClr>
+          </a:lnRef>
+          <a:fillRef idx="1">
+            <a:schemeClr val="accent1"/>
+          </a:fillRef>
+          <a:effectRef idx="0">
+            <a:schemeClr val="accent1"/>
+          </a:effectRef>
+          <a:fontRef idx="minor">
+            <a:schemeClr val="lt1"/>
+          </a:fontRef>
+        </p:style>
+        <p:txBody>
+          <a:bodyPr lIns="0" tIns="0" rIns="0" bIns="0" rtlCol="0" anchor="ctr"/>
+          <a:lstStyle/>
+          <a:p>
+            <a:pPr algn="ctr"/>
+            <a:r>
+              <a:rPr lang="en-US" sz="1050" dirty="0" err="1"/>
+              <a:t>Klamp’t</a:t>
+            </a:r>
+            <a:r>
+              <a:rPr lang="en-US" sz="1050" dirty="0"/>
+              <a:t> </a:t>
+            </a:r>
+            <a:r>
+              <a:rPr lang="en-US" sz="1050" dirty="0" err="1"/>
+              <a:t>SimRobotSensor</a:t>
+            </a:r>
+            <a:endParaRPr lang="en-US" sz="1050" dirty="0"/>
+          </a:p>
+        </p:txBody>
+      </p:sp>
+      <p:cxnSp>
+        <p:nvCxnSpPr>
+          <p:cNvPr id="31" name="Straight Arrow Connector 30">
+            <a:extLst>
+              <a:ext uri="{FF2B5EF4-FFF2-40B4-BE49-F238E27FC236}">
+                <a16:creationId xmlns:a16="http://schemas.microsoft.com/office/drawing/2014/main" id="{A8E18B50-4DE9-457A-AB46-41A784ED6163}"/>
+              </a:ext>
+            </a:extLst>
+          </p:cNvPr>
+          <p:cNvCxnSpPr>
+            <a:cxnSpLocks/>
+            <a:stCxn id="23" idx="0"/>
+          </p:cNvCxnSpPr>
+          <p:nvPr/>
+        </p:nvCxnSpPr>
+        <p:spPr>
+          <a:xfrm flipH="1" flipV="1">
+            <a:off x="4743068" y="2362200"/>
+            <a:ext cx="477954" cy="609600"/>
+          </a:xfrm>
+          <a:prstGeom prst="straightConnector1">
+            <a:avLst/>
+          </a:prstGeom>
+          <a:ln>
+            <a:solidFill>
+              <a:schemeClr val="tx1"/>
+            </a:solidFill>
+            <a:tailEnd type="arrow"/>
+          </a:ln>
+        </p:spPr>
+        <p:style>
+          <a:lnRef idx="1">
+            <a:schemeClr val="accent1"/>
+          </a:lnRef>
+          <a:fillRef idx="0">
+            <a:schemeClr val="accent1"/>
+          </a:fillRef>
+          <a:effectRef idx="0">
+            <a:schemeClr val="accent1"/>
+          </a:effectRef>
+          <a:fontRef idx="minor">
+            <a:schemeClr val="tx1"/>
+          </a:fontRef>
+        </p:style>
+      </p:cxnSp>
+      <p:sp>
+        <p:nvSpPr>
+          <p:cNvPr id="33" name="Arrow: Right 32">
+            <a:extLst>
+              <a:ext uri="{FF2B5EF4-FFF2-40B4-BE49-F238E27FC236}">
+                <a16:creationId xmlns:a16="http://schemas.microsoft.com/office/drawing/2014/main" id="{B78394FE-47C2-4FC4-A3B6-C0485CE385F1}"/>
+              </a:ext>
+            </a:extLst>
+          </p:cNvPr>
+          <p:cNvSpPr/>
+          <p:nvPr/>
+        </p:nvSpPr>
+        <p:spPr>
+          <a:xfrm>
+            <a:off x="4238976" y="4343400"/>
+            <a:ext cx="180624" cy="152400"/>
+          </a:xfrm>
+          <a:prstGeom prst="rightArrow">
+            <a:avLst/>
+          </a:prstGeom>
+        </p:spPr>
+        <p:style>
+          <a:lnRef idx="2">
+            <a:schemeClr val="accent6">
+              <a:shade val="50000"/>
+            </a:schemeClr>
+          </a:lnRef>
+          <a:fillRef idx="1">
+            <a:schemeClr val="accent6"/>
+          </a:fillRef>
+          <a:effectRef idx="0">
+            <a:schemeClr val="accent6"/>
+          </a:effectRef>
+          <a:fontRef idx="minor">
+            <a:schemeClr val="lt1"/>
+          </a:fontRef>
+        </p:style>
+        <p:txBody>
+          <a:bodyPr lIns="0" rIns="0" rtlCol="0" anchor="ctr"/>
+          <a:lstStyle/>
+          <a:p>
+            <a:pPr algn="ctr"/>
+            <a:endParaRPr lang="en-US" sz="1400"/>
+          </a:p>
+        </p:txBody>
+      </p:sp>
+      <p:sp>
+        <p:nvSpPr>
+          <p:cNvPr id="34" name="Arrow: Right 33">
+            <a:extLst>
+              <a:ext uri="{FF2B5EF4-FFF2-40B4-BE49-F238E27FC236}">
+                <a16:creationId xmlns:a16="http://schemas.microsoft.com/office/drawing/2014/main" id="{02CE50D6-DD2B-400C-B2E9-5ED8BCD0D856}"/>
+              </a:ext>
+            </a:extLst>
+          </p:cNvPr>
+          <p:cNvSpPr/>
+          <p:nvPr/>
+        </p:nvSpPr>
+        <p:spPr>
+          <a:xfrm flipH="1">
+            <a:off x="4238976" y="4547857"/>
+            <a:ext cx="180624" cy="152400"/>
+          </a:xfrm>
+          <a:prstGeom prst="rightArrow">
+            <a:avLst/>
+          </a:prstGeom>
+        </p:spPr>
+        <p:style>
+          <a:lnRef idx="2">
+            <a:schemeClr val="accent6">
+              <a:shade val="50000"/>
+            </a:schemeClr>
+          </a:lnRef>
+          <a:fillRef idx="1">
+            <a:schemeClr val="accent6"/>
+          </a:fillRef>
+          <a:effectRef idx="0">
+            <a:schemeClr val="accent6"/>
+          </a:effectRef>
+          <a:fontRef idx="minor">
+            <a:schemeClr val="lt1"/>
+          </a:fontRef>
+        </p:style>
+        <p:txBody>
+          <a:bodyPr lIns="0" rIns="0" rtlCol="0" anchor="ctr"/>
+          <a:lstStyle/>
+          <a:p>
+            <a:pPr algn="ctr"/>
+            <a:endParaRPr lang="en-US" sz="1400"/>
+          </a:p>
+        </p:txBody>
+      </p:sp>
+      <p:sp>
+        <p:nvSpPr>
+          <p:cNvPr id="15" name="Rounded Rectangle 27">
+            <a:extLst>
+              <a:ext uri="{FF2B5EF4-FFF2-40B4-BE49-F238E27FC236}">
+                <a16:creationId xmlns:a16="http://schemas.microsoft.com/office/drawing/2014/main" id="{018DE038-7A32-4E0E-A8EE-A9483CA0F586}"/>
+              </a:ext>
+            </a:extLst>
+          </p:cNvPr>
+          <p:cNvSpPr/>
+          <p:nvPr/>
+        </p:nvSpPr>
+        <p:spPr>
+          <a:xfrm>
+            <a:off x="2971800" y="4271860"/>
+            <a:ext cx="1267176" cy="480454"/>
+          </a:xfrm>
+          <a:prstGeom prst="roundRect">
+            <a:avLst>
+              <a:gd name="adj" fmla="val 20065"/>
+            </a:avLst>
+          </a:prstGeom>
+          <a:ln w="12700">
+            <a:solidFill>
+              <a:schemeClr val="accent1"/>
+            </a:solidFill>
+          </a:ln>
+        </p:spPr>
+        <p:style>
+          <a:lnRef idx="2">
+            <a:schemeClr val="accent5">
+              <a:shade val="50000"/>
+            </a:schemeClr>
+          </a:lnRef>
+          <a:fillRef idx="1">
+            <a:schemeClr val="accent5"/>
+          </a:fillRef>
+          <a:effectRef idx="0">
+            <a:schemeClr val="accent5"/>
+          </a:effectRef>
+          <a:fontRef idx="minor">
+            <a:schemeClr val="lt1"/>
+          </a:fontRef>
+        </p:style>
+        <p:txBody>
+          <a:bodyPr lIns="0" tIns="0" rIns="0" bIns="0" rtlCol="0" anchor="ctr"/>
+          <a:lstStyle/>
+          <a:p>
+            <a:pPr algn="ctr"/>
+            <a:r>
+              <a:rPr lang="en-US" sz="1050" dirty="0"/>
+              <a:t>Rigid body simulation of robot</a:t>
+            </a:r>
+          </a:p>
+        </p:txBody>
+      </p:sp>
+      <p:sp>
+        <p:nvSpPr>
+          <p:cNvPr id="32" name="Rounded Rectangle 27">
+            <a:extLst>
+              <a:ext uri="{FF2B5EF4-FFF2-40B4-BE49-F238E27FC236}">
+                <a16:creationId xmlns:a16="http://schemas.microsoft.com/office/drawing/2014/main" id="{05DCD61E-8F7F-44E5-A94D-4F12AC090F99}"/>
+              </a:ext>
+            </a:extLst>
+          </p:cNvPr>
+          <p:cNvSpPr/>
+          <p:nvPr/>
+        </p:nvSpPr>
+        <p:spPr>
+          <a:xfrm>
+            <a:off x="4419600" y="4271860"/>
+            <a:ext cx="1267176" cy="480454"/>
+          </a:xfrm>
+          <a:prstGeom prst="roundRect">
+            <a:avLst>
+              <a:gd name="adj" fmla="val 20065"/>
+            </a:avLst>
+          </a:prstGeom>
+          <a:ln w="12700">
+            <a:solidFill>
+              <a:schemeClr val="accent1"/>
+            </a:solidFill>
+          </a:ln>
+        </p:spPr>
+        <p:style>
+          <a:lnRef idx="2">
+            <a:schemeClr val="accent5">
+              <a:shade val="50000"/>
+            </a:schemeClr>
+          </a:lnRef>
+          <a:fillRef idx="1">
+            <a:schemeClr val="accent5"/>
+          </a:fillRef>
+          <a:effectRef idx="0">
+            <a:schemeClr val="accent5"/>
+          </a:effectRef>
+          <a:fontRef idx="minor">
+            <a:schemeClr val="lt1"/>
+          </a:fontRef>
+        </p:style>
+        <p:txBody>
+          <a:bodyPr lIns="0" tIns="0" rIns="0" bIns="0" rtlCol="0" anchor="ctr"/>
+          <a:lstStyle/>
+          <a:p>
+            <a:pPr algn="ctr"/>
+            <a:r>
+              <a:rPr lang="en-US" sz="1050" dirty="0"/>
+              <a:t>Interaction with other rigid bodies</a:t>
+            </a:r>
+          </a:p>
+        </p:txBody>
+      </p:sp>
+      <p:sp>
+        <p:nvSpPr>
+          <p:cNvPr id="36" name="TextBox 35">
+            <a:extLst>
+              <a:ext uri="{FF2B5EF4-FFF2-40B4-BE49-F238E27FC236}">
+                <a16:creationId xmlns:a16="http://schemas.microsoft.com/office/drawing/2014/main" id="{497BB92E-9CFC-402C-84F7-FF4F15816088}"/>
+              </a:ext>
+            </a:extLst>
+          </p:cNvPr>
+          <p:cNvSpPr txBox="1"/>
+          <p:nvPr/>
+        </p:nvSpPr>
+        <p:spPr>
+          <a:xfrm>
+            <a:off x="2916020" y="4724400"/>
+            <a:ext cx="1435010" cy="307777"/>
+          </a:xfrm>
+          <a:prstGeom prst="rect">
+            <a:avLst/>
+          </a:prstGeom>
+          <a:noFill/>
+        </p:spPr>
+        <p:txBody>
+          <a:bodyPr wrap="square" rtlCol="0">
+            <a:spAutoFit/>
+          </a:bodyPr>
+          <a:lstStyle/>
+          <a:p>
+            <a:r>
+              <a:rPr lang="en-US" sz="1400" dirty="0"/>
+              <a:t>Simulator</a:t>
+            </a:r>
+            <a:endParaRPr lang="en-US" sz="1600" dirty="0"/>
+          </a:p>
+        </p:txBody>
+      </p:sp>
+      <p:sp>
+        <p:nvSpPr>
+          <p:cNvPr id="37" name="Down Arrow 28">
+            <a:extLst>
+              <a:ext uri="{FF2B5EF4-FFF2-40B4-BE49-F238E27FC236}">
+                <a16:creationId xmlns:a16="http://schemas.microsoft.com/office/drawing/2014/main" id="{0CA310F0-73E1-46EA-94C8-F534CD30FF17}"/>
+              </a:ext>
+            </a:extLst>
+          </p:cNvPr>
+          <p:cNvSpPr/>
+          <p:nvPr/>
+        </p:nvSpPr>
+        <p:spPr>
+          <a:xfrm>
+            <a:off x="5036777" y="3470524"/>
+            <a:ext cx="147738" cy="151306"/>
+          </a:xfrm>
+          <a:prstGeom prst="downArrow">
+            <a:avLst/>
+          </a:prstGeom>
+        </p:spPr>
+        <p:style>
+          <a:lnRef idx="2">
+            <a:schemeClr val="accent6">
+              <a:shade val="50000"/>
+            </a:schemeClr>
+          </a:lnRef>
+          <a:fillRef idx="1">
+            <a:schemeClr val="accent6"/>
+          </a:fillRef>
+          <a:effectRef idx="0">
+            <a:schemeClr val="accent6"/>
+          </a:effectRef>
+          <a:fontRef idx="minor">
+            <a:schemeClr val="lt1"/>
+          </a:fontRef>
+        </p:style>
+        <p:txBody>
+          <a:bodyPr lIns="0" rIns="0" rtlCol="0" anchor="ctr"/>
+          <a:lstStyle/>
+          <a:p>
+            <a:pPr algn="ctr"/>
+            <a:endParaRPr lang="en-US" sz="1400"/>
+          </a:p>
+        </p:txBody>
+      </p:sp>
+      <p:sp>
+        <p:nvSpPr>
+          <p:cNvPr id="38" name="Down Arrow 29">
+            <a:extLst>
+              <a:ext uri="{FF2B5EF4-FFF2-40B4-BE49-F238E27FC236}">
+                <a16:creationId xmlns:a16="http://schemas.microsoft.com/office/drawing/2014/main" id="{5A188759-7512-4031-803D-BB8F6C0FB987}"/>
+              </a:ext>
+            </a:extLst>
+          </p:cNvPr>
+          <p:cNvSpPr/>
+          <p:nvPr/>
+        </p:nvSpPr>
+        <p:spPr>
+          <a:xfrm rot="10800000">
+            <a:off x="5288023" y="3467260"/>
+            <a:ext cx="147738" cy="151306"/>
+          </a:xfrm>
+          <a:prstGeom prst="downArrow">
+            <a:avLst/>
+          </a:prstGeom>
+        </p:spPr>
+        <p:style>
+          <a:lnRef idx="2">
+            <a:schemeClr val="accent6">
+              <a:shade val="50000"/>
+            </a:schemeClr>
+          </a:lnRef>
+          <a:fillRef idx="1">
+            <a:schemeClr val="accent6"/>
+          </a:fillRef>
+          <a:effectRef idx="0">
+            <a:schemeClr val="accent6"/>
+          </a:effectRef>
+          <a:fontRef idx="minor">
+            <a:schemeClr val="lt1"/>
+          </a:fontRef>
+        </p:style>
+        <p:txBody>
+          <a:bodyPr lIns="0" rIns="0" rtlCol="0" anchor="ctr"/>
+          <a:lstStyle/>
+          <a:p>
+            <a:pPr algn="ctr"/>
+            <a:endParaRPr lang="en-US" sz="1400"/>
+          </a:p>
+        </p:txBody>
+      </p:sp>
+      <p:sp>
+        <p:nvSpPr>
+          <p:cNvPr id="39" name="Rounded Rectangle 27">
+            <a:extLst>
+              <a:ext uri="{FF2B5EF4-FFF2-40B4-BE49-F238E27FC236}">
+                <a16:creationId xmlns:a16="http://schemas.microsoft.com/office/drawing/2014/main" id="{CEA1599D-FF54-464D-973E-F112CC7954A6}"/>
+              </a:ext>
+            </a:extLst>
+          </p:cNvPr>
+          <p:cNvSpPr/>
+          <p:nvPr/>
+        </p:nvSpPr>
+        <p:spPr>
+          <a:xfrm>
+            <a:off x="4587434" y="3621830"/>
+            <a:ext cx="1267176" cy="480454"/>
+          </a:xfrm>
+          <a:prstGeom prst="roundRect">
+            <a:avLst>
+              <a:gd name="adj" fmla="val 20065"/>
+            </a:avLst>
+          </a:prstGeom>
+          <a:ln w="12700">
+            <a:solidFill>
+              <a:schemeClr val="accent1"/>
+            </a:solidFill>
+          </a:ln>
+        </p:spPr>
+        <p:style>
+          <a:lnRef idx="2">
+            <a:schemeClr val="accent5">
+              <a:shade val="50000"/>
+            </a:schemeClr>
+          </a:lnRef>
+          <a:fillRef idx="1">
+            <a:schemeClr val="accent5"/>
+          </a:fillRef>
+          <a:effectRef idx="0">
+            <a:schemeClr val="accent5"/>
+          </a:effectRef>
+          <a:fontRef idx="minor">
+            <a:schemeClr val="lt1"/>
+          </a:fontRef>
+        </p:style>
+        <p:txBody>
+          <a:bodyPr lIns="0" tIns="0" rIns="0" bIns="0" rtlCol="0" anchor="ctr"/>
+          <a:lstStyle/>
+          <a:p>
+            <a:pPr algn="ctr"/>
+            <a:r>
+              <a:rPr lang="en-US" sz="1050" dirty="0"/>
+              <a:t>Simulated sensors (vision, </a:t>
+            </a:r>
+            <a:r>
+              <a:rPr lang="en-US" sz="1050" dirty="0" err="1"/>
+              <a:t>etc</a:t>
+            </a:r>
+            <a:r>
+              <a:rPr lang="en-US" sz="1050" dirty="0"/>
+              <a:t>)</a:t>
+            </a:r>
+          </a:p>
+        </p:txBody>
+      </p:sp>
+      <p:cxnSp>
+        <p:nvCxnSpPr>
+          <p:cNvPr id="41" name="Straight Arrow Connector 40">
+            <a:extLst>
+              <a:ext uri="{FF2B5EF4-FFF2-40B4-BE49-F238E27FC236}">
+                <a16:creationId xmlns:a16="http://schemas.microsoft.com/office/drawing/2014/main" id="{3BAA9599-286B-47C0-A5DE-822245F3E54B}"/>
+              </a:ext>
+            </a:extLst>
+          </p:cNvPr>
+          <p:cNvCxnSpPr>
+            <a:stCxn id="28" idx="3"/>
+            <a:endCxn id="39" idx="1"/>
+          </p:cNvCxnSpPr>
+          <p:nvPr/>
+        </p:nvCxnSpPr>
+        <p:spPr>
+          <a:xfrm>
+            <a:off x="4238976" y="3862057"/>
+            <a:ext cx="348458" cy="0"/>
+          </a:xfrm>
+          <a:prstGeom prst="straightConnector1">
+            <a:avLst/>
+          </a:prstGeom>
+          <a:ln>
+            <a:tailEnd type="triangle"/>
+          </a:ln>
+        </p:spPr>
+        <p:style>
+          <a:lnRef idx="1">
+            <a:schemeClr val="accent1"/>
+          </a:lnRef>
+          <a:fillRef idx="0">
+            <a:schemeClr val="accent1"/>
+          </a:fillRef>
+          <a:effectRef idx="0">
+            <a:schemeClr val="accent1"/>
+          </a:effectRef>
+          <a:fontRef idx="minor">
+            <a:schemeClr val="tx1"/>
+          </a:fontRef>
+        </p:style>
+      </p:cxnSp>
+      <p:cxnSp>
+        <p:nvCxnSpPr>
+          <p:cNvPr id="42" name="Straight Arrow Connector 41">
+            <a:extLst>
+              <a:ext uri="{FF2B5EF4-FFF2-40B4-BE49-F238E27FC236}">
+                <a16:creationId xmlns:a16="http://schemas.microsoft.com/office/drawing/2014/main" id="{7B147FB6-CAB5-4EFC-A153-C51C6666D096}"/>
+              </a:ext>
+            </a:extLst>
+          </p:cNvPr>
+          <p:cNvCxnSpPr>
+            <a:cxnSpLocks/>
+          </p:cNvCxnSpPr>
+          <p:nvPr/>
+        </p:nvCxnSpPr>
+        <p:spPr>
+          <a:xfrm flipV="1">
+            <a:off x="4238976" y="4061854"/>
+            <a:ext cx="375442" cy="210007"/>
+          </a:xfrm>
+          <a:prstGeom prst="straightConnector1">
+            <a:avLst/>
+          </a:prstGeom>
+          <a:ln>
+            <a:tailEnd type="triangle"/>
+          </a:ln>
+        </p:spPr>
+        <p:style>
+          <a:lnRef idx="1">
+            <a:schemeClr val="accent1"/>
+          </a:lnRef>
+          <a:fillRef idx="0">
+            <a:schemeClr val="accent1"/>
+          </a:fillRef>
+          <a:effectRef idx="0">
+            <a:schemeClr val="accent1"/>
+          </a:effectRef>
+          <a:fontRef idx="minor">
+            <a:schemeClr val="tx1"/>
+          </a:fontRef>
+        </p:style>
+      </p:cxnSp>
+      <p:cxnSp>
+        <p:nvCxnSpPr>
+          <p:cNvPr id="45" name="Straight Arrow Connector 44">
+            <a:extLst>
+              <a:ext uri="{FF2B5EF4-FFF2-40B4-BE49-F238E27FC236}">
+                <a16:creationId xmlns:a16="http://schemas.microsoft.com/office/drawing/2014/main" id="{89658F33-66D4-4222-ABBF-6EA9901C72CB}"/>
+              </a:ext>
+            </a:extLst>
+          </p:cNvPr>
+          <p:cNvCxnSpPr>
+            <a:cxnSpLocks/>
+            <a:endCxn id="39" idx="2"/>
+          </p:cNvCxnSpPr>
+          <p:nvPr/>
+        </p:nvCxnSpPr>
+        <p:spPr>
+          <a:xfrm flipV="1">
+            <a:off x="5221022" y="4102284"/>
+            <a:ext cx="0" cy="169575"/>
+          </a:xfrm>
+          <a:prstGeom prst="straightConnector1">
+            <a:avLst/>
+          </a:prstGeom>
+          <a:ln>
+            <a:tailEnd type="triangle"/>
+          </a:ln>
+        </p:spPr>
+        <p:style>
+          <a:lnRef idx="1">
+            <a:schemeClr val="accent1"/>
+          </a:lnRef>
+          <a:fillRef idx="0">
+            <a:schemeClr val="accent1"/>
+          </a:fillRef>
+          <a:effectRef idx="0">
+            <a:schemeClr val="accent1"/>
+          </a:effectRef>
+          <a:fontRef idx="minor">
+            <a:schemeClr val="tx1"/>
+          </a:fontRef>
+        </p:style>
+      </p:cxnSp>
+      <p:sp>
+        <p:nvSpPr>
+          <p:cNvPr id="48" name="TextBox 47">
+            <a:extLst>
+              <a:ext uri="{FF2B5EF4-FFF2-40B4-BE49-F238E27FC236}">
+                <a16:creationId xmlns:a16="http://schemas.microsoft.com/office/drawing/2014/main" id="{495AEDAA-DD81-49FF-A6AC-074E3C2A491A}"/>
+              </a:ext>
+            </a:extLst>
+          </p:cNvPr>
+          <p:cNvSpPr txBox="1"/>
+          <p:nvPr/>
+        </p:nvSpPr>
+        <p:spPr>
+          <a:xfrm>
+            <a:off x="2450104" y="2349803"/>
+            <a:ext cx="1499925" cy="430887"/>
+          </a:xfrm>
+          <a:prstGeom prst="rect">
+            <a:avLst/>
+          </a:prstGeom>
+          <a:noFill/>
+        </p:spPr>
+        <p:txBody>
+          <a:bodyPr wrap="square" rtlCol="0">
+            <a:spAutoFit/>
+          </a:bodyPr>
+          <a:lstStyle/>
+          <a:p>
+            <a:r>
+              <a:rPr lang="en-US" sz="1100" dirty="0"/>
+              <a:t>Motion queue, PID, torque commands</a:t>
+            </a:r>
+          </a:p>
+        </p:txBody>
+      </p:sp>
+      <p:sp>
+        <p:nvSpPr>
+          <p:cNvPr id="49" name="TextBox 48">
+            <a:extLst>
+              <a:ext uri="{FF2B5EF4-FFF2-40B4-BE49-F238E27FC236}">
+                <a16:creationId xmlns:a16="http://schemas.microsoft.com/office/drawing/2014/main" id="{3AFBF872-8A18-4658-AF96-9F5D16B0F40C}"/>
+              </a:ext>
+            </a:extLst>
+          </p:cNvPr>
+          <p:cNvSpPr txBox="1"/>
+          <p:nvPr/>
+        </p:nvSpPr>
+        <p:spPr>
+          <a:xfrm>
+            <a:off x="4936813" y="2439288"/>
+            <a:ext cx="1499925" cy="261610"/>
+          </a:xfrm>
+          <a:prstGeom prst="rect">
+            <a:avLst/>
+          </a:prstGeom>
+          <a:noFill/>
+        </p:spPr>
+        <p:txBody>
+          <a:bodyPr wrap="square" rtlCol="0">
+            <a:spAutoFit/>
+          </a:bodyPr>
+          <a:lstStyle/>
+          <a:p>
+            <a:r>
+              <a:rPr lang="en-US" sz="1100" dirty="0"/>
+              <a:t>Measurements</a:t>
+            </a:r>
+          </a:p>
+        </p:txBody>
+      </p:sp>
+      <p:sp>
+        <p:nvSpPr>
+          <p:cNvPr id="50" name="TextBox 49">
+            <a:extLst>
+              <a:ext uri="{FF2B5EF4-FFF2-40B4-BE49-F238E27FC236}">
+                <a16:creationId xmlns:a16="http://schemas.microsoft.com/office/drawing/2014/main" id="{E8F4A2DF-8245-496A-BA22-DD7BA4DC4079}"/>
+              </a:ext>
+            </a:extLst>
+          </p:cNvPr>
+          <p:cNvSpPr txBox="1"/>
+          <p:nvPr/>
+        </p:nvSpPr>
+        <p:spPr>
+          <a:xfrm>
+            <a:off x="3434036" y="2586242"/>
+            <a:ext cx="1499925" cy="430887"/>
+          </a:xfrm>
+          <a:prstGeom prst="rect">
+            <a:avLst/>
+          </a:prstGeom>
+          <a:noFill/>
+        </p:spPr>
+        <p:txBody>
+          <a:bodyPr wrap="square" rtlCol="0">
+            <a:spAutoFit/>
+          </a:bodyPr>
+          <a:lstStyle/>
+          <a:p>
+            <a:pPr algn="r"/>
+            <a:r>
+              <a:rPr lang="en-US" sz="1100" dirty="0"/>
+              <a:t>Joint positions, velocities, torques</a:t>
+            </a:r>
+          </a:p>
+        </p:txBody>
+      </p:sp>
+    </p:spTree>
+    <p:extLst>
+      <p:ext uri="{BB962C8B-B14F-4D97-AF65-F5344CB8AC3E}">
+        <p14:creationId xmlns:p14="http://schemas.microsoft.com/office/powerpoint/2010/main" val="1034773260"/>
+      </p:ext>
+    </p:extLst>
+  </p:cSld>
+  <p:clrMapOvr>
+    <a:masterClrMapping/>
+  </p:clrMapOvr>
+</p:sld>
+</file>
+
+<file path=ppt/slides/slide13.xml><?xml version="1.0" encoding="utf-8"?>
+<p:sld xmlns:a="http://schemas.openxmlformats.org/drawingml/2006/main" xmlns:r="http://schemas.openxmlformats.org/officeDocument/2006/relationships" xmlns:p="http://schemas.openxmlformats.org/presentationml/2006/main">
+  <p:cSld>
+    <p:spTree>
+      <p:nvGrpSpPr>
+        <p:cNvPr id="1" name=""/>
+        <p:cNvGrpSpPr/>
+        <p:nvPr/>
+      </p:nvGrpSpPr>
+      <p:grpSpPr>
+        <a:xfrm>
+          <a:off x="0" y="0"/>
+          <a:ext cx="0" cy="0"/>
+          <a:chOff x="0" y="0"/>
+          <a:chExt cx="0" cy="0"/>
+        </a:xfrm>
+      </p:grpSpPr>
+      <p:sp>
+        <p:nvSpPr>
+          <p:cNvPr id="5" name="TextBox 4"/>
+          <p:cNvSpPr txBox="1"/>
+          <p:nvPr/>
+        </p:nvSpPr>
+        <p:spPr>
+          <a:xfrm>
+            <a:off x="464127" y="466498"/>
+            <a:ext cx="2912144" cy="369332"/>
+          </a:xfrm>
+          <a:prstGeom prst="rect">
+            <a:avLst/>
+          </a:prstGeom>
+          <a:noFill/>
+        </p:spPr>
+        <p:txBody>
+          <a:bodyPr wrap="none" rtlCol="0">
+            <a:spAutoFit/>
+          </a:bodyPr>
+          <a:lstStyle/>
+          <a:p>
+            <a:r>
+              <a:rPr lang="en-US" dirty="0"/>
+              <a:t>Python Robot Interface Layer</a:t>
+            </a:r>
+          </a:p>
+        </p:txBody>
+      </p:sp>
+      <p:sp>
+        <p:nvSpPr>
+          <p:cNvPr id="7" name="Rounded Rectangle 6"/>
+          <p:cNvSpPr/>
+          <p:nvPr/>
+        </p:nvSpPr>
+        <p:spPr>
+          <a:xfrm>
+            <a:off x="1057454" y="1632561"/>
+            <a:ext cx="1267176" cy="480454"/>
+          </a:xfrm>
+          <a:prstGeom prst="roundRect">
+            <a:avLst>
+              <a:gd name="adj" fmla="val 20065"/>
+            </a:avLst>
+          </a:prstGeom>
+          <a:ln w="12700"/>
+        </p:spPr>
+        <p:style>
+          <a:lnRef idx="2">
+            <a:schemeClr val="accent4">
+              <a:shade val="50000"/>
+            </a:schemeClr>
+          </a:lnRef>
+          <a:fillRef idx="1">
+            <a:schemeClr val="accent4"/>
+          </a:fillRef>
+          <a:effectRef idx="0">
+            <a:schemeClr val="accent4"/>
+          </a:effectRef>
+          <a:fontRef idx="minor">
+            <a:schemeClr val="lt1"/>
+          </a:fontRef>
+        </p:style>
+        <p:txBody>
+          <a:bodyPr lIns="0" tIns="0" rIns="0" bIns="0" rtlCol="0" anchor="ctr"/>
+          <a:lstStyle/>
+          <a:p>
+            <a:pPr algn="ctr"/>
+            <a:r>
+              <a:rPr lang="en-US" sz="1050" dirty="0"/>
+              <a:t>Custom controller code</a:t>
+            </a:r>
+          </a:p>
+        </p:txBody>
+      </p:sp>
+      <p:cxnSp>
+        <p:nvCxnSpPr>
+          <p:cNvPr id="26" name="Straight Arrow Connector 25"/>
+          <p:cNvCxnSpPr>
+            <a:cxnSpLocks/>
+          </p:cNvCxnSpPr>
+          <p:nvPr/>
+        </p:nvCxnSpPr>
+        <p:spPr>
+          <a:xfrm>
+            <a:off x="1649349" y="2113015"/>
+            <a:ext cx="0" cy="653886"/>
+          </a:xfrm>
+          <a:prstGeom prst="straightConnector1">
+            <a:avLst/>
+          </a:prstGeom>
+          <a:ln>
+            <a:solidFill>
+              <a:schemeClr val="tx1"/>
+            </a:solidFill>
+            <a:tailEnd type="arrow"/>
+          </a:ln>
+        </p:spPr>
+        <p:style>
+          <a:lnRef idx="1">
+            <a:schemeClr val="accent1"/>
+          </a:lnRef>
+          <a:fillRef idx="0">
+            <a:schemeClr val="accent1"/>
+          </a:fillRef>
+          <a:effectRef idx="0">
+            <a:schemeClr val="accent1"/>
+          </a:effectRef>
+          <a:fontRef idx="minor">
+            <a:schemeClr val="tx1"/>
+          </a:fontRef>
+        </p:style>
+      </p:cxnSp>
+      <p:cxnSp>
+        <p:nvCxnSpPr>
+          <p:cNvPr id="31" name="Straight Arrow Connector 30">
+            <a:extLst>
+              <a:ext uri="{FF2B5EF4-FFF2-40B4-BE49-F238E27FC236}">
+                <a16:creationId xmlns:a16="http://schemas.microsoft.com/office/drawing/2014/main" id="{A8E18B50-4DE9-457A-AB46-41A784ED6163}"/>
+              </a:ext>
+            </a:extLst>
+          </p:cNvPr>
+          <p:cNvCxnSpPr>
+            <a:cxnSpLocks/>
+          </p:cNvCxnSpPr>
+          <p:nvPr/>
+        </p:nvCxnSpPr>
+        <p:spPr>
+          <a:xfrm flipV="1">
+            <a:off x="1836378" y="2114431"/>
+            <a:ext cx="0" cy="652470"/>
+          </a:xfrm>
+          <a:prstGeom prst="straightConnector1">
+            <a:avLst/>
+          </a:prstGeom>
+          <a:ln>
+            <a:solidFill>
+              <a:schemeClr val="tx1"/>
+            </a:solidFill>
+            <a:tailEnd type="arrow"/>
+          </a:ln>
+        </p:spPr>
+        <p:style>
+          <a:lnRef idx="1">
+            <a:schemeClr val="accent1"/>
+          </a:lnRef>
+          <a:fillRef idx="0">
+            <a:schemeClr val="accent1"/>
+          </a:fillRef>
+          <a:effectRef idx="0">
+            <a:schemeClr val="accent1"/>
+          </a:effectRef>
+          <a:fontRef idx="minor">
+            <a:schemeClr val="tx1"/>
+          </a:fontRef>
+        </p:style>
+      </p:cxnSp>
+      <p:sp>
+        <p:nvSpPr>
+          <p:cNvPr id="48" name="TextBox 47">
+            <a:extLst>
+              <a:ext uri="{FF2B5EF4-FFF2-40B4-BE49-F238E27FC236}">
+                <a16:creationId xmlns:a16="http://schemas.microsoft.com/office/drawing/2014/main" id="{495AEDAA-DD81-49FF-A6AC-074E3C2A491A}"/>
+              </a:ext>
+            </a:extLst>
+          </p:cNvPr>
+          <p:cNvSpPr txBox="1"/>
+          <p:nvPr/>
+        </p:nvSpPr>
+        <p:spPr>
+          <a:xfrm>
+            <a:off x="365772" y="2219492"/>
+            <a:ext cx="1499925" cy="430887"/>
+          </a:xfrm>
+          <a:prstGeom prst="rect">
+            <a:avLst/>
+          </a:prstGeom>
+          <a:noFill/>
+        </p:spPr>
+        <p:txBody>
+          <a:bodyPr wrap="square" rtlCol="0">
+            <a:spAutoFit/>
+          </a:bodyPr>
+          <a:lstStyle/>
+          <a:p>
+            <a:r>
+              <a:rPr lang="en-US" sz="1100" dirty="0"/>
+              <a:t>Motion queue, PID, torque commands</a:t>
+            </a:r>
+          </a:p>
+        </p:txBody>
+      </p:sp>
+      <p:sp>
+        <p:nvSpPr>
+          <p:cNvPr id="50" name="TextBox 49">
+            <a:extLst>
+              <a:ext uri="{FF2B5EF4-FFF2-40B4-BE49-F238E27FC236}">
+                <a16:creationId xmlns:a16="http://schemas.microsoft.com/office/drawing/2014/main" id="{E8F4A2DF-8245-496A-BA22-DD7BA4DC4079}"/>
+              </a:ext>
+            </a:extLst>
+          </p:cNvPr>
+          <p:cNvSpPr txBox="1"/>
+          <p:nvPr/>
+        </p:nvSpPr>
+        <p:spPr>
+          <a:xfrm>
+            <a:off x="1836378" y="2134854"/>
+            <a:ext cx="1670159" cy="600164"/>
+          </a:xfrm>
+          <a:prstGeom prst="rect">
+            <a:avLst/>
+          </a:prstGeom>
+          <a:noFill/>
+        </p:spPr>
+        <p:txBody>
+          <a:bodyPr wrap="square" rtlCol="0">
+            <a:spAutoFit/>
+          </a:bodyPr>
+          <a:lstStyle/>
+          <a:p>
+            <a:r>
+              <a:rPr lang="en-US" sz="1100" dirty="0"/>
+              <a:t>Joint positions, velocities, torques, sensor measurements, status</a:t>
+            </a:r>
+          </a:p>
+        </p:txBody>
+      </p:sp>
+      <p:sp>
+        <p:nvSpPr>
+          <p:cNvPr id="6" name="Rectangle 5">
+            <a:extLst>
+              <a:ext uri="{FF2B5EF4-FFF2-40B4-BE49-F238E27FC236}">
+                <a16:creationId xmlns:a16="http://schemas.microsoft.com/office/drawing/2014/main" id="{1EA42BDE-BCBD-4526-BFAF-6A5C31F5B8D2}"/>
+              </a:ext>
+            </a:extLst>
+          </p:cNvPr>
+          <p:cNvSpPr/>
+          <p:nvPr/>
+        </p:nvSpPr>
+        <p:spPr>
+          <a:xfrm>
+            <a:off x="839543" y="2774614"/>
+            <a:ext cx="1828800" cy="465448"/>
+          </a:xfrm>
+          <a:prstGeom prst="rect">
+            <a:avLst/>
+          </a:prstGeom>
+        </p:spPr>
+        <p:style>
+          <a:lnRef idx="2">
+            <a:schemeClr val="accent2">
+              <a:shade val="50000"/>
+            </a:schemeClr>
+          </a:lnRef>
+          <a:fillRef idx="1">
+            <a:schemeClr val="accent2"/>
+          </a:fillRef>
+          <a:effectRef idx="0">
+            <a:schemeClr val="accent2"/>
+          </a:effectRef>
+          <a:fontRef idx="minor">
+            <a:schemeClr val="lt1"/>
+          </a:fontRef>
+        </p:style>
+        <p:txBody>
+          <a:bodyPr rtlCol="0" anchor="ctr"/>
+          <a:lstStyle/>
+          <a:p>
+            <a:pPr algn="ctr"/>
+            <a:r>
+              <a:rPr lang="en-US" sz="1050" dirty="0"/>
+              <a:t>Robot Interface Layer (</a:t>
+            </a:r>
+            <a:r>
+              <a:rPr lang="en-US" sz="1050" dirty="0" err="1"/>
+              <a:t>RobotInterfaceBase</a:t>
+            </a:r>
+            <a:r>
+              <a:rPr lang="en-US" sz="1050" dirty="0"/>
+              <a:t>)</a:t>
+            </a:r>
+          </a:p>
+        </p:txBody>
+      </p:sp>
+      <p:sp>
+        <p:nvSpPr>
+          <p:cNvPr id="43" name="Rounded Rectangle 27">
+            <a:extLst>
+              <a:ext uri="{FF2B5EF4-FFF2-40B4-BE49-F238E27FC236}">
+                <a16:creationId xmlns:a16="http://schemas.microsoft.com/office/drawing/2014/main" id="{A55AF44C-C9DF-4A98-BBBA-C40CB757CDE4}"/>
+              </a:ext>
+            </a:extLst>
+          </p:cNvPr>
+          <p:cNvSpPr/>
+          <p:nvPr/>
+        </p:nvSpPr>
+        <p:spPr>
+          <a:xfrm>
+            <a:off x="1143000" y="3429000"/>
+            <a:ext cx="1267176" cy="480454"/>
+          </a:xfrm>
+          <a:prstGeom prst="roundRect">
+            <a:avLst>
+              <a:gd name="adj" fmla="val 20065"/>
+            </a:avLst>
+          </a:prstGeom>
+          <a:ln w="12700">
+            <a:solidFill>
+              <a:schemeClr val="accent1"/>
+            </a:solidFill>
+          </a:ln>
+        </p:spPr>
+        <p:style>
+          <a:lnRef idx="2">
+            <a:schemeClr val="accent5">
+              <a:shade val="50000"/>
+            </a:schemeClr>
+          </a:lnRef>
+          <a:fillRef idx="1">
+            <a:schemeClr val="accent5"/>
+          </a:fillRef>
+          <a:effectRef idx="0">
+            <a:schemeClr val="accent5"/>
+          </a:effectRef>
+          <a:fontRef idx="minor">
+            <a:schemeClr val="lt1"/>
+          </a:fontRef>
+        </p:style>
+        <p:txBody>
+          <a:bodyPr lIns="0" tIns="0" rIns="0" bIns="0" rtlCol="0" anchor="ctr"/>
+          <a:lstStyle/>
+          <a:p>
+            <a:pPr algn="ctr"/>
+            <a:r>
+              <a:rPr lang="en-US" sz="1050" dirty="0"/>
+              <a:t>Simulated or physical robot</a:t>
+            </a:r>
+          </a:p>
+        </p:txBody>
+      </p:sp>
+      <p:sp>
+        <p:nvSpPr>
+          <p:cNvPr id="10" name="Down Arrow 28">
+            <a:extLst>
+              <a:ext uri="{FF2B5EF4-FFF2-40B4-BE49-F238E27FC236}">
+                <a16:creationId xmlns:a16="http://schemas.microsoft.com/office/drawing/2014/main" id="{D246F6F3-C14C-43DC-B191-86854746B21B}"/>
+              </a:ext>
+            </a:extLst>
+          </p:cNvPr>
+          <p:cNvSpPr/>
+          <p:nvPr/>
+        </p:nvSpPr>
+        <p:spPr>
+          <a:xfrm>
+            <a:off x="1525343" y="3255068"/>
+            <a:ext cx="147738" cy="151306"/>
+          </a:xfrm>
+          <a:prstGeom prst="downArrow">
+            <a:avLst/>
+          </a:prstGeom>
+        </p:spPr>
+        <p:style>
+          <a:lnRef idx="2">
+            <a:schemeClr val="accent6">
+              <a:shade val="50000"/>
+            </a:schemeClr>
+          </a:lnRef>
+          <a:fillRef idx="1">
+            <a:schemeClr val="accent6"/>
+          </a:fillRef>
+          <a:effectRef idx="0">
+            <a:schemeClr val="accent6"/>
+          </a:effectRef>
+          <a:fontRef idx="minor">
+            <a:schemeClr val="lt1"/>
+          </a:fontRef>
+        </p:style>
+        <p:txBody>
+          <a:bodyPr lIns="0" rIns="0" rtlCol="0" anchor="ctr"/>
+          <a:lstStyle/>
+          <a:p>
+            <a:pPr algn="ctr"/>
+            <a:endParaRPr lang="en-US" sz="1400"/>
+          </a:p>
+        </p:txBody>
+      </p:sp>
+      <p:sp>
+        <p:nvSpPr>
+          <p:cNvPr id="11" name="Down Arrow 29">
+            <a:extLst>
+              <a:ext uri="{FF2B5EF4-FFF2-40B4-BE49-F238E27FC236}">
+                <a16:creationId xmlns:a16="http://schemas.microsoft.com/office/drawing/2014/main" id="{75525C0B-AACF-472F-A152-EEB79D953558}"/>
+              </a:ext>
+            </a:extLst>
+          </p:cNvPr>
+          <p:cNvSpPr/>
+          <p:nvPr/>
+        </p:nvSpPr>
+        <p:spPr>
+          <a:xfrm rot="10800000">
+            <a:off x="1776589" y="3251804"/>
+            <a:ext cx="147738" cy="151306"/>
+          </a:xfrm>
+          <a:prstGeom prst="downArrow">
+            <a:avLst/>
+          </a:prstGeom>
+        </p:spPr>
+        <p:style>
+          <a:lnRef idx="2">
+            <a:schemeClr val="accent6">
+              <a:shade val="50000"/>
+            </a:schemeClr>
+          </a:lnRef>
+          <a:fillRef idx="1">
+            <a:schemeClr val="accent6"/>
+          </a:fillRef>
+          <a:effectRef idx="0">
+            <a:schemeClr val="accent6"/>
+          </a:effectRef>
+          <a:fontRef idx="minor">
+            <a:schemeClr val="lt1"/>
+          </a:fontRef>
+        </p:style>
+        <p:txBody>
+          <a:bodyPr lIns="0" rIns="0" rtlCol="0" anchor="ctr"/>
+          <a:lstStyle/>
+          <a:p>
+            <a:pPr algn="ctr"/>
+            <a:endParaRPr lang="en-US" sz="1400"/>
+          </a:p>
+        </p:txBody>
+      </p:sp>
+      <p:sp>
+        <p:nvSpPr>
+          <p:cNvPr id="47" name="Rounded Rectangle 6">
+            <a:extLst>
+              <a:ext uri="{FF2B5EF4-FFF2-40B4-BE49-F238E27FC236}">
+                <a16:creationId xmlns:a16="http://schemas.microsoft.com/office/drawing/2014/main" id="{1F2990B9-5D2A-4258-9DA5-FDB1D5F08BE2}"/>
+              </a:ext>
+            </a:extLst>
+          </p:cNvPr>
+          <p:cNvSpPr/>
+          <p:nvPr/>
+        </p:nvSpPr>
+        <p:spPr>
+          <a:xfrm>
+            <a:off x="3647295" y="1632561"/>
+            <a:ext cx="1267176" cy="480454"/>
+          </a:xfrm>
+          <a:prstGeom prst="roundRect">
+            <a:avLst>
+              <a:gd name="adj" fmla="val 20065"/>
+            </a:avLst>
+          </a:prstGeom>
+          <a:ln w="12700"/>
+        </p:spPr>
+        <p:style>
+          <a:lnRef idx="2">
+            <a:schemeClr val="accent4">
+              <a:shade val="50000"/>
+            </a:schemeClr>
+          </a:lnRef>
+          <a:fillRef idx="1">
+            <a:schemeClr val="accent4"/>
+          </a:fillRef>
+          <a:effectRef idx="0">
+            <a:schemeClr val="accent4"/>
+          </a:effectRef>
+          <a:fontRef idx="minor">
+            <a:schemeClr val="lt1"/>
+          </a:fontRef>
+        </p:style>
+        <p:txBody>
+          <a:bodyPr lIns="0" tIns="0" rIns="0" bIns="0" rtlCol="0" anchor="ctr"/>
+          <a:lstStyle/>
+          <a:p>
+            <a:pPr algn="ctr"/>
+            <a:r>
+              <a:rPr lang="en-US" sz="1050" dirty="0"/>
+              <a:t>Custom controller code</a:t>
+            </a:r>
+          </a:p>
+        </p:txBody>
+      </p:sp>
+      <p:cxnSp>
+        <p:nvCxnSpPr>
+          <p:cNvPr id="51" name="Straight Arrow Connector 50">
+            <a:extLst>
+              <a:ext uri="{FF2B5EF4-FFF2-40B4-BE49-F238E27FC236}">
+                <a16:creationId xmlns:a16="http://schemas.microsoft.com/office/drawing/2014/main" id="{AAE37214-239C-4105-89F7-591496A9BE3B}"/>
+              </a:ext>
+            </a:extLst>
+          </p:cNvPr>
+          <p:cNvCxnSpPr>
+            <a:cxnSpLocks/>
+          </p:cNvCxnSpPr>
+          <p:nvPr/>
+        </p:nvCxnSpPr>
+        <p:spPr>
+          <a:xfrm flipH="1">
+            <a:off x="4170587" y="2113015"/>
+            <a:ext cx="2295" cy="249185"/>
+          </a:xfrm>
+          <a:prstGeom prst="straightConnector1">
+            <a:avLst/>
+          </a:prstGeom>
+          <a:ln>
+            <a:solidFill>
+              <a:schemeClr val="tx1"/>
+            </a:solidFill>
+            <a:tailEnd type="arrow"/>
+          </a:ln>
+        </p:spPr>
+        <p:style>
+          <a:lnRef idx="1">
+            <a:schemeClr val="accent1"/>
+          </a:lnRef>
+          <a:fillRef idx="0">
+            <a:schemeClr val="accent1"/>
+          </a:fillRef>
+          <a:effectRef idx="0">
+            <a:schemeClr val="accent1"/>
+          </a:effectRef>
+          <a:fontRef idx="minor">
+            <a:schemeClr val="tx1"/>
+          </a:fontRef>
+        </p:style>
+      </p:cxnSp>
+      <p:cxnSp>
+        <p:nvCxnSpPr>
+          <p:cNvPr id="52" name="Straight Arrow Connector 51">
+            <a:extLst>
+              <a:ext uri="{FF2B5EF4-FFF2-40B4-BE49-F238E27FC236}">
+                <a16:creationId xmlns:a16="http://schemas.microsoft.com/office/drawing/2014/main" id="{68F63D3D-03CF-42B8-9D84-D0944B4FBE9B}"/>
+              </a:ext>
+            </a:extLst>
+          </p:cNvPr>
+          <p:cNvCxnSpPr>
+            <a:cxnSpLocks/>
+          </p:cNvCxnSpPr>
+          <p:nvPr/>
+        </p:nvCxnSpPr>
+        <p:spPr>
+          <a:xfrm flipV="1">
+            <a:off x="4359911" y="2114431"/>
+            <a:ext cx="0" cy="247769"/>
+          </a:xfrm>
+          <a:prstGeom prst="straightConnector1">
+            <a:avLst/>
+          </a:prstGeom>
+          <a:ln>
+            <a:solidFill>
+              <a:schemeClr val="tx1"/>
+            </a:solidFill>
+            <a:tailEnd type="arrow"/>
+          </a:ln>
+        </p:spPr>
+        <p:style>
+          <a:lnRef idx="1">
+            <a:schemeClr val="accent1"/>
+          </a:lnRef>
+          <a:fillRef idx="0">
+            <a:schemeClr val="accent1"/>
+          </a:fillRef>
+          <a:effectRef idx="0">
+            <a:schemeClr val="accent1"/>
+          </a:effectRef>
+          <a:fontRef idx="minor">
+            <a:schemeClr val="tx1"/>
+          </a:fontRef>
+        </p:style>
+      </p:cxnSp>
+      <p:sp>
+        <p:nvSpPr>
+          <p:cNvPr id="55" name="Rectangle 54">
+            <a:extLst>
+              <a:ext uri="{FF2B5EF4-FFF2-40B4-BE49-F238E27FC236}">
+                <a16:creationId xmlns:a16="http://schemas.microsoft.com/office/drawing/2014/main" id="{E9F72775-EFED-4E5A-B06A-B72994A38EE1}"/>
+              </a:ext>
+            </a:extLst>
+          </p:cNvPr>
+          <p:cNvSpPr/>
+          <p:nvPr/>
+        </p:nvSpPr>
+        <p:spPr>
+          <a:xfrm>
+            <a:off x="3552624" y="2362200"/>
+            <a:ext cx="1471000" cy="465448"/>
+          </a:xfrm>
+          <a:prstGeom prst="rect">
+            <a:avLst/>
+          </a:prstGeom>
+        </p:spPr>
+        <p:style>
+          <a:lnRef idx="2">
+            <a:schemeClr val="accent2">
+              <a:shade val="50000"/>
+            </a:schemeClr>
+          </a:lnRef>
+          <a:fillRef idx="1">
+            <a:schemeClr val="accent2"/>
+          </a:fillRef>
+          <a:effectRef idx="0">
+            <a:schemeClr val="accent2"/>
+          </a:effectRef>
+          <a:fontRef idx="minor">
+            <a:schemeClr val="lt1"/>
+          </a:fontRef>
+        </p:style>
+        <p:txBody>
+          <a:bodyPr rtlCol="0" anchor="ctr"/>
+          <a:lstStyle/>
+          <a:p>
+            <a:pPr algn="ctr"/>
+            <a:r>
+              <a:rPr lang="en-US" sz="1050" dirty="0"/>
+              <a:t>Robot Interface Layer (</a:t>
+            </a:r>
+            <a:r>
+              <a:rPr lang="en-US" sz="1050" dirty="0" err="1"/>
+              <a:t>SimXControlInterface</a:t>
+            </a:r>
+            <a:r>
+              <a:rPr lang="en-US" sz="1050" dirty="0"/>
+              <a:t>)</a:t>
+            </a:r>
+          </a:p>
+        </p:txBody>
+      </p:sp>
+      <p:sp>
+        <p:nvSpPr>
+          <p:cNvPr id="56" name="Rounded Rectangle 27">
+            <a:extLst>
+              <a:ext uri="{FF2B5EF4-FFF2-40B4-BE49-F238E27FC236}">
+                <a16:creationId xmlns:a16="http://schemas.microsoft.com/office/drawing/2014/main" id="{55ABE203-A355-4232-8534-7C5A0DE64E40}"/>
+              </a:ext>
+            </a:extLst>
+          </p:cNvPr>
+          <p:cNvSpPr/>
+          <p:nvPr/>
+        </p:nvSpPr>
+        <p:spPr>
+          <a:xfrm>
+            <a:off x="3666533" y="3654874"/>
+            <a:ext cx="1267176" cy="480454"/>
+          </a:xfrm>
+          <a:prstGeom prst="roundRect">
+            <a:avLst>
+              <a:gd name="adj" fmla="val 20065"/>
+            </a:avLst>
+          </a:prstGeom>
+          <a:ln w="12700">
+            <a:solidFill>
+              <a:schemeClr val="accent1"/>
+            </a:solidFill>
+          </a:ln>
+        </p:spPr>
+        <p:style>
+          <a:lnRef idx="2">
+            <a:schemeClr val="accent5">
+              <a:shade val="50000"/>
+            </a:schemeClr>
+          </a:lnRef>
+          <a:fillRef idx="1">
+            <a:schemeClr val="accent5"/>
+          </a:fillRef>
+          <a:effectRef idx="0">
+            <a:schemeClr val="accent5"/>
+          </a:effectRef>
+          <a:fontRef idx="minor">
+            <a:schemeClr val="lt1"/>
+          </a:fontRef>
+        </p:style>
+        <p:txBody>
+          <a:bodyPr lIns="0" tIns="0" rIns="0" bIns="0" rtlCol="0" anchor="ctr"/>
+          <a:lstStyle/>
+          <a:p>
+            <a:pPr algn="ctr"/>
+            <a:r>
+              <a:rPr lang="en-US" sz="1050" dirty="0"/>
+              <a:t>Simulator</a:t>
+            </a:r>
+          </a:p>
+        </p:txBody>
+      </p:sp>
+      <p:sp>
+        <p:nvSpPr>
+          <p:cNvPr id="57" name="Down Arrow 28">
+            <a:extLst>
+              <a:ext uri="{FF2B5EF4-FFF2-40B4-BE49-F238E27FC236}">
+                <a16:creationId xmlns:a16="http://schemas.microsoft.com/office/drawing/2014/main" id="{9D0E9D73-50D4-4249-9D0F-60AFE50C0452}"/>
+              </a:ext>
+            </a:extLst>
+          </p:cNvPr>
+          <p:cNvSpPr/>
+          <p:nvPr/>
+        </p:nvSpPr>
+        <p:spPr>
+          <a:xfrm>
+            <a:off x="4048876" y="2842654"/>
+            <a:ext cx="147738" cy="151306"/>
+          </a:xfrm>
+          <a:prstGeom prst="downArrow">
+            <a:avLst/>
+          </a:prstGeom>
+        </p:spPr>
+        <p:style>
+          <a:lnRef idx="2">
+            <a:schemeClr val="accent6">
+              <a:shade val="50000"/>
+            </a:schemeClr>
+          </a:lnRef>
+          <a:fillRef idx="1">
+            <a:schemeClr val="accent6"/>
+          </a:fillRef>
+          <a:effectRef idx="0">
+            <a:schemeClr val="accent6"/>
+          </a:effectRef>
+          <a:fontRef idx="minor">
+            <a:schemeClr val="lt1"/>
+          </a:fontRef>
+        </p:style>
+        <p:txBody>
+          <a:bodyPr lIns="0" rIns="0" rtlCol="0" anchor="ctr"/>
+          <a:lstStyle/>
+          <a:p>
+            <a:pPr algn="ctr"/>
+            <a:endParaRPr lang="en-US" sz="1400"/>
+          </a:p>
+        </p:txBody>
+      </p:sp>
+      <p:sp>
+        <p:nvSpPr>
+          <p:cNvPr id="58" name="Down Arrow 29">
+            <a:extLst>
+              <a:ext uri="{FF2B5EF4-FFF2-40B4-BE49-F238E27FC236}">
+                <a16:creationId xmlns:a16="http://schemas.microsoft.com/office/drawing/2014/main" id="{8E664C54-CE68-47AB-B6D9-A066F400B07C}"/>
+              </a:ext>
+            </a:extLst>
+          </p:cNvPr>
+          <p:cNvSpPr/>
+          <p:nvPr/>
+        </p:nvSpPr>
+        <p:spPr>
+          <a:xfrm rot="10800000">
+            <a:off x="4300122" y="2839390"/>
+            <a:ext cx="147738" cy="151306"/>
+          </a:xfrm>
+          <a:prstGeom prst="downArrow">
+            <a:avLst/>
+          </a:prstGeom>
+        </p:spPr>
+        <p:style>
+          <a:lnRef idx="2">
+            <a:schemeClr val="accent6">
+              <a:shade val="50000"/>
+            </a:schemeClr>
+          </a:lnRef>
+          <a:fillRef idx="1">
+            <a:schemeClr val="accent6"/>
+          </a:fillRef>
+          <a:effectRef idx="0">
+            <a:schemeClr val="accent6"/>
+          </a:effectRef>
+          <a:fontRef idx="minor">
+            <a:schemeClr val="lt1"/>
+          </a:fontRef>
+        </p:style>
+        <p:txBody>
+          <a:bodyPr lIns="0" rIns="0" rtlCol="0" anchor="ctr"/>
+          <a:lstStyle/>
+          <a:p>
+            <a:pPr algn="ctr"/>
+            <a:endParaRPr lang="en-US" sz="1400"/>
+          </a:p>
+        </p:txBody>
+      </p:sp>
+      <p:sp>
+        <p:nvSpPr>
+          <p:cNvPr id="59" name="Rounded Rectangle 27">
+            <a:extLst>
+              <a:ext uri="{FF2B5EF4-FFF2-40B4-BE49-F238E27FC236}">
+                <a16:creationId xmlns:a16="http://schemas.microsoft.com/office/drawing/2014/main" id="{17C60E2D-2001-49A2-949A-5EF6F5A5EE68}"/>
+              </a:ext>
+            </a:extLst>
+          </p:cNvPr>
+          <p:cNvSpPr/>
+          <p:nvPr/>
+        </p:nvSpPr>
+        <p:spPr>
+          <a:xfrm>
+            <a:off x="3666533" y="3016586"/>
+            <a:ext cx="1267176" cy="480454"/>
+          </a:xfrm>
+          <a:prstGeom prst="roundRect">
+            <a:avLst>
+              <a:gd name="adj" fmla="val 20065"/>
+            </a:avLst>
+          </a:prstGeom>
+          <a:ln w="12700">
+            <a:solidFill>
+              <a:schemeClr val="accent1"/>
+            </a:solidFill>
+          </a:ln>
+        </p:spPr>
+        <p:style>
+          <a:lnRef idx="2">
+            <a:schemeClr val="accent5">
+              <a:shade val="50000"/>
+            </a:schemeClr>
+          </a:lnRef>
+          <a:fillRef idx="1">
+            <a:schemeClr val="accent5"/>
+          </a:fillRef>
+          <a:effectRef idx="0">
+            <a:schemeClr val="accent5"/>
+          </a:effectRef>
+          <a:fontRef idx="minor">
+            <a:schemeClr val="lt1"/>
+          </a:fontRef>
+        </p:style>
+        <p:txBody>
+          <a:bodyPr lIns="0" tIns="0" rIns="0" bIns="0" rtlCol="0" anchor="ctr"/>
+          <a:lstStyle/>
+          <a:p>
+            <a:pPr algn="ctr"/>
+            <a:r>
+              <a:rPr lang="en-US" sz="1050" dirty="0" err="1"/>
+              <a:t>SimRobotController</a:t>
+            </a:r>
+            <a:endParaRPr lang="en-US" sz="1050" dirty="0"/>
+          </a:p>
+        </p:txBody>
+      </p:sp>
+      <p:sp>
+        <p:nvSpPr>
+          <p:cNvPr id="60" name="Down Arrow 28">
+            <a:extLst>
+              <a:ext uri="{FF2B5EF4-FFF2-40B4-BE49-F238E27FC236}">
+                <a16:creationId xmlns:a16="http://schemas.microsoft.com/office/drawing/2014/main" id="{806D8E13-239C-4648-859B-B736865C565F}"/>
+              </a:ext>
+            </a:extLst>
+          </p:cNvPr>
+          <p:cNvSpPr/>
+          <p:nvPr/>
+        </p:nvSpPr>
+        <p:spPr>
+          <a:xfrm>
+            <a:off x="4048876" y="3500304"/>
+            <a:ext cx="147738" cy="151306"/>
+          </a:xfrm>
+          <a:prstGeom prst="downArrow">
+            <a:avLst/>
+          </a:prstGeom>
+        </p:spPr>
+        <p:style>
+          <a:lnRef idx="2">
+            <a:schemeClr val="accent6">
+              <a:shade val="50000"/>
+            </a:schemeClr>
+          </a:lnRef>
+          <a:fillRef idx="1">
+            <a:schemeClr val="accent6"/>
+          </a:fillRef>
+          <a:effectRef idx="0">
+            <a:schemeClr val="accent6"/>
+          </a:effectRef>
+          <a:fontRef idx="minor">
+            <a:schemeClr val="lt1"/>
+          </a:fontRef>
+        </p:style>
+        <p:txBody>
+          <a:bodyPr lIns="0" rIns="0" rtlCol="0" anchor="ctr"/>
+          <a:lstStyle/>
+          <a:p>
+            <a:pPr algn="ctr"/>
+            <a:endParaRPr lang="en-US" sz="1400"/>
+          </a:p>
+        </p:txBody>
+      </p:sp>
+      <p:sp>
+        <p:nvSpPr>
+          <p:cNvPr id="61" name="Down Arrow 29">
+            <a:extLst>
+              <a:ext uri="{FF2B5EF4-FFF2-40B4-BE49-F238E27FC236}">
+                <a16:creationId xmlns:a16="http://schemas.microsoft.com/office/drawing/2014/main" id="{709F0A15-CC6C-4C15-ADBE-98D8610C045E}"/>
+              </a:ext>
+            </a:extLst>
+          </p:cNvPr>
+          <p:cNvSpPr/>
+          <p:nvPr/>
+        </p:nvSpPr>
+        <p:spPr>
+          <a:xfrm rot="10800000">
+            <a:off x="4300122" y="3497040"/>
+            <a:ext cx="147738" cy="151306"/>
+          </a:xfrm>
+          <a:prstGeom prst="downArrow">
+            <a:avLst/>
+          </a:prstGeom>
+        </p:spPr>
+        <p:style>
+          <a:lnRef idx="2">
+            <a:schemeClr val="accent6">
+              <a:shade val="50000"/>
+            </a:schemeClr>
+          </a:lnRef>
+          <a:fillRef idx="1">
+            <a:schemeClr val="accent6"/>
+          </a:fillRef>
+          <a:effectRef idx="0">
+            <a:schemeClr val="accent6"/>
+          </a:effectRef>
+          <a:fontRef idx="minor">
+            <a:schemeClr val="lt1"/>
+          </a:fontRef>
+        </p:style>
+        <p:txBody>
+          <a:bodyPr lIns="0" rIns="0" rtlCol="0" anchor="ctr"/>
+          <a:lstStyle/>
+          <a:p>
+            <a:pPr algn="ctr"/>
+            <a:endParaRPr lang="en-US" sz="1400"/>
+          </a:p>
+        </p:txBody>
+      </p:sp>
+      <p:sp>
+        <p:nvSpPr>
+          <p:cNvPr id="72" name="Rounded Rectangle 6">
+            <a:extLst>
+              <a:ext uri="{FF2B5EF4-FFF2-40B4-BE49-F238E27FC236}">
+                <a16:creationId xmlns:a16="http://schemas.microsoft.com/office/drawing/2014/main" id="{2E37DF6F-4A9F-4E59-8114-728C8DB2243B}"/>
+              </a:ext>
+            </a:extLst>
+          </p:cNvPr>
+          <p:cNvSpPr/>
+          <p:nvPr/>
+        </p:nvSpPr>
+        <p:spPr>
+          <a:xfrm>
+            <a:off x="5522260" y="1632561"/>
+            <a:ext cx="1267176" cy="480454"/>
+          </a:xfrm>
+          <a:prstGeom prst="roundRect">
+            <a:avLst>
+              <a:gd name="adj" fmla="val 20065"/>
+            </a:avLst>
+          </a:prstGeom>
+          <a:ln w="12700"/>
+        </p:spPr>
+        <p:style>
+          <a:lnRef idx="2">
+            <a:schemeClr val="accent4">
+              <a:shade val="50000"/>
+            </a:schemeClr>
+          </a:lnRef>
+          <a:fillRef idx="1">
+            <a:schemeClr val="accent4"/>
+          </a:fillRef>
+          <a:effectRef idx="0">
+            <a:schemeClr val="accent4"/>
+          </a:effectRef>
+          <a:fontRef idx="minor">
+            <a:schemeClr val="lt1"/>
+          </a:fontRef>
+        </p:style>
+        <p:txBody>
+          <a:bodyPr lIns="0" tIns="0" rIns="0" bIns="0" rtlCol="0" anchor="ctr"/>
+          <a:lstStyle/>
+          <a:p>
+            <a:pPr algn="ctr"/>
+            <a:r>
+              <a:rPr lang="en-US" sz="1050" dirty="0"/>
+              <a:t>Custom controller code</a:t>
+            </a:r>
+          </a:p>
+        </p:txBody>
+      </p:sp>
+      <p:cxnSp>
+        <p:nvCxnSpPr>
+          <p:cNvPr id="73" name="Straight Arrow Connector 72">
+            <a:extLst>
+              <a:ext uri="{FF2B5EF4-FFF2-40B4-BE49-F238E27FC236}">
+                <a16:creationId xmlns:a16="http://schemas.microsoft.com/office/drawing/2014/main" id="{59B975AD-6B37-47D8-BA8E-E99F88468D09}"/>
+              </a:ext>
+            </a:extLst>
+          </p:cNvPr>
+          <p:cNvCxnSpPr>
+            <a:cxnSpLocks/>
+          </p:cNvCxnSpPr>
+          <p:nvPr/>
+        </p:nvCxnSpPr>
+        <p:spPr>
+          <a:xfrm flipH="1">
+            <a:off x="6045552" y="2113015"/>
+            <a:ext cx="2295" cy="249185"/>
+          </a:xfrm>
+          <a:prstGeom prst="straightConnector1">
+            <a:avLst/>
+          </a:prstGeom>
+          <a:ln>
+            <a:solidFill>
+              <a:schemeClr val="tx1"/>
+            </a:solidFill>
+            <a:tailEnd type="arrow"/>
+          </a:ln>
+        </p:spPr>
+        <p:style>
+          <a:lnRef idx="1">
+            <a:schemeClr val="accent1"/>
+          </a:lnRef>
+          <a:fillRef idx="0">
+            <a:schemeClr val="accent1"/>
+          </a:fillRef>
+          <a:effectRef idx="0">
+            <a:schemeClr val="accent1"/>
+          </a:effectRef>
+          <a:fontRef idx="minor">
+            <a:schemeClr val="tx1"/>
+          </a:fontRef>
+        </p:style>
+      </p:cxnSp>
+      <p:cxnSp>
+        <p:nvCxnSpPr>
+          <p:cNvPr id="74" name="Straight Arrow Connector 73">
+            <a:extLst>
+              <a:ext uri="{FF2B5EF4-FFF2-40B4-BE49-F238E27FC236}">
+                <a16:creationId xmlns:a16="http://schemas.microsoft.com/office/drawing/2014/main" id="{0B679E66-2207-40AB-A948-2CA627B4A96F}"/>
+              </a:ext>
+            </a:extLst>
+          </p:cNvPr>
+          <p:cNvCxnSpPr>
+            <a:cxnSpLocks/>
+          </p:cNvCxnSpPr>
+          <p:nvPr/>
+        </p:nvCxnSpPr>
+        <p:spPr>
+          <a:xfrm flipV="1">
+            <a:off x="6234876" y="2114431"/>
+            <a:ext cx="0" cy="247769"/>
+          </a:xfrm>
+          <a:prstGeom prst="straightConnector1">
+            <a:avLst/>
+          </a:prstGeom>
+          <a:ln>
+            <a:solidFill>
+              <a:schemeClr val="tx1"/>
+            </a:solidFill>
+            <a:tailEnd type="arrow"/>
+          </a:ln>
+        </p:spPr>
+        <p:style>
+          <a:lnRef idx="1">
+            <a:schemeClr val="accent1"/>
+          </a:lnRef>
+          <a:fillRef idx="0">
+            <a:schemeClr val="accent1"/>
+          </a:fillRef>
+          <a:effectRef idx="0">
+            <a:schemeClr val="accent1"/>
+          </a:effectRef>
+          <a:fontRef idx="minor">
+            <a:schemeClr val="tx1"/>
+          </a:fontRef>
+        </p:style>
+      </p:cxnSp>
+      <p:sp>
+        <p:nvSpPr>
+          <p:cNvPr id="75" name="Rectangle 74">
+            <a:extLst>
+              <a:ext uri="{FF2B5EF4-FFF2-40B4-BE49-F238E27FC236}">
+                <a16:creationId xmlns:a16="http://schemas.microsoft.com/office/drawing/2014/main" id="{80624F91-4012-4287-932D-A74D8F933C12}"/>
+              </a:ext>
+            </a:extLst>
+          </p:cNvPr>
+          <p:cNvSpPr/>
+          <p:nvPr/>
+        </p:nvSpPr>
+        <p:spPr>
+          <a:xfrm>
+            <a:off x="5301296" y="2370678"/>
+            <a:ext cx="1709104" cy="465448"/>
+          </a:xfrm>
+          <a:prstGeom prst="rect">
+            <a:avLst/>
+          </a:prstGeom>
+        </p:spPr>
+        <p:style>
+          <a:lnRef idx="2">
+            <a:schemeClr val="accent2">
+              <a:shade val="50000"/>
+            </a:schemeClr>
+          </a:lnRef>
+          <a:fillRef idx="1">
+            <a:schemeClr val="accent2"/>
+          </a:fillRef>
+          <a:effectRef idx="0">
+            <a:schemeClr val="accent2"/>
+          </a:effectRef>
+          <a:fontRef idx="minor">
+            <a:schemeClr val="lt1"/>
+          </a:fontRef>
+        </p:style>
+        <p:txBody>
+          <a:bodyPr rtlCol="0" anchor="ctr"/>
+          <a:lstStyle/>
+          <a:p>
+            <a:pPr algn="ctr"/>
+            <a:r>
+              <a:rPr lang="en-US" sz="1050" dirty="0"/>
+              <a:t>Robot Interface Layer (</a:t>
+            </a:r>
+            <a:r>
+              <a:rPr lang="en-US" sz="900" dirty="0" err="1"/>
+              <a:t>KinematicSimControlInterface</a:t>
+            </a:r>
+            <a:r>
+              <a:rPr lang="en-US" sz="1050" dirty="0"/>
+              <a:t>)</a:t>
+            </a:r>
+          </a:p>
+        </p:txBody>
+      </p:sp>
+      <p:sp>
+        <p:nvSpPr>
+          <p:cNvPr id="77" name="Down Arrow 28">
+            <a:extLst>
+              <a:ext uri="{FF2B5EF4-FFF2-40B4-BE49-F238E27FC236}">
+                <a16:creationId xmlns:a16="http://schemas.microsoft.com/office/drawing/2014/main" id="{DE9BD245-1069-4213-8F01-8CA2F3BA5558}"/>
+              </a:ext>
+            </a:extLst>
+          </p:cNvPr>
+          <p:cNvSpPr/>
+          <p:nvPr/>
+        </p:nvSpPr>
+        <p:spPr>
+          <a:xfrm>
+            <a:off x="5923841" y="2842654"/>
+            <a:ext cx="147738" cy="151306"/>
+          </a:xfrm>
+          <a:prstGeom prst="downArrow">
+            <a:avLst/>
+          </a:prstGeom>
+        </p:spPr>
+        <p:style>
+          <a:lnRef idx="2">
+            <a:schemeClr val="accent6">
+              <a:shade val="50000"/>
+            </a:schemeClr>
+          </a:lnRef>
+          <a:fillRef idx="1">
+            <a:schemeClr val="accent6"/>
+          </a:fillRef>
+          <a:effectRef idx="0">
+            <a:schemeClr val="accent6"/>
+          </a:effectRef>
+          <a:fontRef idx="minor">
+            <a:schemeClr val="lt1"/>
+          </a:fontRef>
+        </p:style>
+        <p:txBody>
+          <a:bodyPr lIns="0" rIns="0" rtlCol="0" anchor="ctr"/>
+          <a:lstStyle/>
+          <a:p>
+            <a:pPr algn="ctr"/>
+            <a:endParaRPr lang="en-US" sz="1400"/>
+          </a:p>
+        </p:txBody>
+      </p:sp>
+      <p:sp>
+        <p:nvSpPr>
+          <p:cNvPr id="78" name="Down Arrow 29">
+            <a:extLst>
+              <a:ext uri="{FF2B5EF4-FFF2-40B4-BE49-F238E27FC236}">
+                <a16:creationId xmlns:a16="http://schemas.microsoft.com/office/drawing/2014/main" id="{6AF0323E-C2C4-4B36-808F-FEEF85A0BF5C}"/>
+              </a:ext>
+            </a:extLst>
+          </p:cNvPr>
+          <p:cNvSpPr/>
+          <p:nvPr/>
+        </p:nvSpPr>
+        <p:spPr>
+          <a:xfrm rot="10800000">
+            <a:off x="6175087" y="2839390"/>
+            <a:ext cx="147738" cy="151306"/>
+          </a:xfrm>
+          <a:prstGeom prst="downArrow">
+            <a:avLst/>
+          </a:prstGeom>
+        </p:spPr>
+        <p:style>
+          <a:lnRef idx="2">
+            <a:schemeClr val="accent6">
+              <a:shade val="50000"/>
+            </a:schemeClr>
+          </a:lnRef>
+          <a:fillRef idx="1">
+            <a:schemeClr val="accent6"/>
+          </a:fillRef>
+          <a:effectRef idx="0">
+            <a:schemeClr val="accent6"/>
+          </a:effectRef>
+          <a:fontRef idx="minor">
+            <a:schemeClr val="lt1"/>
+          </a:fontRef>
+        </p:style>
+        <p:txBody>
+          <a:bodyPr lIns="0" rIns="0" rtlCol="0" anchor="ctr"/>
+          <a:lstStyle/>
+          <a:p>
+            <a:pPr algn="ctr"/>
+            <a:endParaRPr lang="en-US" sz="1400"/>
+          </a:p>
+        </p:txBody>
+      </p:sp>
+      <p:sp>
+        <p:nvSpPr>
+          <p:cNvPr id="79" name="Rounded Rectangle 27">
+            <a:extLst>
+              <a:ext uri="{FF2B5EF4-FFF2-40B4-BE49-F238E27FC236}">
+                <a16:creationId xmlns:a16="http://schemas.microsoft.com/office/drawing/2014/main" id="{98086077-48C0-436D-93CD-E02889378216}"/>
+              </a:ext>
+            </a:extLst>
+          </p:cNvPr>
+          <p:cNvSpPr/>
+          <p:nvPr/>
+        </p:nvSpPr>
+        <p:spPr>
+          <a:xfrm>
+            <a:off x="5541498" y="3016586"/>
+            <a:ext cx="1267176" cy="480454"/>
+          </a:xfrm>
+          <a:prstGeom prst="roundRect">
+            <a:avLst>
+              <a:gd name="adj" fmla="val 20065"/>
+            </a:avLst>
+          </a:prstGeom>
+          <a:ln w="12700">
+            <a:solidFill>
+              <a:schemeClr val="accent1"/>
+            </a:solidFill>
+          </a:ln>
+        </p:spPr>
+        <p:style>
+          <a:lnRef idx="2">
+            <a:schemeClr val="accent5">
+              <a:shade val="50000"/>
+            </a:schemeClr>
+          </a:lnRef>
+          <a:fillRef idx="1">
+            <a:schemeClr val="accent5"/>
+          </a:fillRef>
+          <a:effectRef idx="0">
+            <a:schemeClr val="accent5"/>
+          </a:effectRef>
+          <a:fontRef idx="minor">
+            <a:schemeClr val="lt1"/>
+          </a:fontRef>
+        </p:style>
+        <p:txBody>
+          <a:bodyPr lIns="0" tIns="0" rIns="0" bIns="0" rtlCol="0" anchor="ctr"/>
+          <a:lstStyle/>
+          <a:p>
+            <a:pPr algn="ctr"/>
+            <a:r>
+              <a:rPr lang="en-US" sz="1050" dirty="0"/>
+              <a:t>Basic kinematic simulator</a:t>
+            </a:r>
+          </a:p>
+        </p:txBody>
+      </p:sp>
+      <p:sp>
+        <p:nvSpPr>
+          <p:cNvPr id="82" name="Rounded Rectangle 6">
+            <a:extLst>
+              <a:ext uri="{FF2B5EF4-FFF2-40B4-BE49-F238E27FC236}">
+                <a16:creationId xmlns:a16="http://schemas.microsoft.com/office/drawing/2014/main" id="{7AED979F-928B-4FDC-898D-B0C66AD44185}"/>
+              </a:ext>
+            </a:extLst>
+          </p:cNvPr>
+          <p:cNvSpPr/>
+          <p:nvPr/>
+        </p:nvSpPr>
+        <p:spPr>
+          <a:xfrm>
+            <a:off x="7653780" y="1632561"/>
+            <a:ext cx="1267176" cy="480454"/>
+          </a:xfrm>
+          <a:prstGeom prst="roundRect">
+            <a:avLst>
+              <a:gd name="adj" fmla="val 20065"/>
+            </a:avLst>
+          </a:prstGeom>
+          <a:ln w="12700"/>
+        </p:spPr>
+        <p:style>
+          <a:lnRef idx="2">
+            <a:schemeClr val="accent4">
+              <a:shade val="50000"/>
+            </a:schemeClr>
+          </a:lnRef>
+          <a:fillRef idx="1">
+            <a:schemeClr val="accent4"/>
+          </a:fillRef>
+          <a:effectRef idx="0">
+            <a:schemeClr val="accent4"/>
+          </a:effectRef>
+          <a:fontRef idx="minor">
+            <a:schemeClr val="lt1"/>
+          </a:fontRef>
+        </p:style>
+        <p:txBody>
+          <a:bodyPr lIns="0" tIns="0" rIns="0" bIns="0" rtlCol="0" anchor="ctr"/>
+          <a:lstStyle/>
+          <a:p>
+            <a:pPr algn="ctr"/>
+            <a:r>
+              <a:rPr lang="en-US" sz="1050" dirty="0"/>
+              <a:t>Custom controller code</a:t>
+            </a:r>
+          </a:p>
+        </p:txBody>
+      </p:sp>
+      <p:cxnSp>
+        <p:nvCxnSpPr>
+          <p:cNvPr id="83" name="Straight Arrow Connector 82">
+            <a:extLst>
+              <a:ext uri="{FF2B5EF4-FFF2-40B4-BE49-F238E27FC236}">
+                <a16:creationId xmlns:a16="http://schemas.microsoft.com/office/drawing/2014/main" id="{66BD0350-019D-4A66-A7F7-8353C63171CA}"/>
+              </a:ext>
+            </a:extLst>
+          </p:cNvPr>
+          <p:cNvCxnSpPr>
+            <a:cxnSpLocks/>
+          </p:cNvCxnSpPr>
+          <p:nvPr/>
+        </p:nvCxnSpPr>
+        <p:spPr>
+          <a:xfrm flipH="1">
+            <a:off x="8177072" y="2113015"/>
+            <a:ext cx="2295" cy="249185"/>
+          </a:xfrm>
+          <a:prstGeom prst="straightConnector1">
+            <a:avLst/>
+          </a:prstGeom>
+          <a:ln>
+            <a:solidFill>
+              <a:schemeClr val="tx1"/>
+            </a:solidFill>
+            <a:tailEnd type="arrow"/>
+          </a:ln>
+        </p:spPr>
+        <p:style>
+          <a:lnRef idx="1">
+            <a:schemeClr val="accent1"/>
+          </a:lnRef>
+          <a:fillRef idx="0">
+            <a:schemeClr val="accent1"/>
+          </a:fillRef>
+          <a:effectRef idx="0">
+            <a:schemeClr val="accent1"/>
+          </a:effectRef>
+          <a:fontRef idx="minor">
+            <a:schemeClr val="tx1"/>
+          </a:fontRef>
+        </p:style>
+      </p:cxnSp>
+      <p:cxnSp>
+        <p:nvCxnSpPr>
+          <p:cNvPr id="84" name="Straight Arrow Connector 83">
+            <a:extLst>
+              <a:ext uri="{FF2B5EF4-FFF2-40B4-BE49-F238E27FC236}">
+                <a16:creationId xmlns:a16="http://schemas.microsoft.com/office/drawing/2014/main" id="{C4F02374-69DE-45B7-9DDE-36A018E99479}"/>
+              </a:ext>
+            </a:extLst>
+          </p:cNvPr>
+          <p:cNvCxnSpPr>
+            <a:cxnSpLocks/>
+          </p:cNvCxnSpPr>
+          <p:nvPr/>
+        </p:nvCxnSpPr>
+        <p:spPr>
+          <a:xfrm flipV="1">
+            <a:off x="8366396" y="2114431"/>
+            <a:ext cx="0" cy="247769"/>
+          </a:xfrm>
+          <a:prstGeom prst="straightConnector1">
+            <a:avLst/>
+          </a:prstGeom>
+          <a:ln>
+            <a:solidFill>
+              <a:schemeClr val="tx1"/>
+            </a:solidFill>
+            <a:tailEnd type="arrow"/>
+          </a:ln>
+        </p:spPr>
+        <p:style>
+          <a:lnRef idx="1">
+            <a:schemeClr val="accent1"/>
+          </a:lnRef>
+          <a:fillRef idx="0">
+            <a:schemeClr val="accent1"/>
+          </a:fillRef>
+          <a:effectRef idx="0">
+            <a:schemeClr val="accent1"/>
+          </a:effectRef>
+          <a:fontRef idx="minor">
+            <a:schemeClr val="tx1"/>
+          </a:fontRef>
+        </p:style>
+      </p:cxnSp>
+      <p:sp>
+        <p:nvSpPr>
+          <p:cNvPr id="85" name="Rectangle 84">
+            <a:extLst>
+              <a:ext uri="{FF2B5EF4-FFF2-40B4-BE49-F238E27FC236}">
+                <a16:creationId xmlns:a16="http://schemas.microsoft.com/office/drawing/2014/main" id="{47EB1D8B-82CF-408B-9A53-392915DD2D2F}"/>
+              </a:ext>
+            </a:extLst>
+          </p:cNvPr>
+          <p:cNvSpPr/>
+          <p:nvPr/>
+        </p:nvSpPr>
+        <p:spPr>
+          <a:xfrm>
+            <a:off x="7559109" y="2362200"/>
+            <a:ext cx="1471000" cy="465448"/>
+          </a:xfrm>
+          <a:prstGeom prst="rect">
+            <a:avLst/>
+          </a:prstGeom>
+        </p:spPr>
+        <p:style>
+          <a:lnRef idx="2">
+            <a:schemeClr val="accent2">
+              <a:shade val="50000"/>
+            </a:schemeClr>
+          </a:lnRef>
+          <a:fillRef idx="1">
+            <a:schemeClr val="accent2"/>
+          </a:fillRef>
+          <a:effectRef idx="0">
+            <a:schemeClr val="accent2"/>
+          </a:effectRef>
+          <a:fontRef idx="minor">
+            <a:schemeClr val="lt1"/>
+          </a:fontRef>
+        </p:style>
+        <p:txBody>
+          <a:bodyPr rtlCol="0" anchor="ctr"/>
+          <a:lstStyle/>
+          <a:p>
+            <a:pPr algn="ctr"/>
+            <a:r>
+              <a:rPr lang="en-US" sz="1050" dirty="0"/>
+              <a:t>Robot Interface Layer (Custom subclass of </a:t>
+            </a:r>
+            <a:r>
+              <a:rPr lang="en-US" sz="1050" dirty="0" err="1"/>
+              <a:t>RobotInterfaceBase</a:t>
+            </a:r>
+            <a:r>
+              <a:rPr lang="en-US" sz="1050" dirty="0"/>
+              <a:t>)</a:t>
+            </a:r>
+          </a:p>
+        </p:txBody>
+      </p:sp>
+      <p:sp>
+        <p:nvSpPr>
+          <p:cNvPr id="89" name="Rounded Rectangle 27">
+            <a:extLst>
+              <a:ext uri="{FF2B5EF4-FFF2-40B4-BE49-F238E27FC236}">
+                <a16:creationId xmlns:a16="http://schemas.microsoft.com/office/drawing/2014/main" id="{9D64E619-4FF1-4F8C-B874-2A9EA841C492}"/>
+              </a:ext>
+            </a:extLst>
+          </p:cNvPr>
+          <p:cNvSpPr/>
+          <p:nvPr/>
+        </p:nvSpPr>
+        <p:spPr>
+          <a:xfrm>
+            <a:off x="7673018" y="3762812"/>
+            <a:ext cx="1267176" cy="480454"/>
+          </a:xfrm>
+          <a:prstGeom prst="roundRect">
+            <a:avLst>
+              <a:gd name="adj" fmla="val 20065"/>
+            </a:avLst>
+          </a:prstGeom>
+          <a:ln w="12700">
+            <a:solidFill>
+              <a:schemeClr val="accent1"/>
+            </a:solidFill>
+          </a:ln>
+        </p:spPr>
+        <p:style>
+          <a:lnRef idx="2">
+            <a:schemeClr val="accent5">
+              <a:shade val="50000"/>
+            </a:schemeClr>
+          </a:lnRef>
+          <a:fillRef idx="1">
+            <a:schemeClr val="accent5"/>
+          </a:fillRef>
+          <a:effectRef idx="0">
+            <a:schemeClr val="accent5"/>
+          </a:effectRef>
+          <a:fontRef idx="minor">
+            <a:schemeClr val="lt1"/>
+          </a:fontRef>
+        </p:style>
+        <p:txBody>
+          <a:bodyPr lIns="0" tIns="0" rIns="0" bIns="0" rtlCol="0" anchor="ctr"/>
+          <a:lstStyle/>
+          <a:p>
+            <a:pPr algn="ctr"/>
+            <a:r>
+              <a:rPr lang="en-US" sz="1050" dirty="0"/>
+              <a:t>Actual robot motor controller</a:t>
+            </a:r>
+          </a:p>
+        </p:txBody>
+      </p:sp>
+      <p:cxnSp>
+        <p:nvCxnSpPr>
+          <p:cNvPr id="92" name="Straight Arrow Connector 91">
+            <a:extLst>
+              <a:ext uri="{FF2B5EF4-FFF2-40B4-BE49-F238E27FC236}">
+                <a16:creationId xmlns:a16="http://schemas.microsoft.com/office/drawing/2014/main" id="{C4648E7B-B380-4000-A3EA-703D2FB20B2C}"/>
+              </a:ext>
+            </a:extLst>
+          </p:cNvPr>
+          <p:cNvCxnSpPr>
+            <a:cxnSpLocks/>
+          </p:cNvCxnSpPr>
+          <p:nvPr/>
+        </p:nvCxnSpPr>
+        <p:spPr>
+          <a:xfrm>
+            <a:off x="8179370" y="2834710"/>
+            <a:ext cx="0" cy="928102"/>
+          </a:xfrm>
+          <a:prstGeom prst="straightConnector1">
+            <a:avLst/>
+          </a:prstGeom>
+          <a:ln>
+            <a:solidFill>
+              <a:schemeClr val="tx1"/>
+            </a:solidFill>
+            <a:tailEnd type="arrow"/>
+          </a:ln>
+        </p:spPr>
+        <p:style>
+          <a:lnRef idx="1">
+            <a:schemeClr val="accent1"/>
+          </a:lnRef>
+          <a:fillRef idx="0">
+            <a:schemeClr val="accent1"/>
+          </a:fillRef>
+          <a:effectRef idx="0">
+            <a:schemeClr val="accent1"/>
+          </a:effectRef>
+          <a:fontRef idx="minor">
+            <a:schemeClr val="tx1"/>
+          </a:fontRef>
+        </p:style>
+      </p:cxnSp>
+      <p:cxnSp>
+        <p:nvCxnSpPr>
+          <p:cNvPr id="93" name="Straight Arrow Connector 92">
+            <a:extLst>
+              <a:ext uri="{FF2B5EF4-FFF2-40B4-BE49-F238E27FC236}">
+                <a16:creationId xmlns:a16="http://schemas.microsoft.com/office/drawing/2014/main" id="{BE84EAE1-1119-4AA9-9942-8DE743031D8C}"/>
+              </a:ext>
+            </a:extLst>
+          </p:cNvPr>
+          <p:cNvCxnSpPr>
+            <a:cxnSpLocks/>
+          </p:cNvCxnSpPr>
+          <p:nvPr/>
+        </p:nvCxnSpPr>
+        <p:spPr>
+          <a:xfrm flipV="1">
+            <a:off x="8366396" y="2836128"/>
+            <a:ext cx="0" cy="926684"/>
+          </a:xfrm>
+          <a:prstGeom prst="straightConnector1">
+            <a:avLst/>
+          </a:prstGeom>
+          <a:ln>
+            <a:solidFill>
+              <a:schemeClr val="tx1"/>
+            </a:solidFill>
+            <a:tailEnd type="arrow"/>
+          </a:ln>
+        </p:spPr>
+        <p:style>
+          <a:lnRef idx="1">
+            <a:schemeClr val="accent1"/>
+          </a:lnRef>
+          <a:fillRef idx="0">
+            <a:schemeClr val="accent1"/>
+          </a:fillRef>
+          <a:effectRef idx="0">
+            <a:schemeClr val="accent1"/>
+          </a:effectRef>
+          <a:fontRef idx="minor">
+            <a:schemeClr val="tx1"/>
+          </a:fontRef>
+        </p:style>
+      </p:cxnSp>
+      <p:sp>
+        <p:nvSpPr>
+          <p:cNvPr id="96" name="TextBox 95">
+            <a:extLst>
+              <a:ext uri="{FF2B5EF4-FFF2-40B4-BE49-F238E27FC236}">
+                <a16:creationId xmlns:a16="http://schemas.microsoft.com/office/drawing/2014/main" id="{9A4BEAAB-F5A0-4B80-AE13-3192A867B8AC}"/>
+              </a:ext>
+            </a:extLst>
+          </p:cNvPr>
+          <p:cNvSpPr txBox="1"/>
+          <p:nvPr/>
+        </p:nvSpPr>
+        <p:spPr>
+          <a:xfrm>
+            <a:off x="7140632" y="3331925"/>
+            <a:ext cx="1670159" cy="430887"/>
+          </a:xfrm>
+          <a:prstGeom prst="rect">
+            <a:avLst/>
+          </a:prstGeom>
+          <a:noFill/>
+        </p:spPr>
+        <p:txBody>
+          <a:bodyPr wrap="square" rtlCol="0">
+            <a:spAutoFit/>
+          </a:bodyPr>
+          <a:lstStyle/>
+          <a:p>
+            <a:r>
+              <a:rPr lang="en-US" sz="1100" dirty="0"/>
+              <a:t>Ethernet / serial communication</a:t>
+            </a:r>
+          </a:p>
+        </p:txBody>
+      </p:sp>
+      <p:sp>
+        <p:nvSpPr>
+          <p:cNvPr id="101" name="TextBox 100">
+            <a:extLst>
+              <a:ext uri="{FF2B5EF4-FFF2-40B4-BE49-F238E27FC236}">
+                <a16:creationId xmlns:a16="http://schemas.microsoft.com/office/drawing/2014/main" id="{1A405CFC-73D9-4FA1-A0F9-B325044A673A}"/>
+              </a:ext>
+            </a:extLst>
+          </p:cNvPr>
+          <p:cNvSpPr txBox="1"/>
+          <p:nvPr/>
+        </p:nvSpPr>
+        <p:spPr>
+          <a:xfrm>
+            <a:off x="3465384" y="1154984"/>
+            <a:ext cx="1669473" cy="261610"/>
+          </a:xfrm>
+          <a:prstGeom prst="rect">
+            <a:avLst/>
+          </a:prstGeom>
+          <a:noFill/>
+        </p:spPr>
+        <p:txBody>
+          <a:bodyPr wrap="square" rtlCol="0">
+            <a:spAutoFit/>
+          </a:bodyPr>
+          <a:lstStyle/>
+          <a:p>
+            <a:r>
+              <a:rPr lang="en-US" sz="1100" b="1" dirty="0"/>
+              <a:t>Control simulated robot</a:t>
+            </a:r>
+          </a:p>
+        </p:txBody>
+      </p:sp>
+      <p:sp>
+        <p:nvSpPr>
+          <p:cNvPr id="102" name="TextBox 101">
+            <a:extLst>
+              <a:ext uri="{FF2B5EF4-FFF2-40B4-BE49-F238E27FC236}">
+                <a16:creationId xmlns:a16="http://schemas.microsoft.com/office/drawing/2014/main" id="{8F970253-697A-4BC6-B5F2-64210A8E4F63}"/>
+              </a:ext>
+            </a:extLst>
+          </p:cNvPr>
+          <p:cNvSpPr txBox="1"/>
+          <p:nvPr/>
+        </p:nvSpPr>
+        <p:spPr>
+          <a:xfrm>
+            <a:off x="5282363" y="1159454"/>
+            <a:ext cx="1669473" cy="430887"/>
+          </a:xfrm>
+          <a:prstGeom prst="rect">
+            <a:avLst/>
+          </a:prstGeom>
+          <a:noFill/>
+        </p:spPr>
+        <p:txBody>
+          <a:bodyPr wrap="square" rtlCol="0">
+            <a:spAutoFit/>
+          </a:bodyPr>
+          <a:lstStyle/>
+          <a:p>
+            <a:r>
+              <a:rPr lang="en-US" sz="1100" b="1" dirty="0"/>
+              <a:t>Control simplified simulated robot</a:t>
+            </a:r>
+          </a:p>
+        </p:txBody>
+      </p:sp>
+      <p:sp>
+        <p:nvSpPr>
+          <p:cNvPr id="103" name="TextBox 102">
+            <a:extLst>
+              <a:ext uri="{FF2B5EF4-FFF2-40B4-BE49-F238E27FC236}">
+                <a16:creationId xmlns:a16="http://schemas.microsoft.com/office/drawing/2014/main" id="{8EE1E7F3-771F-4CEE-916E-FF2198078310}"/>
+              </a:ext>
+            </a:extLst>
+          </p:cNvPr>
+          <p:cNvSpPr txBox="1"/>
+          <p:nvPr/>
+        </p:nvSpPr>
+        <p:spPr>
+          <a:xfrm>
+            <a:off x="7451667" y="1159454"/>
+            <a:ext cx="1669473" cy="261610"/>
+          </a:xfrm>
+          <a:prstGeom prst="rect">
+            <a:avLst/>
+          </a:prstGeom>
+          <a:noFill/>
+        </p:spPr>
+        <p:txBody>
+          <a:bodyPr wrap="square" rtlCol="0">
+            <a:spAutoFit/>
+          </a:bodyPr>
+          <a:lstStyle/>
+          <a:p>
+            <a:r>
+              <a:rPr lang="en-US" sz="1100" b="1" dirty="0"/>
+              <a:t>Control physical robot</a:t>
+            </a:r>
+          </a:p>
+        </p:txBody>
+      </p:sp>
+      <p:sp>
+        <p:nvSpPr>
+          <p:cNvPr id="97" name="Rectangle 96">
+            <a:extLst>
+              <a:ext uri="{FF2B5EF4-FFF2-40B4-BE49-F238E27FC236}">
+                <a16:creationId xmlns:a16="http://schemas.microsoft.com/office/drawing/2014/main" id="{8371D934-0383-40C6-B647-45C1D1A591C5}"/>
+              </a:ext>
+            </a:extLst>
+          </p:cNvPr>
+          <p:cNvSpPr/>
+          <p:nvPr/>
+        </p:nvSpPr>
+        <p:spPr>
+          <a:xfrm>
+            <a:off x="7695168" y="2973871"/>
+            <a:ext cx="1218577" cy="336761"/>
+          </a:xfrm>
+          <a:prstGeom prst="rect">
+            <a:avLst/>
+          </a:prstGeom>
+          <a:solidFill>
+            <a:srgbClr val="FFFFFF">
+              <a:alpha val="74902"/>
+            </a:srgbClr>
+          </a:solidFill>
+          <a:ln>
+            <a:prstDash val="sysDash"/>
+          </a:ln>
+        </p:spPr>
+        <p:style>
+          <a:lnRef idx="2">
+            <a:schemeClr val="accent1">
+              <a:shade val="50000"/>
+            </a:schemeClr>
+          </a:lnRef>
+          <a:fillRef idx="1">
+            <a:schemeClr val="accent1"/>
+          </a:fillRef>
+          <a:effectRef idx="0">
+            <a:schemeClr val="accent1"/>
+          </a:effectRef>
+          <a:fontRef idx="minor">
+            <a:schemeClr val="lt1"/>
+          </a:fontRef>
+        </p:style>
+        <p:txBody>
+          <a:bodyPr rtlCol="0" anchor="ctr"/>
+          <a:lstStyle/>
+          <a:p>
+            <a:pPr algn="ctr"/>
+            <a:r>
+              <a:rPr lang="en-US" sz="1050" dirty="0">
+                <a:solidFill>
+                  <a:schemeClr val="tx1"/>
+                </a:solidFill>
+              </a:rPr>
+              <a:t>Communication thread</a:t>
+            </a:r>
+          </a:p>
+        </p:txBody>
+      </p:sp>
+    </p:spTree>
+    <p:extLst>
+      <p:ext uri="{BB962C8B-B14F-4D97-AF65-F5344CB8AC3E}">
+        <p14:creationId xmlns:p14="http://schemas.microsoft.com/office/powerpoint/2010/main" val="591545043"/>
+      </p:ext>
+    </p:extLst>
+  </p:cSld>
+  <p:clrMapOvr>
+    <a:masterClrMapping/>
+  </p:clrMapOvr>
+</p:sld>
+</file>
+
+<file path=ppt/slides/slide14.xml><?xml version="1.0" encoding="utf-8"?>
+<p:sld xmlns:a="http://schemas.openxmlformats.org/drawingml/2006/main" xmlns:r="http://schemas.openxmlformats.org/officeDocument/2006/relationships" xmlns:p="http://schemas.openxmlformats.org/presentationml/2006/main">
+  <p:cSld>
+    <p:spTree>
+      <p:nvGrpSpPr>
+        <p:cNvPr id="1" name=""/>
+        <p:cNvGrpSpPr/>
+        <p:nvPr/>
+      </p:nvGrpSpPr>
+      <p:grpSpPr>
+        <a:xfrm>
+          <a:off x="0" y="0"/>
+          <a:ext cx="0" cy="0"/>
+          <a:chOff x="0" y="0"/>
+          <a:chExt cx="0" cy="0"/>
+        </a:xfrm>
+      </p:grpSpPr>
+      <p:sp>
+        <p:nvSpPr>
+          <p:cNvPr id="5" name="TextBox 4"/>
+          <p:cNvSpPr txBox="1"/>
+          <p:nvPr/>
+        </p:nvSpPr>
+        <p:spPr>
+          <a:xfrm>
+            <a:off x="464127" y="466498"/>
+            <a:ext cx="2912144" cy="369332"/>
+          </a:xfrm>
+          <a:prstGeom prst="rect">
+            <a:avLst/>
+          </a:prstGeom>
+          <a:noFill/>
+        </p:spPr>
+        <p:txBody>
+          <a:bodyPr wrap="none" rtlCol="0">
+            <a:spAutoFit/>
+          </a:bodyPr>
+          <a:lstStyle/>
+          <a:p>
+            <a:r>
+              <a:rPr lang="en-US" dirty="0"/>
+              <a:t>Python Robot Interface Layer</a:t>
+            </a:r>
+          </a:p>
+        </p:txBody>
+      </p:sp>
+      <p:sp>
+        <p:nvSpPr>
+          <p:cNvPr id="82" name="Rounded Rectangle 6">
+            <a:extLst>
+              <a:ext uri="{FF2B5EF4-FFF2-40B4-BE49-F238E27FC236}">
+                <a16:creationId xmlns:a16="http://schemas.microsoft.com/office/drawing/2014/main" id="{7AED979F-928B-4FDC-898D-B0C66AD44185}"/>
+              </a:ext>
+            </a:extLst>
+          </p:cNvPr>
+          <p:cNvSpPr/>
+          <p:nvPr/>
+        </p:nvSpPr>
+        <p:spPr>
+          <a:xfrm>
+            <a:off x="1542471" y="1632561"/>
+            <a:ext cx="1267176" cy="480454"/>
+          </a:xfrm>
+          <a:prstGeom prst="roundRect">
+            <a:avLst>
+              <a:gd name="adj" fmla="val 20065"/>
+            </a:avLst>
+          </a:prstGeom>
+          <a:ln w="12700"/>
+        </p:spPr>
+        <p:style>
+          <a:lnRef idx="2">
+            <a:schemeClr val="accent4">
+              <a:shade val="50000"/>
+            </a:schemeClr>
+          </a:lnRef>
+          <a:fillRef idx="1">
+            <a:schemeClr val="accent4"/>
+          </a:fillRef>
+          <a:effectRef idx="0">
+            <a:schemeClr val="accent4"/>
+          </a:effectRef>
+          <a:fontRef idx="minor">
+            <a:schemeClr val="lt1"/>
+          </a:fontRef>
+        </p:style>
+        <p:txBody>
+          <a:bodyPr lIns="0" tIns="0" rIns="0" bIns="0" rtlCol="0" anchor="ctr"/>
+          <a:lstStyle/>
+          <a:p>
+            <a:pPr algn="ctr"/>
+            <a:r>
+              <a:rPr lang="en-US" sz="1050" dirty="0"/>
+              <a:t>Custom controller code (unified robot)</a:t>
+            </a:r>
+          </a:p>
+        </p:txBody>
+      </p:sp>
+      <p:cxnSp>
+        <p:nvCxnSpPr>
+          <p:cNvPr id="83" name="Straight Arrow Connector 82">
+            <a:extLst>
+              <a:ext uri="{FF2B5EF4-FFF2-40B4-BE49-F238E27FC236}">
+                <a16:creationId xmlns:a16="http://schemas.microsoft.com/office/drawing/2014/main" id="{66BD0350-019D-4A66-A7F7-8353C63171CA}"/>
+              </a:ext>
+            </a:extLst>
+          </p:cNvPr>
+          <p:cNvCxnSpPr>
+            <a:cxnSpLocks/>
+          </p:cNvCxnSpPr>
+          <p:nvPr/>
+        </p:nvCxnSpPr>
+        <p:spPr>
+          <a:xfrm flipH="1">
+            <a:off x="2065763" y="2113015"/>
+            <a:ext cx="2295" cy="249185"/>
+          </a:xfrm>
+          <a:prstGeom prst="straightConnector1">
+            <a:avLst/>
+          </a:prstGeom>
+          <a:ln>
+            <a:solidFill>
+              <a:schemeClr val="tx1"/>
+            </a:solidFill>
+            <a:tailEnd type="arrow"/>
+          </a:ln>
+        </p:spPr>
+        <p:style>
+          <a:lnRef idx="1">
+            <a:schemeClr val="accent1"/>
+          </a:lnRef>
+          <a:fillRef idx="0">
+            <a:schemeClr val="accent1"/>
+          </a:fillRef>
+          <a:effectRef idx="0">
+            <a:schemeClr val="accent1"/>
+          </a:effectRef>
+          <a:fontRef idx="minor">
+            <a:schemeClr val="tx1"/>
+          </a:fontRef>
+        </p:style>
+      </p:cxnSp>
+      <p:cxnSp>
+        <p:nvCxnSpPr>
+          <p:cNvPr id="84" name="Straight Arrow Connector 83">
+            <a:extLst>
+              <a:ext uri="{FF2B5EF4-FFF2-40B4-BE49-F238E27FC236}">
+                <a16:creationId xmlns:a16="http://schemas.microsoft.com/office/drawing/2014/main" id="{C4F02374-69DE-45B7-9DDE-36A018E99479}"/>
+              </a:ext>
+            </a:extLst>
+          </p:cNvPr>
+          <p:cNvCxnSpPr>
+            <a:cxnSpLocks/>
+          </p:cNvCxnSpPr>
+          <p:nvPr/>
+        </p:nvCxnSpPr>
+        <p:spPr>
+          <a:xfrm flipV="1">
+            <a:off x="2255087" y="2114431"/>
+            <a:ext cx="0" cy="247769"/>
+          </a:xfrm>
+          <a:prstGeom prst="straightConnector1">
+            <a:avLst/>
+          </a:prstGeom>
+          <a:ln>
+            <a:solidFill>
+              <a:schemeClr val="tx1"/>
+            </a:solidFill>
+            <a:tailEnd type="arrow"/>
+          </a:ln>
+        </p:spPr>
+        <p:style>
+          <a:lnRef idx="1">
+            <a:schemeClr val="accent1"/>
+          </a:lnRef>
+          <a:fillRef idx="0">
+            <a:schemeClr val="accent1"/>
+          </a:fillRef>
+          <a:effectRef idx="0">
+            <a:schemeClr val="accent1"/>
+          </a:effectRef>
+          <a:fontRef idx="minor">
+            <a:schemeClr val="tx1"/>
+          </a:fontRef>
+        </p:style>
+      </p:cxnSp>
+      <p:sp>
+        <p:nvSpPr>
+          <p:cNvPr id="85" name="Rectangle 84">
+            <a:extLst>
+              <a:ext uri="{FF2B5EF4-FFF2-40B4-BE49-F238E27FC236}">
+                <a16:creationId xmlns:a16="http://schemas.microsoft.com/office/drawing/2014/main" id="{47EB1D8B-82CF-408B-9A53-392915DD2D2F}"/>
+              </a:ext>
+            </a:extLst>
+          </p:cNvPr>
+          <p:cNvSpPr/>
+          <p:nvPr/>
+        </p:nvSpPr>
+        <p:spPr>
+          <a:xfrm>
+            <a:off x="1447800" y="2362200"/>
+            <a:ext cx="1471000" cy="465448"/>
+          </a:xfrm>
+          <a:prstGeom prst="rect">
+            <a:avLst/>
+          </a:prstGeom>
+        </p:spPr>
+        <p:style>
+          <a:lnRef idx="2">
+            <a:schemeClr val="accent2">
+              <a:shade val="50000"/>
+            </a:schemeClr>
+          </a:lnRef>
+          <a:fillRef idx="1">
+            <a:schemeClr val="accent2"/>
+          </a:fillRef>
+          <a:effectRef idx="0">
+            <a:schemeClr val="accent2"/>
+          </a:effectRef>
+          <a:fontRef idx="minor">
+            <a:schemeClr val="lt1"/>
+          </a:fontRef>
+        </p:style>
+        <p:txBody>
+          <a:bodyPr rtlCol="0" anchor="ctr"/>
+          <a:lstStyle/>
+          <a:p>
+            <a:pPr algn="ctr"/>
+            <a:r>
+              <a:rPr lang="en-US" sz="1050" dirty="0"/>
+              <a:t>Robot Interface Layer (</a:t>
+            </a:r>
+            <a:r>
+              <a:rPr lang="en-US" sz="1050" dirty="0" err="1"/>
+              <a:t>MultiRobotInterface</a:t>
+            </a:r>
+            <a:r>
+              <a:rPr lang="en-US" sz="1050" dirty="0"/>
+              <a:t>)</a:t>
+            </a:r>
+          </a:p>
+        </p:txBody>
+      </p:sp>
+      <p:sp>
+        <p:nvSpPr>
+          <p:cNvPr id="89" name="Rounded Rectangle 27">
+            <a:extLst>
+              <a:ext uri="{FF2B5EF4-FFF2-40B4-BE49-F238E27FC236}">
+                <a16:creationId xmlns:a16="http://schemas.microsoft.com/office/drawing/2014/main" id="{9D64E619-4FF1-4F8C-B874-2A9EA841C492}"/>
+              </a:ext>
+            </a:extLst>
+          </p:cNvPr>
+          <p:cNvSpPr/>
+          <p:nvPr/>
+        </p:nvSpPr>
+        <p:spPr>
+          <a:xfrm>
+            <a:off x="856987" y="3725552"/>
+            <a:ext cx="1064589" cy="480454"/>
+          </a:xfrm>
+          <a:prstGeom prst="roundRect">
+            <a:avLst>
+              <a:gd name="adj" fmla="val 20065"/>
+            </a:avLst>
+          </a:prstGeom>
+          <a:ln w="12700">
+            <a:solidFill>
+              <a:schemeClr val="accent1"/>
+            </a:solidFill>
+          </a:ln>
+        </p:spPr>
+        <p:style>
+          <a:lnRef idx="2">
+            <a:schemeClr val="accent5">
+              <a:shade val="50000"/>
+            </a:schemeClr>
+          </a:lnRef>
+          <a:fillRef idx="1">
+            <a:schemeClr val="accent5"/>
+          </a:fillRef>
+          <a:effectRef idx="0">
+            <a:schemeClr val="accent5"/>
+          </a:effectRef>
+          <a:fontRef idx="minor">
+            <a:schemeClr val="lt1"/>
+          </a:fontRef>
+        </p:style>
+        <p:txBody>
+          <a:bodyPr lIns="0" tIns="0" rIns="0" bIns="0" rtlCol="0" anchor="ctr"/>
+          <a:lstStyle/>
+          <a:p>
+            <a:pPr algn="ctr"/>
+            <a:r>
+              <a:rPr lang="en-US" sz="1050" dirty="0"/>
+              <a:t>Robot 1 motion controller</a:t>
+            </a:r>
+          </a:p>
+        </p:txBody>
+      </p:sp>
+      <p:cxnSp>
+        <p:nvCxnSpPr>
+          <p:cNvPr id="92" name="Straight Arrow Connector 91">
+            <a:extLst>
+              <a:ext uri="{FF2B5EF4-FFF2-40B4-BE49-F238E27FC236}">
+                <a16:creationId xmlns:a16="http://schemas.microsoft.com/office/drawing/2014/main" id="{C4648E7B-B380-4000-A3EA-703D2FB20B2C}"/>
+              </a:ext>
+            </a:extLst>
+          </p:cNvPr>
+          <p:cNvCxnSpPr>
+            <a:cxnSpLocks/>
+          </p:cNvCxnSpPr>
+          <p:nvPr/>
+        </p:nvCxnSpPr>
+        <p:spPr>
+          <a:xfrm>
+            <a:off x="1313230" y="3420752"/>
+            <a:ext cx="0" cy="304800"/>
+          </a:xfrm>
+          <a:prstGeom prst="straightConnector1">
+            <a:avLst/>
+          </a:prstGeom>
+          <a:ln>
+            <a:solidFill>
+              <a:schemeClr val="tx1"/>
+            </a:solidFill>
+            <a:tailEnd type="arrow"/>
+          </a:ln>
+        </p:spPr>
+        <p:style>
+          <a:lnRef idx="1">
+            <a:schemeClr val="accent1"/>
+          </a:lnRef>
+          <a:fillRef idx="0">
+            <a:schemeClr val="accent1"/>
+          </a:fillRef>
+          <a:effectRef idx="0">
+            <a:schemeClr val="accent1"/>
+          </a:effectRef>
+          <a:fontRef idx="minor">
+            <a:schemeClr val="tx1"/>
+          </a:fontRef>
+        </p:style>
+      </p:cxnSp>
+      <p:cxnSp>
+        <p:nvCxnSpPr>
+          <p:cNvPr id="93" name="Straight Arrow Connector 92">
+            <a:extLst>
+              <a:ext uri="{FF2B5EF4-FFF2-40B4-BE49-F238E27FC236}">
+                <a16:creationId xmlns:a16="http://schemas.microsoft.com/office/drawing/2014/main" id="{BE84EAE1-1119-4AA9-9942-8DE743031D8C}"/>
+              </a:ext>
+            </a:extLst>
+          </p:cNvPr>
+          <p:cNvCxnSpPr>
+            <a:cxnSpLocks/>
+          </p:cNvCxnSpPr>
+          <p:nvPr/>
+        </p:nvCxnSpPr>
+        <p:spPr>
+          <a:xfrm flipV="1">
+            <a:off x="1500256" y="3420752"/>
+            <a:ext cx="0" cy="304800"/>
+          </a:xfrm>
+          <a:prstGeom prst="straightConnector1">
+            <a:avLst/>
+          </a:prstGeom>
+          <a:ln>
+            <a:solidFill>
+              <a:schemeClr val="tx1"/>
+            </a:solidFill>
+            <a:tailEnd type="arrow"/>
+          </a:ln>
+        </p:spPr>
+        <p:style>
+          <a:lnRef idx="1">
+            <a:schemeClr val="accent1"/>
+          </a:lnRef>
+          <a:fillRef idx="0">
+            <a:schemeClr val="accent1"/>
+          </a:fillRef>
+          <a:effectRef idx="0">
+            <a:schemeClr val="accent1"/>
+          </a:effectRef>
+          <a:fontRef idx="minor">
+            <a:schemeClr val="tx1"/>
+          </a:fontRef>
+        </p:style>
+      </p:cxnSp>
+      <p:sp>
+        <p:nvSpPr>
+          <p:cNvPr id="103" name="TextBox 102">
+            <a:extLst>
+              <a:ext uri="{FF2B5EF4-FFF2-40B4-BE49-F238E27FC236}">
+                <a16:creationId xmlns:a16="http://schemas.microsoft.com/office/drawing/2014/main" id="{8EE1E7F3-771F-4CEE-916E-FF2198078310}"/>
+              </a:ext>
+            </a:extLst>
+          </p:cNvPr>
+          <p:cNvSpPr txBox="1"/>
+          <p:nvPr/>
+        </p:nvSpPr>
+        <p:spPr>
+          <a:xfrm>
+            <a:off x="1290319" y="1162055"/>
+            <a:ext cx="1929535" cy="261610"/>
+          </a:xfrm>
+          <a:prstGeom prst="rect">
+            <a:avLst/>
+          </a:prstGeom>
+          <a:noFill/>
+        </p:spPr>
+        <p:txBody>
+          <a:bodyPr wrap="square" rtlCol="0">
+            <a:spAutoFit/>
+          </a:bodyPr>
+          <a:lstStyle/>
+          <a:p>
+            <a:r>
+              <a:rPr lang="en-US" sz="1100" b="1" dirty="0"/>
+              <a:t>Control “Frankenstein” robot</a:t>
+            </a:r>
+          </a:p>
+        </p:txBody>
+      </p:sp>
+      <p:sp>
+        <p:nvSpPr>
+          <p:cNvPr id="8" name="Rectangle 7">
+            <a:extLst>
+              <a:ext uri="{FF2B5EF4-FFF2-40B4-BE49-F238E27FC236}">
+                <a16:creationId xmlns:a16="http://schemas.microsoft.com/office/drawing/2014/main" id="{5211C892-CCEA-4C7E-9238-40459DB74418}"/>
+              </a:ext>
+            </a:extLst>
+          </p:cNvPr>
+          <p:cNvSpPr/>
+          <p:nvPr/>
+        </p:nvSpPr>
+        <p:spPr>
+          <a:xfrm>
+            <a:off x="856987" y="3124200"/>
+            <a:ext cx="1064589" cy="304800"/>
+          </a:xfrm>
+          <a:prstGeom prst="rect">
+            <a:avLst/>
+          </a:prstGeom>
+        </p:spPr>
+        <p:style>
+          <a:lnRef idx="2">
+            <a:schemeClr val="accent2">
+              <a:shade val="50000"/>
+            </a:schemeClr>
+          </a:lnRef>
+          <a:fillRef idx="1">
+            <a:schemeClr val="accent2"/>
+          </a:fillRef>
+          <a:effectRef idx="0">
+            <a:schemeClr val="accent2"/>
+          </a:effectRef>
+          <a:fontRef idx="minor">
+            <a:schemeClr val="lt1"/>
+          </a:fontRef>
+        </p:style>
+        <p:txBody>
+          <a:bodyPr rtlCol="0" anchor="ctr"/>
+          <a:lstStyle/>
+          <a:p>
+            <a:pPr algn="ctr"/>
+            <a:r>
+              <a:rPr lang="en-US" sz="1050" dirty="0"/>
+              <a:t>RIL for Robot 1</a:t>
+            </a:r>
+          </a:p>
+        </p:txBody>
+      </p:sp>
+      <p:sp>
+        <p:nvSpPr>
+          <p:cNvPr id="49" name="Rectangle 48">
+            <a:extLst>
+              <a:ext uri="{FF2B5EF4-FFF2-40B4-BE49-F238E27FC236}">
+                <a16:creationId xmlns:a16="http://schemas.microsoft.com/office/drawing/2014/main" id="{5ADE8117-9C59-4A8A-AEF4-2BD84043C1F7}"/>
+              </a:ext>
+            </a:extLst>
+          </p:cNvPr>
+          <p:cNvSpPr/>
+          <p:nvPr/>
+        </p:nvSpPr>
+        <p:spPr>
+          <a:xfrm>
+            <a:off x="2514600" y="3124200"/>
+            <a:ext cx="1064589" cy="304800"/>
+          </a:xfrm>
+          <a:prstGeom prst="rect">
+            <a:avLst/>
+          </a:prstGeom>
+        </p:spPr>
+        <p:style>
+          <a:lnRef idx="2">
+            <a:schemeClr val="accent2">
+              <a:shade val="50000"/>
+            </a:schemeClr>
+          </a:lnRef>
+          <a:fillRef idx="1">
+            <a:schemeClr val="accent2"/>
+          </a:fillRef>
+          <a:effectRef idx="0">
+            <a:schemeClr val="accent2"/>
+          </a:effectRef>
+          <a:fontRef idx="minor">
+            <a:schemeClr val="lt1"/>
+          </a:fontRef>
+        </p:style>
+        <p:txBody>
+          <a:bodyPr rtlCol="0" anchor="ctr"/>
+          <a:lstStyle/>
+          <a:p>
+            <a:pPr algn="ctr"/>
+            <a:r>
+              <a:rPr lang="en-US" sz="1050" dirty="0"/>
+              <a:t>RIL for Robot N</a:t>
+            </a:r>
+          </a:p>
+        </p:txBody>
+      </p:sp>
+      <p:sp>
+        <p:nvSpPr>
+          <p:cNvPr id="53" name="Rounded Rectangle 27">
+            <a:extLst>
+              <a:ext uri="{FF2B5EF4-FFF2-40B4-BE49-F238E27FC236}">
+                <a16:creationId xmlns:a16="http://schemas.microsoft.com/office/drawing/2014/main" id="{3E36D32F-95B3-4536-B397-6E0464255644}"/>
+              </a:ext>
+            </a:extLst>
+          </p:cNvPr>
+          <p:cNvSpPr/>
+          <p:nvPr/>
+        </p:nvSpPr>
+        <p:spPr>
+          <a:xfrm>
+            <a:off x="2499360" y="3725552"/>
+            <a:ext cx="1064589" cy="480454"/>
+          </a:xfrm>
+          <a:prstGeom prst="roundRect">
+            <a:avLst>
+              <a:gd name="adj" fmla="val 20065"/>
+            </a:avLst>
+          </a:prstGeom>
+          <a:ln w="12700">
+            <a:solidFill>
+              <a:schemeClr val="accent1"/>
+            </a:solidFill>
+          </a:ln>
+        </p:spPr>
+        <p:style>
+          <a:lnRef idx="2">
+            <a:schemeClr val="accent5">
+              <a:shade val="50000"/>
+            </a:schemeClr>
+          </a:lnRef>
+          <a:fillRef idx="1">
+            <a:schemeClr val="accent5"/>
+          </a:fillRef>
+          <a:effectRef idx="0">
+            <a:schemeClr val="accent5"/>
+          </a:effectRef>
+          <a:fontRef idx="minor">
+            <a:schemeClr val="lt1"/>
+          </a:fontRef>
+        </p:style>
+        <p:txBody>
+          <a:bodyPr lIns="0" tIns="0" rIns="0" bIns="0" rtlCol="0" anchor="ctr"/>
+          <a:lstStyle/>
+          <a:p>
+            <a:pPr algn="ctr"/>
+            <a:r>
+              <a:rPr lang="en-US" sz="1050" dirty="0"/>
+              <a:t>Robot N motion controller</a:t>
+            </a:r>
+          </a:p>
+        </p:txBody>
+      </p:sp>
+      <p:cxnSp>
+        <p:nvCxnSpPr>
+          <p:cNvPr id="54" name="Straight Arrow Connector 53">
+            <a:extLst>
+              <a:ext uri="{FF2B5EF4-FFF2-40B4-BE49-F238E27FC236}">
+                <a16:creationId xmlns:a16="http://schemas.microsoft.com/office/drawing/2014/main" id="{07E85038-03B9-490D-A658-3E6E566497DD}"/>
+              </a:ext>
+            </a:extLst>
+          </p:cNvPr>
+          <p:cNvCxnSpPr>
+            <a:cxnSpLocks/>
+          </p:cNvCxnSpPr>
+          <p:nvPr/>
+        </p:nvCxnSpPr>
+        <p:spPr>
+          <a:xfrm>
+            <a:off x="2955603" y="3420752"/>
+            <a:ext cx="0" cy="304800"/>
+          </a:xfrm>
+          <a:prstGeom prst="straightConnector1">
+            <a:avLst/>
+          </a:prstGeom>
+          <a:ln>
+            <a:solidFill>
+              <a:schemeClr val="tx1"/>
+            </a:solidFill>
+            <a:tailEnd type="arrow"/>
+          </a:ln>
+        </p:spPr>
+        <p:style>
+          <a:lnRef idx="1">
+            <a:schemeClr val="accent1"/>
+          </a:lnRef>
+          <a:fillRef idx="0">
+            <a:schemeClr val="accent1"/>
+          </a:fillRef>
+          <a:effectRef idx="0">
+            <a:schemeClr val="accent1"/>
+          </a:effectRef>
+          <a:fontRef idx="minor">
+            <a:schemeClr val="tx1"/>
+          </a:fontRef>
+        </p:style>
+      </p:cxnSp>
+      <p:cxnSp>
+        <p:nvCxnSpPr>
+          <p:cNvPr id="62" name="Straight Arrow Connector 61">
+            <a:extLst>
+              <a:ext uri="{FF2B5EF4-FFF2-40B4-BE49-F238E27FC236}">
+                <a16:creationId xmlns:a16="http://schemas.microsoft.com/office/drawing/2014/main" id="{F1CF587F-ECC5-49E5-B5DD-C5E16C3B7A85}"/>
+              </a:ext>
+            </a:extLst>
+          </p:cNvPr>
+          <p:cNvCxnSpPr>
+            <a:cxnSpLocks/>
+          </p:cNvCxnSpPr>
+          <p:nvPr/>
+        </p:nvCxnSpPr>
+        <p:spPr>
+          <a:xfrm flipV="1">
+            <a:off x="3142629" y="3420752"/>
+            <a:ext cx="0" cy="304800"/>
+          </a:xfrm>
+          <a:prstGeom prst="straightConnector1">
+            <a:avLst/>
+          </a:prstGeom>
+          <a:ln>
+            <a:solidFill>
+              <a:schemeClr val="tx1"/>
+            </a:solidFill>
+            <a:tailEnd type="arrow"/>
+          </a:ln>
+        </p:spPr>
+        <p:style>
+          <a:lnRef idx="1">
+            <a:schemeClr val="accent1"/>
+          </a:lnRef>
+          <a:fillRef idx="0">
+            <a:schemeClr val="accent1"/>
+          </a:fillRef>
+          <a:effectRef idx="0">
+            <a:schemeClr val="accent1"/>
+          </a:effectRef>
+          <a:fontRef idx="minor">
+            <a:schemeClr val="tx1"/>
+          </a:fontRef>
+        </p:style>
+      </p:cxnSp>
+      <p:cxnSp>
+        <p:nvCxnSpPr>
+          <p:cNvPr id="63" name="Straight Arrow Connector 62">
+            <a:extLst>
+              <a:ext uri="{FF2B5EF4-FFF2-40B4-BE49-F238E27FC236}">
+                <a16:creationId xmlns:a16="http://schemas.microsoft.com/office/drawing/2014/main" id="{6F3CCA0E-10FF-4931-BB35-1A83DC1BF887}"/>
+              </a:ext>
+            </a:extLst>
+          </p:cNvPr>
+          <p:cNvCxnSpPr>
+            <a:cxnSpLocks/>
+          </p:cNvCxnSpPr>
+          <p:nvPr/>
+        </p:nvCxnSpPr>
+        <p:spPr>
+          <a:xfrm flipH="1">
+            <a:off x="1219200" y="2826232"/>
+            <a:ext cx="704038" cy="283356"/>
+          </a:xfrm>
+          <a:prstGeom prst="straightConnector1">
+            <a:avLst/>
+          </a:prstGeom>
+          <a:ln>
+            <a:solidFill>
+              <a:schemeClr val="tx1"/>
+            </a:solidFill>
+            <a:tailEnd type="arrow"/>
+          </a:ln>
+        </p:spPr>
+        <p:style>
+          <a:lnRef idx="1">
+            <a:schemeClr val="accent1"/>
+          </a:lnRef>
+          <a:fillRef idx="0">
+            <a:schemeClr val="accent1"/>
+          </a:fillRef>
+          <a:effectRef idx="0">
+            <a:schemeClr val="accent1"/>
+          </a:effectRef>
+          <a:fontRef idx="minor">
+            <a:schemeClr val="tx1"/>
+          </a:fontRef>
+        </p:style>
+      </p:cxnSp>
+      <p:cxnSp>
+        <p:nvCxnSpPr>
+          <p:cNvPr id="64" name="Straight Arrow Connector 63">
+            <a:extLst>
+              <a:ext uri="{FF2B5EF4-FFF2-40B4-BE49-F238E27FC236}">
+                <a16:creationId xmlns:a16="http://schemas.microsoft.com/office/drawing/2014/main" id="{2E197A4C-130E-4BF9-BB2C-335BFBC1CBF2}"/>
+              </a:ext>
+            </a:extLst>
+          </p:cNvPr>
+          <p:cNvCxnSpPr>
+            <a:cxnSpLocks/>
+            <a:stCxn id="85" idx="2"/>
+          </p:cNvCxnSpPr>
+          <p:nvPr/>
+        </p:nvCxnSpPr>
+        <p:spPr>
+          <a:xfrm flipH="1">
+            <a:off x="1488996" y="2827648"/>
+            <a:ext cx="694304" cy="281940"/>
+          </a:xfrm>
+          <a:prstGeom prst="straightConnector1">
+            <a:avLst/>
+          </a:prstGeom>
+          <a:ln>
+            <a:solidFill>
+              <a:schemeClr val="tx1"/>
+            </a:solidFill>
+            <a:headEnd type="arrow" w="med" len="med"/>
+            <a:tailEnd type="none" w="med" len="med"/>
+          </a:ln>
+        </p:spPr>
+        <p:style>
+          <a:lnRef idx="1">
+            <a:schemeClr val="accent1"/>
+          </a:lnRef>
+          <a:fillRef idx="0">
+            <a:schemeClr val="accent1"/>
+          </a:fillRef>
+          <a:effectRef idx="0">
+            <a:schemeClr val="accent1"/>
+          </a:effectRef>
+          <a:fontRef idx="minor">
+            <a:schemeClr val="tx1"/>
+          </a:fontRef>
+        </p:style>
+      </p:cxnSp>
+      <p:cxnSp>
+        <p:nvCxnSpPr>
+          <p:cNvPr id="65" name="Straight Arrow Connector 64">
+            <a:extLst>
+              <a:ext uri="{FF2B5EF4-FFF2-40B4-BE49-F238E27FC236}">
+                <a16:creationId xmlns:a16="http://schemas.microsoft.com/office/drawing/2014/main" id="{A8402021-95B2-4DE2-9403-EC27A642CEEE}"/>
+              </a:ext>
+            </a:extLst>
+          </p:cNvPr>
+          <p:cNvCxnSpPr>
+            <a:cxnSpLocks/>
+          </p:cNvCxnSpPr>
+          <p:nvPr/>
+        </p:nvCxnSpPr>
+        <p:spPr>
+          <a:xfrm>
+            <a:off x="2305793" y="2826232"/>
+            <a:ext cx="704038" cy="283356"/>
+          </a:xfrm>
+          <a:prstGeom prst="straightConnector1">
+            <a:avLst/>
+          </a:prstGeom>
+          <a:ln>
+            <a:solidFill>
+              <a:schemeClr val="tx1"/>
+            </a:solidFill>
+            <a:tailEnd type="arrow"/>
+          </a:ln>
+        </p:spPr>
+        <p:style>
+          <a:lnRef idx="1">
+            <a:schemeClr val="accent1"/>
+          </a:lnRef>
+          <a:fillRef idx="0">
+            <a:schemeClr val="accent1"/>
+          </a:fillRef>
+          <a:effectRef idx="0">
+            <a:schemeClr val="accent1"/>
+          </a:effectRef>
+          <a:fontRef idx="minor">
+            <a:schemeClr val="tx1"/>
+          </a:fontRef>
+        </p:style>
+      </p:cxnSp>
+      <p:cxnSp>
+        <p:nvCxnSpPr>
+          <p:cNvPr id="66" name="Straight Arrow Connector 65">
+            <a:extLst>
+              <a:ext uri="{FF2B5EF4-FFF2-40B4-BE49-F238E27FC236}">
+                <a16:creationId xmlns:a16="http://schemas.microsoft.com/office/drawing/2014/main" id="{AE7277D7-7256-4333-B67A-CB5A8F711EA3}"/>
+              </a:ext>
+            </a:extLst>
+          </p:cNvPr>
+          <p:cNvCxnSpPr>
+            <a:cxnSpLocks/>
+          </p:cNvCxnSpPr>
+          <p:nvPr/>
+        </p:nvCxnSpPr>
+        <p:spPr>
+          <a:xfrm>
+            <a:off x="2575589" y="2827648"/>
+            <a:ext cx="694304" cy="281940"/>
+          </a:xfrm>
+          <a:prstGeom prst="straightConnector1">
+            <a:avLst/>
+          </a:prstGeom>
+          <a:ln>
+            <a:solidFill>
+              <a:schemeClr val="tx1"/>
+            </a:solidFill>
+            <a:headEnd type="arrow" w="med" len="med"/>
+            <a:tailEnd type="none" w="med" len="med"/>
+          </a:ln>
+        </p:spPr>
+        <p:style>
+          <a:lnRef idx="1">
+            <a:schemeClr val="accent1"/>
+          </a:lnRef>
+          <a:fillRef idx="0">
+            <a:schemeClr val="accent1"/>
+          </a:fillRef>
+          <a:effectRef idx="0">
+            <a:schemeClr val="accent1"/>
+          </a:effectRef>
+          <a:fontRef idx="minor">
+            <a:schemeClr val="tx1"/>
+          </a:fontRef>
+        </p:style>
+      </p:cxnSp>
+    </p:spTree>
+    <p:extLst>
+      <p:ext uri="{BB962C8B-B14F-4D97-AF65-F5344CB8AC3E}">
+        <p14:creationId xmlns:p14="http://schemas.microsoft.com/office/powerpoint/2010/main" val="1923945231"/>
       </p:ext>
     </p:extLst>
   </p:cSld>
@@ -8052,10 +11903,9 @@
           <a:p>
             <a:pPr algn="ctr"/>
             <a:r>
-              <a:rPr lang="en-US" sz="1050" dirty="0" smtClean="0"/>
+              <a:rPr lang="en-US" sz="1050" dirty="0"/>
               <a:t>Contact point</a:t>
             </a:r>
-            <a:endParaRPr lang="en-US" sz="1050" dirty="0"/>
           </a:p>
         </p:txBody>
       </p:sp>
@@ -8097,10 +11947,9 @@
           <a:p>
             <a:pPr algn="ctr"/>
             <a:r>
-              <a:rPr lang="en-US" sz="900" dirty="0" smtClean="0"/>
+              <a:rPr lang="en-US" sz="900" dirty="0"/>
               <a:t>Position</a:t>
             </a:r>
-            <a:endParaRPr lang="en-US" sz="900" dirty="0"/>
           </a:p>
         </p:txBody>
       </p:sp>
@@ -8142,10 +11991,9 @@
           <a:p>
             <a:pPr algn="ctr"/>
             <a:r>
-              <a:rPr lang="en-US" sz="900" dirty="0" smtClean="0"/>
+              <a:rPr lang="en-US" sz="900" dirty="0"/>
               <a:t>Normal</a:t>
             </a:r>
-            <a:endParaRPr lang="en-US" sz="900" dirty="0"/>
           </a:p>
         </p:txBody>
       </p:sp>
@@ -8187,11 +12035,11 @@
           <a:p>
             <a:pPr algn="ctr"/>
             <a:r>
-              <a:rPr lang="en-US" sz="900" dirty="0" smtClean="0"/>
+              <a:rPr lang="en-US" sz="900" dirty="0"/>
               <a:t>Friction </a:t>
             </a:r>
             <a:r>
-              <a:rPr lang="en-US" sz="900" dirty="0" err="1" smtClean="0"/>
+              <a:rPr lang="en-US" sz="900" dirty="0" err="1"/>
               <a:t>Coeff</a:t>
             </a:r>
             <a:endParaRPr lang="en-US" sz="900" dirty="0"/>
@@ -8238,10 +12086,9 @@
           <a:p>
             <a:pPr algn="ctr"/>
             <a:r>
-              <a:rPr lang="en-US" sz="1050" dirty="0" smtClean="0"/>
+              <a:rPr lang="en-US" sz="1050" dirty="0"/>
               <a:t>IK Goal</a:t>
             </a:r>
-            <a:endParaRPr lang="en-US" sz="1050" dirty="0"/>
           </a:p>
         </p:txBody>
       </p:sp>
@@ -8283,10 +12130,9 @@
           <a:p>
             <a:pPr algn="ctr"/>
             <a:r>
-              <a:rPr lang="en-US" sz="900" dirty="0" smtClean="0"/>
+              <a:rPr lang="en-US" sz="900" dirty="0"/>
               <a:t>Position type</a:t>
             </a:r>
-            <a:endParaRPr lang="en-US" sz="900" dirty="0"/>
           </a:p>
         </p:txBody>
       </p:sp>
@@ -8328,10 +12174,9 @@
           <a:p>
             <a:pPr algn="ctr"/>
             <a:r>
-              <a:rPr lang="en-US" sz="900" dirty="0" smtClean="0"/>
+              <a:rPr lang="en-US" sz="900" dirty="0"/>
               <a:t>Rotation type</a:t>
             </a:r>
-            <a:endParaRPr lang="en-US" sz="900" dirty="0"/>
           </a:p>
         </p:txBody>
       </p:sp>
@@ -8373,10 +12218,9 @@
           <a:p>
             <a:pPr algn="ctr"/>
             <a:r>
-              <a:rPr lang="en-US" sz="900" dirty="0" smtClean="0"/>
+              <a:rPr lang="en-US" sz="900" dirty="0"/>
               <a:t>Source link</a:t>
             </a:r>
-            <a:endParaRPr lang="en-US" sz="900" dirty="0"/>
           </a:p>
         </p:txBody>
       </p:sp>
@@ -8418,10 +12262,9 @@
           <a:p>
             <a:pPr algn="ctr"/>
             <a:r>
-              <a:rPr lang="en-US" sz="900" dirty="0" smtClean="0"/>
+              <a:rPr lang="en-US" sz="900" dirty="0"/>
               <a:t>Target link*</a:t>
             </a:r>
-            <a:endParaRPr lang="en-US" sz="900" dirty="0"/>
           </a:p>
         </p:txBody>
       </p:sp>
@@ -8463,10 +12306,9 @@
           <a:p>
             <a:pPr algn="ctr"/>
             <a:r>
-              <a:rPr lang="en-US" sz="900" dirty="0" smtClean="0"/>
+              <a:rPr lang="en-US" sz="900" dirty="0"/>
               <a:t>Local / target position</a:t>
             </a:r>
-            <a:endParaRPr lang="en-US" sz="900" dirty="0"/>
           </a:p>
         </p:txBody>
       </p:sp>
@@ -8508,14 +12350,13 @@
           <a:p>
             <a:pPr algn="ctr"/>
             <a:r>
-              <a:rPr lang="en-US" sz="900" dirty="0" err="1" smtClean="0"/>
+              <a:rPr lang="en-US" sz="900" dirty="0" err="1"/>
               <a:t>Pos</a:t>
             </a:r>
             <a:r>
-              <a:rPr lang="en-US" sz="900" dirty="0" smtClean="0"/>
+              <a:rPr lang="en-US" sz="900" dirty="0"/>
               <a:t> constraint directions*</a:t>
             </a:r>
-            <a:endParaRPr lang="en-US" sz="900" dirty="0"/>
           </a:p>
         </p:txBody>
       </p:sp>
@@ -8557,10 +12398,9 @@
           <a:p>
             <a:pPr algn="ctr"/>
             <a:r>
-              <a:rPr lang="en-US" sz="900" dirty="0" smtClean="0"/>
+              <a:rPr lang="en-US" sz="900" dirty="0"/>
               <a:t>Local / target rotation</a:t>
             </a:r>
-            <a:endParaRPr lang="en-US" sz="900" dirty="0"/>
           </a:p>
         </p:txBody>
       </p:sp>
@@ -8602,10 +12442,9 @@
           <a:p>
             <a:pPr algn="ctr"/>
             <a:r>
-              <a:rPr lang="en-US" sz="900" dirty="0" smtClean="0"/>
+              <a:rPr lang="en-US" sz="900" dirty="0"/>
               <a:t>Rot constraint directions*</a:t>
             </a:r>
-            <a:endParaRPr lang="en-US" sz="900" dirty="0"/>
           </a:p>
         </p:txBody>
       </p:sp>
@@ -8649,10 +12488,9 @@
           <a:p>
             <a:pPr algn="ctr"/>
             <a:r>
-              <a:rPr lang="en-US" sz="1050" dirty="0" smtClean="0"/>
+              <a:rPr lang="en-US" sz="1050" dirty="0"/>
               <a:t>Hold</a:t>
             </a:r>
-            <a:endParaRPr lang="en-US" sz="1050" dirty="0"/>
           </a:p>
         </p:txBody>
       </p:sp>
@@ -8708,10 +12546,9 @@
             <a:p>
               <a:pPr algn="ctr"/>
               <a:r>
-                <a:rPr lang="en-US" sz="900" dirty="0" smtClean="0"/>
+                <a:rPr lang="en-US" sz="900" dirty="0"/>
                 <a:t>Contact point</a:t>
               </a:r>
-              <a:endParaRPr lang="en-US" sz="900" dirty="0"/>
             </a:p>
           </p:txBody>
         </p:sp>
@@ -8753,10 +12590,9 @@
             <a:p>
               <a:pPr algn="ctr"/>
               <a:r>
-                <a:rPr lang="en-US" sz="900" dirty="0" smtClean="0"/>
+                <a:rPr lang="en-US" sz="900" dirty="0"/>
                 <a:t>Contact point</a:t>
               </a:r>
-              <a:endParaRPr lang="en-US" sz="900" dirty="0"/>
             </a:p>
           </p:txBody>
         </p:sp>
@@ -8798,10 +12634,9 @@
             <a:p>
               <a:pPr algn="ctr"/>
               <a:r>
-                <a:rPr lang="en-US" sz="900" dirty="0" smtClean="0"/>
+                <a:rPr lang="en-US" sz="900" dirty="0"/>
                 <a:t>Contact point</a:t>
               </a:r>
-              <a:endParaRPr lang="en-US" sz="900" dirty="0"/>
             </a:p>
           </p:txBody>
         </p:sp>
@@ -8844,10 +12679,9 @@
           <a:p>
             <a:pPr algn="ctr"/>
             <a:r>
-              <a:rPr lang="en-US" sz="900" dirty="0" smtClean="0"/>
+              <a:rPr lang="en-US" sz="900" dirty="0"/>
               <a:t>IK Goal</a:t>
             </a:r>
-            <a:endParaRPr lang="en-US" sz="900" dirty="0"/>
           </a:p>
         </p:txBody>
       </p:sp>
@@ -8891,10 +12725,9 @@
           <a:p>
             <a:pPr algn="ctr"/>
             <a:r>
-              <a:rPr lang="en-US" sz="1050" dirty="0" smtClean="0"/>
+              <a:rPr lang="en-US" sz="1050" dirty="0"/>
               <a:t>Stance</a:t>
             </a:r>
-            <a:endParaRPr lang="en-US" sz="1050" dirty="0"/>
           </a:p>
         </p:txBody>
       </p:sp>
@@ -8950,10 +12783,9 @@
             <a:p>
               <a:pPr algn="ctr"/>
               <a:r>
-                <a:rPr lang="en-US" sz="900" dirty="0" smtClean="0"/>
+                <a:rPr lang="en-US" sz="900" dirty="0"/>
                 <a:t>Contact point</a:t>
               </a:r>
-              <a:endParaRPr lang="en-US" sz="900" dirty="0"/>
             </a:p>
           </p:txBody>
         </p:sp>
@@ -8995,10 +12827,9 @@
             <a:p>
               <a:pPr algn="ctr"/>
               <a:r>
-                <a:rPr lang="en-US" sz="900" dirty="0" smtClean="0"/>
+                <a:rPr lang="en-US" sz="900" dirty="0"/>
                 <a:t>Contact point</a:t>
               </a:r>
-              <a:endParaRPr lang="en-US" sz="900" dirty="0"/>
             </a:p>
           </p:txBody>
         </p:sp>
@@ -9040,10 +12871,9 @@
             <a:p>
               <a:pPr algn="ctr"/>
               <a:r>
-                <a:rPr lang="en-US" sz="900" dirty="0" smtClean="0"/>
+                <a:rPr lang="en-US" sz="900" dirty="0"/>
                 <a:t>Hold</a:t>
               </a:r>
-              <a:endParaRPr lang="en-US" sz="900" dirty="0"/>
             </a:p>
           </p:txBody>
         </p:sp>
@@ -9071,10 +12901,9 @@
           <a:lstStyle/>
           <a:p>
             <a:r>
-              <a:rPr lang="en-US" dirty="0" smtClean="0"/>
+              <a:rPr lang="en-US" dirty="0"/>
               <a:t>Modeling : Contact</a:t>
             </a:r>
-            <a:endParaRPr lang="en-US" dirty="0"/>
           </a:p>
         </p:txBody>
       </p:sp>
@@ -9118,10 +12947,9 @@
           <a:p>
             <a:pPr algn="ctr"/>
             <a:r>
-              <a:rPr lang="en-US" sz="1000" dirty="0" smtClean="0"/>
+              <a:rPr lang="en-US" sz="1000" dirty="0"/>
               <a:t>Support polygon</a:t>
             </a:r>
-            <a:endParaRPr lang="en-US" sz="1000" dirty="0"/>
           </a:p>
         </p:txBody>
       </p:sp>
@@ -9163,10 +12991,9 @@
           <a:p>
             <a:pPr algn="ctr"/>
             <a:r>
-              <a:rPr lang="en-US" sz="900" dirty="0" smtClean="0"/>
+              <a:rPr lang="en-US" sz="900" dirty="0"/>
               <a:t>Edges</a:t>
             </a:r>
-            <a:endParaRPr lang="en-US" sz="900" dirty="0"/>
           </a:p>
         </p:txBody>
       </p:sp>
@@ -9210,10 +13037,9 @@
           <a:p>
             <a:pPr algn="ctr"/>
             <a:r>
-              <a:rPr lang="en-US" sz="1000" dirty="0" smtClean="0"/>
+              <a:rPr lang="en-US" sz="1000" dirty="0"/>
               <a:t>Contact formation</a:t>
             </a:r>
-            <a:endParaRPr lang="en-US" sz="1000" dirty="0"/>
           </a:p>
         </p:txBody>
       </p:sp>
@@ -9269,10 +13095,9 @@
             <a:p>
               <a:pPr algn="ctr"/>
               <a:r>
-                <a:rPr lang="en-US" sz="900" dirty="0" smtClean="0"/>
+                <a:rPr lang="en-US" sz="900" dirty="0"/>
                 <a:t>Contact point</a:t>
               </a:r>
-              <a:endParaRPr lang="en-US" sz="900" dirty="0"/>
             </a:p>
           </p:txBody>
         </p:sp>
@@ -9314,10 +13139,9 @@
             <a:p>
               <a:pPr algn="ctr"/>
               <a:r>
-                <a:rPr lang="en-US" sz="900" dirty="0" smtClean="0"/>
+                <a:rPr lang="en-US" sz="900" dirty="0"/>
                 <a:t>Contact point</a:t>
               </a:r>
-              <a:endParaRPr lang="en-US" sz="900" dirty="0"/>
             </a:p>
           </p:txBody>
         </p:sp>
@@ -9359,10 +13183,9 @@
             <a:p>
               <a:pPr algn="ctr"/>
               <a:r>
-                <a:rPr lang="en-US" sz="900" dirty="0" smtClean="0"/>
+                <a:rPr lang="en-US" sz="900" dirty="0"/>
                 <a:t>Contact points</a:t>
               </a:r>
-              <a:endParaRPr lang="en-US" sz="900" dirty="0"/>
             </a:p>
           </p:txBody>
         </p:sp>
@@ -9405,10 +13228,9 @@
           <a:p>
             <a:pPr algn="ctr"/>
             <a:r>
-              <a:rPr lang="en-US" sz="900" dirty="0" smtClean="0"/>
+              <a:rPr lang="en-US" sz="900" dirty="0"/>
               <a:t>Link indices</a:t>
             </a:r>
-            <a:endParaRPr lang="en-US" sz="900" dirty="0"/>
           </a:p>
         </p:txBody>
       </p:sp>
@@ -9450,10 +13272,9 @@
           <a:p>
             <a:pPr algn="ctr"/>
             <a:r>
-              <a:rPr lang="en-US" sz="900" dirty="0" smtClean="0"/>
+              <a:rPr lang="en-US" sz="900" dirty="0"/>
               <a:t>Target indices*</a:t>
             </a:r>
-            <a:endParaRPr lang="en-US" sz="900" dirty="0"/>
           </a:p>
         </p:txBody>
       </p:sp>
@@ -9527,10 +13348,9 @@
           <a:p>
             <a:pPr algn="ctr"/>
             <a:r>
-              <a:rPr lang="en-US" sz="1200" dirty="0" smtClean="0"/>
+              <a:rPr lang="en-US" sz="1200" dirty="0"/>
               <a:t>Vector</a:t>
             </a:r>
-            <a:endParaRPr lang="en-US" sz="1200" dirty="0"/>
           </a:p>
         </p:txBody>
       </p:sp>
@@ -9574,10 +13394,9 @@
           <a:p>
             <a:pPr algn="ctr"/>
             <a:r>
-              <a:rPr lang="en-US" sz="1200" dirty="0" smtClean="0"/>
+              <a:rPr lang="en-US" sz="1200" dirty="0"/>
               <a:t>Matrix</a:t>
             </a:r>
-            <a:endParaRPr lang="en-US" sz="1200" dirty="0"/>
           </a:p>
         </p:txBody>
       </p:sp>
@@ -9621,10 +13440,9 @@
           <a:p>
             <a:pPr algn="ctr"/>
             <a:r>
-              <a:rPr lang="en-US" sz="1200" dirty="0" smtClean="0"/>
+              <a:rPr lang="en-US" sz="1200" dirty="0"/>
               <a:t>Rigid Transform</a:t>
             </a:r>
-            <a:endParaRPr lang="en-US" sz="1200" dirty="0"/>
           </a:p>
         </p:txBody>
       </p:sp>
@@ -9666,10 +13484,9 @@
           <a:p>
             <a:pPr algn="ctr"/>
             <a:r>
-              <a:rPr lang="en-US" sz="1050" dirty="0" smtClean="0"/>
+              <a:rPr lang="en-US" sz="1050" dirty="0"/>
               <a:t>Translation</a:t>
             </a:r>
-            <a:endParaRPr lang="en-US" sz="1050" dirty="0"/>
           </a:p>
         </p:txBody>
       </p:sp>
@@ -9711,7 +13528,7 @@
           <a:p>
             <a:pPr algn="ctr"/>
             <a:r>
-              <a:rPr lang="en-US" sz="1050" dirty="0" smtClean="0"/>
+              <a:rPr lang="en-US" sz="1050" dirty="0"/>
               <a:t>Rotation</a:t>
             </a:r>
           </a:p>
@@ -9740,7 +13557,7 @@
           <a:lstStyle/>
           <a:p>
             <a:r>
-              <a:rPr lang="en-US" dirty="0" smtClean="0"/>
+              <a:rPr lang="en-US" dirty="0"/>
               <a:t>Modeling : Math</a:t>
             </a:r>
           </a:p>
@@ -9786,10 +13603,9 @@
           <a:p>
             <a:pPr algn="ctr"/>
             <a:r>
-              <a:rPr lang="en-US" sz="1200" dirty="0" smtClean="0"/>
+              <a:rPr lang="en-US" sz="1200" dirty="0"/>
               <a:t>3D Vector</a:t>
             </a:r>
-            <a:endParaRPr lang="en-US" sz="1200" dirty="0"/>
           </a:p>
         </p:txBody>
       </p:sp>
@@ -9833,10 +13649,9 @@
           <a:p>
             <a:pPr algn="ctr"/>
             <a:r>
-              <a:rPr lang="en-US" sz="1200" dirty="0" smtClean="0"/>
+              <a:rPr lang="en-US" sz="1200" dirty="0"/>
               <a:t>3D Matrix</a:t>
             </a:r>
-            <a:endParaRPr lang="en-US" sz="1200" dirty="0"/>
           </a:p>
         </p:txBody>
       </p:sp>
@@ -9910,7 +13725,7 @@
           <a:p>
             <a:pPr algn="ctr"/>
             <a:r>
-              <a:rPr lang="en-US" sz="1050" dirty="0" err="1" smtClean="0"/>
+              <a:rPr lang="en-US" sz="1050" dirty="0" err="1"/>
               <a:t>AnyCollisionGeometry</a:t>
             </a:r>
             <a:endParaRPr lang="en-US" sz="1050" dirty="0"/>
@@ -9940,10 +13755,9 @@
           <a:lstStyle/>
           <a:p>
             <a:r>
-              <a:rPr lang="en-US" dirty="0" smtClean="0"/>
+              <a:rPr lang="en-US" dirty="0"/>
               <a:t>Modeling : Geometry</a:t>
             </a:r>
-            <a:endParaRPr lang="en-US" dirty="0"/>
           </a:p>
         </p:txBody>
       </p:sp>
@@ -9987,10 +13801,9 @@
           <a:p>
             <a:pPr algn="ctr"/>
             <a:r>
-              <a:rPr lang="en-US" sz="1050" dirty="0" smtClean="0"/>
+              <a:rPr lang="en-US" sz="1050" dirty="0"/>
               <a:t>Triangle Mesh</a:t>
             </a:r>
-            <a:endParaRPr lang="en-US" sz="1050" dirty="0"/>
           </a:p>
         </p:txBody>
       </p:sp>
@@ -10032,10 +13845,9 @@
           <a:p>
             <a:pPr algn="ctr"/>
             <a:r>
-              <a:rPr lang="en-US" sz="900" dirty="0" smtClean="0"/>
+              <a:rPr lang="en-US" sz="900" dirty="0"/>
               <a:t>Vertices</a:t>
             </a:r>
-            <a:endParaRPr lang="en-US" sz="900" dirty="0"/>
           </a:p>
         </p:txBody>
       </p:sp>
@@ -10077,10 +13889,9 @@
           <a:p>
             <a:pPr algn="ctr"/>
             <a:r>
-              <a:rPr lang="en-US" sz="900" dirty="0" smtClean="0"/>
+              <a:rPr lang="en-US" sz="900" dirty="0"/>
               <a:t>Faces</a:t>
             </a:r>
-            <a:endParaRPr lang="en-US" sz="900" dirty="0"/>
           </a:p>
         </p:txBody>
       </p:sp>
@@ -10124,10 +13935,9 @@
           <a:p>
             <a:pPr algn="ctr"/>
             <a:r>
-              <a:rPr lang="en-US" sz="1050" dirty="0" smtClean="0"/>
+              <a:rPr lang="en-US" sz="1050" dirty="0"/>
               <a:t>Point Cloud</a:t>
             </a:r>
-            <a:endParaRPr lang="en-US" sz="1050" dirty="0"/>
           </a:p>
         </p:txBody>
       </p:sp>
@@ -10169,10 +13979,9 @@
           <a:p>
             <a:pPr algn="ctr"/>
             <a:r>
-              <a:rPr lang="en-US" sz="900" dirty="0" smtClean="0"/>
+              <a:rPr lang="en-US" sz="900" dirty="0"/>
               <a:t>Points</a:t>
             </a:r>
-            <a:endParaRPr lang="en-US" sz="900" dirty="0"/>
           </a:p>
         </p:txBody>
       </p:sp>
@@ -10214,10 +14023,9 @@
           <a:p>
             <a:pPr algn="ctr"/>
             <a:r>
-              <a:rPr lang="en-US" sz="900" dirty="0" smtClean="0"/>
+              <a:rPr lang="en-US" sz="900" dirty="0"/>
               <a:t>Properties*</a:t>
             </a:r>
-            <a:endParaRPr lang="en-US" sz="900" dirty="0"/>
           </a:p>
         </p:txBody>
       </p:sp>
@@ -10261,10 +14069,9 @@
           <a:p>
             <a:pPr algn="ctr"/>
             <a:r>
-              <a:rPr lang="en-US" sz="1050" dirty="0" smtClean="0"/>
+              <a:rPr lang="en-US" sz="1050" dirty="0"/>
               <a:t>3D Primitive</a:t>
             </a:r>
-            <a:endParaRPr lang="en-US" sz="1050" dirty="0"/>
           </a:p>
         </p:txBody>
       </p:sp>
@@ -10314,7 +14121,7 @@
           <a:p>
             <a:pPr algn="ctr"/>
             <a:r>
-              <a:rPr lang="en-US" sz="1050" dirty="0" err="1" smtClean="0"/>
+              <a:rPr lang="en-US" sz="1050" dirty="0" err="1"/>
               <a:t>AnyGeometry</a:t>
             </a:r>
             <a:endParaRPr lang="en-US" sz="1050" dirty="0"/>
@@ -10359,10 +14166,9 @@
           <a:p>
             <a:pPr algn="ctr"/>
             <a:r>
-              <a:rPr lang="en-US" sz="900" dirty="0" smtClean="0"/>
+              <a:rPr lang="en-US" sz="900" dirty="0"/>
               <a:t>3D Primitive*</a:t>
             </a:r>
-            <a:endParaRPr lang="en-US" sz="900" dirty="0"/>
           </a:p>
         </p:txBody>
       </p:sp>
@@ -10404,10 +14210,9 @@
           <a:p>
             <a:pPr algn="ctr"/>
             <a:r>
-              <a:rPr lang="en-US" sz="900" dirty="0" smtClean="0"/>
+              <a:rPr lang="en-US" sz="900" dirty="0"/>
               <a:t>Triangle Mesh*</a:t>
             </a:r>
-            <a:endParaRPr lang="en-US" sz="900" dirty="0"/>
           </a:p>
         </p:txBody>
       </p:sp>
@@ -10449,10 +14254,9 @@
           <a:p>
             <a:pPr algn="ctr"/>
             <a:r>
-              <a:rPr lang="en-US" sz="900" dirty="0" smtClean="0"/>
+              <a:rPr lang="en-US" sz="900" dirty="0"/>
               <a:t>Point cloud*</a:t>
             </a:r>
-            <a:endParaRPr lang="en-US" sz="900" dirty="0"/>
           </a:p>
         </p:txBody>
       </p:sp>
@@ -10494,18 +14298,9 @@
           <a:p>
             <a:pPr algn="ctr"/>
             <a:r>
-              <a:rPr lang="en-US" sz="900" dirty="0" smtClean="0"/>
-              <a:t>Implicit </a:t>
-            </a:r>
-            <a:r>
               <a:rPr lang="en-US" sz="900" dirty="0"/>
-              <a:t>surface on voxel </a:t>
-            </a:r>
-            <a:r>
-              <a:rPr lang="en-US" sz="900" dirty="0" smtClean="0"/>
-              <a:t>grid*</a:t>
-            </a:r>
-            <a:endParaRPr lang="en-US" sz="900" dirty="0"/>
+              <a:t>Implicit surface on voxel grid*</a:t>
+            </a:r>
           </a:p>
         </p:txBody>
       </p:sp>
@@ -10549,10 +14344,9 @@
           <a:p>
             <a:pPr algn="ctr"/>
             <a:r>
-              <a:rPr lang="en-US" sz="1050" dirty="0" smtClean="0"/>
+              <a:rPr lang="en-US" sz="1050" dirty="0"/>
               <a:t>Voxel grid</a:t>
             </a:r>
-            <a:endParaRPr lang="en-US" sz="1050" dirty="0"/>
           </a:p>
         </p:txBody>
       </p:sp>
@@ -10594,7 +14388,7 @@
           <a:p>
             <a:pPr algn="ctr"/>
             <a:r>
-              <a:rPr lang="en-US" sz="900" dirty="0" err="1" smtClean="0"/>
+              <a:rPr lang="en-US" sz="900" dirty="0" err="1"/>
               <a:t>BBox</a:t>
             </a:r>
             <a:endParaRPr lang="en-US" sz="900" dirty="0"/>
@@ -10639,10 +14433,9 @@
           <a:p>
             <a:pPr algn="ctr"/>
             <a:r>
-              <a:rPr lang="en-US" sz="900" dirty="0" smtClean="0"/>
+              <a:rPr lang="en-US" sz="900" dirty="0"/>
               <a:t>Values</a:t>
             </a:r>
-            <a:endParaRPr lang="en-US" sz="900" dirty="0"/>
           </a:p>
         </p:txBody>
       </p:sp>
@@ -10684,10 +14477,9 @@
           <a:p>
             <a:pPr algn="ctr"/>
             <a:r>
-              <a:rPr lang="en-US" sz="900" dirty="0" smtClean="0"/>
+              <a:rPr lang="en-US" sz="900" dirty="0"/>
               <a:t>Collision accelerators</a:t>
             </a:r>
-            <a:endParaRPr lang="en-US" sz="900" dirty="0"/>
           </a:p>
         </p:txBody>
       </p:sp>
@@ -10761,10 +14553,9 @@
           <a:p>
             <a:pPr algn="ctr"/>
             <a:r>
-              <a:rPr lang="en-US" sz="1050" dirty="0" smtClean="0"/>
+              <a:rPr lang="en-US" sz="1050" dirty="0"/>
               <a:t>Multipath</a:t>
             </a:r>
-            <a:endParaRPr lang="en-US" sz="1050" dirty="0"/>
           </a:p>
         </p:txBody>
       </p:sp>
@@ -10828,10 +14619,9 @@
             <a:p>
               <a:pPr algn="ctr"/>
               <a:r>
-                <a:rPr lang="en-US" sz="1050" dirty="0" smtClean="0"/>
+                <a:rPr lang="en-US" sz="1050" dirty="0"/>
                 <a:t>Section</a:t>
               </a:r>
-              <a:endParaRPr lang="en-US" sz="1050" dirty="0"/>
             </a:p>
           </p:txBody>
         </p:sp>
@@ -10881,10 +14671,9 @@
             <a:p>
               <a:pPr algn="ctr"/>
               <a:r>
-                <a:rPr lang="en-US" sz="1050" dirty="0" smtClean="0"/>
+                <a:rPr lang="en-US" sz="1050" dirty="0"/>
                 <a:t>Section</a:t>
               </a:r>
-              <a:endParaRPr lang="en-US" sz="1050" dirty="0"/>
             </a:p>
           </p:txBody>
         </p:sp>
@@ -10934,10 +14723,9 @@
             <a:p>
               <a:pPr algn="ctr"/>
               <a:r>
-                <a:rPr lang="en-US" sz="1050" dirty="0" smtClean="0"/>
+                <a:rPr lang="en-US" sz="1050" dirty="0"/>
                 <a:t>Section</a:t>
               </a:r>
-              <a:endParaRPr lang="en-US" sz="1050" dirty="0"/>
             </a:p>
           </p:txBody>
         </p:sp>
@@ -10982,10 +14770,9 @@
           <a:p>
             <a:pPr algn="ctr"/>
             <a:r>
-              <a:rPr lang="en-US" sz="1050" dirty="0" smtClean="0"/>
+              <a:rPr lang="en-US" sz="1050" dirty="0"/>
               <a:t>Milestone path</a:t>
             </a:r>
-            <a:endParaRPr lang="en-US" sz="1050" dirty="0"/>
           </a:p>
         </p:txBody>
       </p:sp>
@@ -11027,10 +14814,9 @@
           <a:p>
             <a:pPr algn="ctr"/>
             <a:r>
-              <a:rPr lang="en-US" sz="900" dirty="0" smtClean="0"/>
+              <a:rPr lang="en-US" sz="900" dirty="0"/>
               <a:t>Milestones</a:t>
             </a:r>
-            <a:endParaRPr lang="en-US" sz="900" dirty="0"/>
           </a:p>
         </p:txBody>
       </p:sp>
@@ -11057,10 +14843,9 @@
           <a:lstStyle/>
           <a:p>
             <a:r>
-              <a:rPr lang="en-US" dirty="0" smtClean="0"/>
+              <a:rPr lang="en-US" dirty="0"/>
               <a:t>Modeling : Paths and trajectories</a:t>
             </a:r>
-            <a:endParaRPr lang="en-US" dirty="0"/>
           </a:p>
         </p:txBody>
       </p:sp>
@@ -11104,10 +14889,9 @@
           <a:p>
             <a:pPr algn="ctr"/>
             <a:r>
-              <a:rPr lang="en-US" sz="1050" dirty="0" smtClean="0"/>
+              <a:rPr lang="en-US" sz="1050" dirty="0"/>
               <a:t>Spline path</a:t>
             </a:r>
-            <a:endParaRPr lang="en-US" sz="1050" dirty="0"/>
           </a:p>
         </p:txBody>
       </p:sp>
@@ -11149,10 +14933,9 @@
           <a:p>
             <a:pPr algn="ctr"/>
             <a:r>
-              <a:rPr lang="en-US" sz="900" dirty="0" smtClean="0"/>
+              <a:rPr lang="en-US" sz="900" dirty="0"/>
               <a:t>Control points</a:t>
             </a:r>
-            <a:endParaRPr lang="en-US" sz="900" dirty="0"/>
           </a:p>
         </p:txBody>
       </p:sp>
@@ -11196,10 +14979,9 @@
           <a:p>
             <a:pPr algn="ctr"/>
             <a:r>
-              <a:rPr lang="en-US" sz="1050" dirty="0" smtClean="0"/>
+              <a:rPr lang="en-US" sz="1050" dirty="0"/>
               <a:t>Timed spline</a:t>
             </a:r>
-            <a:endParaRPr lang="en-US" sz="1050" dirty="0"/>
           </a:p>
         </p:txBody>
       </p:sp>
@@ -11241,10 +15023,9 @@
           <a:p>
             <a:pPr algn="ctr"/>
             <a:r>
-              <a:rPr lang="en-US" sz="900" dirty="0" smtClean="0"/>
+              <a:rPr lang="en-US" sz="900" dirty="0"/>
               <a:t>Time-scaling</a:t>
             </a:r>
-            <a:endParaRPr lang="en-US" sz="900" dirty="0"/>
           </a:p>
         </p:txBody>
       </p:sp>
@@ -11286,10 +15067,9 @@
           <a:p>
             <a:pPr algn="ctr"/>
             <a:r>
-              <a:rPr lang="en-US" sz="900" dirty="0" smtClean="0"/>
+              <a:rPr lang="en-US" sz="900" dirty="0"/>
               <a:t>Spline path</a:t>
             </a:r>
-            <a:endParaRPr lang="en-US" sz="900" dirty="0"/>
           </a:p>
         </p:txBody>
       </p:sp>
@@ -11331,10 +15111,9 @@
           <a:p>
             <a:pPr algn="ctr"/>
             <a:r>
-              <a:rPr lang="en-US" sz="900" dirty="0" smtClean="0"/>
+              <a:rPr lang="en-US" sz="900" dirty="0"/>
               <a:t>Times*</a:t>
             </a:r>
-            <a:endParaRPr lang="en-US" sz="900" dirty="0"/>
           </a:p>
         </p:txBody>
       </p:sp>
@@ -11376,10 +15155,9 @@
           <a:p>
             <a:pPr algn="ctr"/>
             <a:r>
-              <a:rPr lang="en-US" sz="900" dirty="0" smtClean="0"/>
+              <a:rPr lang="en-US" sz="900" dirty="0"/>
               <a:t>Milestones</a:t>
             </a:r>
-            <a:endParaRPr lang="en-US" sz="900" dirty="0"/>
           </a:p>
         </p:txBody>
       </p:sp>
@@ -11421,10 +15199,9 @@
           <a:p>
             <a:pPr algn="ctr"/>
             <a:r>
-              <a:rPr lang="en-US" sz="900" dirty="0" smtClean="0"/>
+              <a:rPr lang="en-US" sz="900" dirty="0"/>
               <a:t>Velocities*</a:t>
             </a:r>
-            <a:endParaRPr lang="en-US" sz="900" dirty="0"/>
           </a:p>
         </p:txBody>
       </p:sp>
@@ -11466,10 +15243,9 @@
           <a:p>
             <a:pPr algn="ctr"/>
             <a:r>
-              <a:rPr lang="en-US" sz="900" dirty="0" smtClean="0"/>
+              <a:rPr lang="en-US" sz="900" dirty="0"/>
               <a:t>Holds*</a:t>
             </a:r>
-            <a:endParaRPr lang="en-US" sz="900" dirty="0"/>
           </a:p>
         </p:txBody>
       </p:sp>
@@ -11511,10 +15287,9 @@
           <a:p>
             <a:pPr algn="ctr"/>
             <a:r>
-              <a:rPr lang="en-US" sz="900" dirty="0" smtClean="0"/>
+              <a:rPr lang="en-US" sz="900" dirty="0"/>
               <a:t>Common holds*</a:t>
             </a:r>
-            <a:endParaRPr lang="en-US" sz="900" dirty="0"/>
           </a:p>
         </p:txBody>
       </p:sp>
@@ -11556,10 +15331,9 @@
           <a:p>
             <a:pPr algn="ctr"/>
             <a:r>
-              <a:rPr lang="en-US" sz="900" dirty="0" smtClean="0"/>
+              <a:rPr lang="en-US" sz="900" dirty="0"/>
               <a:t>Settings*</a:t>
             </a:r>
-            <a:endParaRPr lang="en-US" sz="900" dirty="0"/>
           </a:p>
         </p:txBody>
       </p:sp>
@@ -11601,10 +15375,9 @@
           <a:p>
             <a:pPr algn="ctr"/>
             <a:r>
-              <a:rPr lang="en-US" sz="900" dirty="0" smtClean="0"/>
+              <a:rPr lang="en-US" sz="900" dirty="0"/>
               <a:t>Settings*</a:t>
             </a:r>
-            <a:endParaRPr lang="en-US" sz="900" dirty="0"/>
           </a:p>
         </p:txBody>
       </p:sp>
@@ -11648,10 +15421,9 @@
           <a:p>
             <a:pPr algn="ctr"/>
             <a:r>
-              <a:rPr lang="en-US" sz="1050" dirty="0" smtClean="0"/>
+              <a:rPr lang="en-US" sz="1050" dirty="0"/>
               <a:t>Piecewise linear</a:t>
             </a:r>
-            <a:endParaRPr lang="en-US" sz="1050" dirty="0"/>
           </a:p>
         </p:txBody>
       </p:sp>
@@ -11693,10 +15465,9 @@
           <a:p>
             <a:pPr algn="ctr"/>
             <a:r>
-              <a:rPr lang="en-US" sz="900" dirty="0" smtClean="0"/>
+              <a:rPr lang="en-US" sz="900" dirty="0"/>
               <a:t>Times</a:t>
             </a:r>
-            <a:endParaRPr lang="en-US" sz="900" dirty="0"/>
           </a:p>
         </p:txBody>
       </p:sp>
@@ -11738,10 +15509,9 @@
           <a:p>
             <a:pPr algn="ctr"/>
             <a:r>
-              <a:rPr lang="en-US" sz="900" dirty="0" smtClean="0"/>
+              <a:rPr lang="en-US" sz="900" dirty="0"/>
               <a:t>Milestones</a:t>
             </a:r>
-            <a:endParaRPr lang="en-US" sz="900" dirty="0"/>
           </a:p>
         </p:txBody>
       </p:sp>
@@ -11785,7 +15555,7 @@
           <a:p>
             <a:pPr algn="ctr"/>
             <a:r>
-              <a:rPr lang="en-US" sz="1050" dirty="0" err="1" smtClean="0"/>
+              <a:rPr lang="en-US" sz="1050" dirty="0" err="1"/>
               <a:t>DynamicPath</a:t>
             </a:r>
             <a:endParaRPr lang="en-US" sz="1050" dirty="0"/>
@@ -11830,10 +15600,9 @@
           <a:p>
             <a:pPr algn="ctr"/>
             <a:r>
-              <a:rPr lang="en-US" sz="900" dirty="0" smtClean="0"/>
+              <a:rPr lang="en-US" sz="900" dirty="0"/>
               <a:t>Timed, piecewise parabolic curves</a:t>
             </a:r>
-            <a:endParaRPr lang="en-US" sz="900" dirty="0"/>
           </a:p>
         </p:txBody>
       </p:sp>
@@ -11860,10 +15629,9 @@
           <a:lstStyle/>
           <a:p>
             <a:r>
-              <a:rPr lang="en-US" sz="1100" dirty="0" smtClean="0"/>
+              <a:rPr lang="en-US" sz="1100" dirty="0"/>
               <a:t>Untimed paths (geometric paths)</a:t>
             </a:r>
-            <a:endParaRPr lang="en-US" sz="1100" dirty="0"/>
           </a:p>
         </p:txBody>
       </p:sp>
@@ -11890,10 +15658,9 @@
           <a:lstStyle/>
           <a:p>
             <a:r>
-              <a:rPr lang="en-US" sz="1100" dirty="0" smtClean="0"/>
+              <a:rPr lang="en-US" sz="1100" dirty="0"/>
               <a:t>Timed paths (trajectories)</a:t>
             </a:r>
-            <a:endParaRPr lang="en-US" sz="1100" dirty="0"/>
           </a:p>
         </p:txBody>
       </p:sp>
@@ -11920,10 +15687,9 @@
           <a:lstStyle/>
           <a:p>
             <a:r>
-              <a:rPr lang="en-US" sz="1100" dirty="0" smtClean="0"/>
+              <a:rPr lang="en-US" sz="1100" dirty="0"/>
               <a:t>Both paths and trajectories</a:t>
             </a:r>
-            <a:endParaRPr lang="en-US" sz="1100" dirty="0"/>
           </a:p>
         </p:txBody>
       </p:sp>
@@ -12077,10 +15843,9 @@
           <a:p>
             <a:pPr algn="ctr"/>
             <a:r>
-              <a:rPr lang="en-US" sz="1050" dirty="0" smtClean="0"/>
+              <a:rPr lang="en-US" sz="1050" dirty="0"/>
               <a:t>IK Solver</a:t>
             </a:r>
-            <a:endParaRPr lang="en-US" sz="1050" dirty="0"/>
           </a:p>
         </p:txBody>
       </p:sp>
@@ -12136,10 +15901,9 @@
             <a:p>
               <a:pPr algn="ctr"/>
               <a:r>
-                <a:rPr lang="en-US" sz="900" dirty="0" smtClean="0"/>
+                <a:rPr lang="en-US" sz="900" dirty="0"/>
                 <a:t>Contact point</a:t>
               </a:r>
-              <a:endParaRPr lang="en-US" sz="900" dirty="0"/>
             </a:p>
           </p:txBody>
         </p:sp>
@@ -12181,10 +15945,9 @@
             <a:p>
               <a:pPr algn="ctr"/>
               <a:r>
-                <a:rPr lang="en-US" sz="900" dirty="0" smtClean="0"/>
+                <a:rPr lang="en-US" sz="900" dirty="0"/>
                 <a:t>Contact point</a:t>
               </a:r>
-              <a:endParaRPr lang="en-US" sz="900" dirty="0"/>
             </a:p>
           </p:txBody>
         </p:sp>
@@ -12226,10 +15989,9 @@
             <a:p>
               <a:pPr algn="ctr"/>
               <a:r>
-                <a:rPr lang="en-US" sz="900" dirty="0" smtClean="0"/>
+                <a:rPr lang="en-US" sz="900" dirty="0"/>
                 <a:t>IK goal</a:t>
               </a:r>
-              <a:endParaRPr lang="en-US" sz="900" dirty="0"/>
             </a:p>
           </p:txBody>
         </p:sp>
@@ -12272,10 +16034,9 @@
           <a:p>
             <a:pPr algn="ctr"/>
             <a:r>
-              <a:rPr lang="en-US" sz="900" dirty="0" smtClean="0"/>
+              <a:rPr lang="en-US" sz="900" dirty="0"/>
               <a:t>C.O.M. goal*</a:t>
             </a:r>
-            <a:endParaRPr lang="en-US" sz="900" dirty="0"/>
           </a:p>
         </p:txBody>
       </p:sp>
@@ -12317,10 +16078,9 @@
           <a:p>
             <a:pPr algn="ctr"/>
             <a:r>
-              <a:rPr lang="en-US" sz="900" dirty="0" smtClean="0"/>
+              <a:rPr lang="en-US" sz="900" dirty="0"/>
               <a:t>Joint limits*</a:t>
             </a:r>
-            <a:endParaRPr lang="en-US" sz="900" dirty="0"/>
           </a:p>
         </p:txBody>
       </p:sp>
@@ -12362,10 +16122,9 @@
           <a:p>
             <a:pPr algn="ctr"/>
             <a:r>
-              <a:rPr lang="en-US" sz="900" dirty="0" smtClean="0"/>
+              <a:rPr lang="en-US" sz="900" dirty="0"/>
               <a:t>Active DOFs*</a:t>
             </a:r>
-            <a:endParaRPr lang="en-US" sz="900" dirty="0"/>
           </a:p>
         </p:txBody>
       </p:sp>
@@ -12407,11 +16166,11 @@
           <a:p>
             <a:pPr algn="ctr"/>
             <a:r>
-              <a:rPr lang="en-US" sz="900" dirty="0" smtClean="0"/>
+              <a:rPr lang="en-US" sz="900" dirty="0"/>
               <a:t>Starting </a:t>
             </a:r>
             <a:r>
-              <a:rPr lang="en-US" sz="900" dirty="0" err="1" smtClean="0"/>
+              <a:rPr lang="en-US" sz="900" dirty="0" err="1"/>
               <a:t>config</a:t>
             </a:r>
             <a:endParaRPr lang="en-US" sz="900" dirty="0"/>
@@ -12456,10 +16215,9 @@
           <a:p>
             <a:pPr algn="ctr"/>
             <a:r>
-              <a:rPr lang="en-US" sz="900" dirty="0" smtClean="0"/>
+              <a:rPr lang="en-US" sz="900" dirty="0"/>
               <a:t>Tolerance</a:t>
             </a:r>
-            <a:endParaRPr lang="en-US" sz="900" dirty="0"/>
           </a:p>
         </p:txBody>
       </p:sp>
@@ -12501,10 +16259,9 @@
           <a:p>
             <a:pPr algn="ctr"/>
             <a:r>
-              <a:rPr lang="en-US" sz="900" dirty="0" smtClean="0"/>
+              <a:rPr lang="en-US" sz="900" dirty="0"/>
               <a:t>Max iterations</a:t>
             </a:r>
-            <a:endParaRPr lang="en-US" sz="900" dirty="0"/>
           </a:p>
         </p:txBody>
       </p:sp>
@@ -12546,11 +16303,11 @@
           <a:p>
             <a:pPr algn="ctr"/>
             <a:r>
-              <a:rPr lang="en-US" sz="900" dirty="0" smtClean="0"/>
+              <a:rPr lang="en-US" sz="900" dirty="0"/>
               <a:t>Solved </a:t>
             </a:r>
             <a:r>
-              <a:rPr lang="en-US" sz="900" dirty="0" err="1" smtClean="0"/>
+              <a:rPr lang="en-US" sz="900" dirty="0" err="1"/>
               <a:t>config</a:t>
             </a:r>
             <a:endParaRPr lang="en-US" sz="900" dirty="0"/>
@@ -12595,10 +16352,9 @@
           <a:p>
             <a:pPr algn="ctr"/>
             <a:r>
-              <a:rPr lang="en-US" sz="900" dirty="0" smtClean="0"/>
+              <a:rPr lang="en-US" sz="900" dirty="0"/>
               <a:t>Success?</a:t>
             </a:r>
-            <a:endParaRPr lang="en-US" sz="900" dirty="0"/>
           </a:p>
         </p:txBody>
       </p:sp>
@@ -12722,10 +16478,9 @@
           <a:p>
             <a:pPr algn="ctr"/>
             <a:r>
-              <a:rPr lang="en-US" sz="1050" dirty="0" smtClean="0"/>
+              <a:rPr lang="en-US" sz="1050" dirty="0"/>
               <a:t>Forward Kinematics</a:t>
             </a:r>
-            <a:endParaRPr lang="en-US" sz="1050" dirty="0"/>
           </a:p>
         </p:txBody>
       </p:sp>
@@ -12847,10 +16602,9 @@
           <a:p>
             <a:pPr algn="ctr"/>
             <a:r>
-              <a:rPr lang="en-US" sz="900" dirty="0" smtClean="0"/>
+              <a:rPr lang="en-US" sz="900" dirty="0"/>
               <a:t>World orientation</a:t>
             </a:r>
-            <a:endParaRPr lang="en-US" sz="900" dirty="0"/>
           </a:p>
         </p:txBody>
       </p:sp>
@@ -12892,10 +16646,9 @@
           <a:p>
             <a:pPr algn="ctr"/>
             <a:r>
-              <a:rPr lang="en-US" sz="900" dirty="0" smtClean="0"/>
+              <a:rPr lang="en-US" sz="900" dirty="0"/>
               <a:t>World position</a:t>
             </a:r>
-            <a:endParaRPr lang="en-US" sz="900" dirty="0"/>
           </a:p>
         </p:txBody>
       </p:sp>
@@ -12977,10 +16730,9 @@
           <a:p>
             <a:pPr algn="ctr"/>
             <a:r>
-              <a:rPr lang="en-US" sz="900" dirty="0" smtClean="0"/>
+              <a:rPr lang="en-US" sz="900" dirty="0"/>
               <a:t>Link index</a:t>
             </a:r>
-            <a:endParaRPr lang="en-US" sz="900" dirty="0"/>
           </a:p>
         </p:txBody>
       </p:sp>
@@ -13022,10 +16774,9 @@
           <a:p>
             <a:pPr algn="ctr"/>
             <a:r>
-              <a:rPr lang="en-US" sz="900" dirty="0" smtClean="0"/>
+              <a:rPr lang="en-US" sz="900" dirty="0"/>
               <a:t>Robot</a:t>
             </a:r>
-            <a:endParaRPr lang="en-US" sz="900" dirty="0"/>
           </a:p>
         </p:txBody>
       </p:sp>
@@ -13067,10 +16818,9 @@
           <a:p>
             <a:pPr algn="ctr"/>
             <a:r>
-              <a:rPr lang="en-US" sz="900" dirty="0" smtClean="0"/>
+              <a:rPr lang="en-US" sz="900" dirty="0"/>
               <a:t>Local position</a:t>
             </a:r>
-            <a:endParaRPr lang="en-US" sz="900" dirty="0"/>
           </a:p>
         </p:txBody>
       </p:sp>
@@ -13154,14 +16904,13 @@
           <a:p>
             <a:pPr algn="ctr"/>
             <a:r>
-              <a:rPr lang="en-US" sz="1050" dirty="0" err="1" smtClean="0"/>
+              <a:rPr lang="en-US" sz="1050" dirty="0" err="1"/>
               <a:t>Jacobian</a:t>
             </a:r>
             <a:r>
-              <a:rPr lang="en-US" sz="1050" dirty="0" smtClean="0"/>
+              <a:rPr lang="en-US" sz="1050" dirty="0"/>
               <a:t> calculator</a:t>
             </a:r>
-            <a:endParaRPr lang="en-US" sz="1050" dirty="0"/>
           </a:p>
         </p:txBody>
       </p:sp>
@@ -13283,14 +17032,13 @@
           <a:p>
             <a:pPr algn="ctr"/>
             <a:r>
-              <a:rPr lang="en-US" sz="900" dirty="0" err="1" smtClean="0"/>
+              <a:rPr lang="en-US" sz="900" dirty="0" err="1"/>
               <a:t>Jacobian</a:t>
             </a:r>
             <a:r>
-              <a:rPr lang="en-US" sz="900" dirty="0" smtClean="0"/>
+              <a:rPr lang="en-US" sz="900" dirty="0"/>
               <a:t> matrix</a:t>
             </a:r>
-            <a:endParaRPr lang="en-US" sz="900" dirty="0"/>
           </a:p>
         </p:txBody>
       </p:sp>
@@ -13372,10 +17120,9 @@
           <a:p>
             <a:pPr algn="ctr"/>
             <a:r>
-              <a:rPr lang="en-US" sz="900" dirty="0" smtClean="0"/>
+              <a:rPr lang="en-US" sz="900" dirty="0"/>
               <a:t>Link index</a:t>
             </a:r>
-            <a:endParaRPr lang="en-US" sz="900" dirty="0"/>
           </a:p>
         </p:txBody>
       </p:sp>
@@ -13417,10 +17164,9 @@
           <a:p>
             <a:pPr algn="ctr"/>
             <a:r>
-              <a:rPr lang="en-US" sz="900" dirty="0" smtClean="0"/>
+              <a:rPr lang="en-US" sz="900" dirty="0"/>
               <a:t>Robot</a:t>
             </a:r>
-            <a:endParaRPr lang="en-US" sz="900" dirty="0"/>
           </a:p>
         </p:txBody>
       </p:sp>
@@ -13462,10 +17208,9 @@
           <a:p>
             <a:pPr algn="ctr"/>
             <a:r>
-              <a:rPr lang="en-US" sz="900" dirty="0" smtClean="0"/>
+              <a:rPr lang="en-US" sz="900" dirty="0"/>
               <a:t>Local position</a:t>
             </a:r>
-            <a:endParaRPr lang="en-US" sz="900" dirty="0"/>
           </a:p>
         </p:txBody>
       </p:sp>
@@ -13532,10 +17277,9 @@
           <a:lstStyle/>
           <a:p>
             <a:r>
-              <a:rPr lang="en-US" dirty="0" smtClean="0"/>
+              <a:rPr lang="en-US" dirty="0"/>
               <a:t>Modeling : Kinematics</a:t>
             </a:r>
-            <a:endParaRPr lang="en-US" dirty="0"/>
           </a:p>
         </p:txBody>
       </p:sp>
@@ -13687,10 +17431,9 @@
           <a:p>
             <a:pPr algn="ctr"/>
             <a:r>
-              <a:rPr lang="en-US" sz="900" dirty="0" smtClean="0"/>
+              <a:rPr lang="en-US" sz="900" dirty="0"/>
               <a:t>Torques</a:t>
             </a:r>
-            <a:endParaRPr lang="en-US" sz="900" dirty="0"/>
           </a:p>
         </p:txBody>
       </p:sp>
@@ -13732,10 +17475,9 @@
           <a:p>
             <a:pPr algn="ctr"/>
             <a:r>
-              <a:rPr lang="en-US" sz="900" dirty="0" smtClean="0"/>
+              <a:rPr lang="en-US" sz="900" dirty="0"/>
               <a:t>Robot</a:t>
             </a:r>
-            <a:endParaRPr lang="en-US" sz="900" dirty="0"/>
           </a:p>
         </p:txBody>
       </p:sp>
@@ -13777,10 +17519,9 @@
           <a:p>
             <a:pPr algn="ctr"/>
             <a:r>
-              <a:rPr lang="en-US" sz="900" dirty="0" smtClean="0"/>
+              <a:rPr lang="en-US" sz="900" dirty="0"/>
               <a:t>Gravity vector*</a:t>
             </a:r>
-            <a:endParaRPr lang="en-US" sz="900" dirty="0"/>
           </a:p>
         </p:txBody>
       </p:sp>
@@ -13864,10 +17605,9 @@
           <a:p>
             <a:pPr algn="ctr"/>
             <a:r>
-              <a:rPr lang="en-US" sz="1050" dirty="0" smtClean="0"/>
+              <a:rPr lang="en-US" sz="1050" dirty="0"/>
               <a:t>Forward dynamics</a:t>
             </a:r>
-            <a:endParaRPr lang="en-US" sz="1050" dirty="0"/>
           </a:p>
         </p:txBody>
       </p:sp>
@@ -13989,10 +17729,9 @@
           <a:p>
             <a:pPr algn="ctr"/>
             <a:r>
-              <a:rPr lang="en-US" sz="900" dirty="0" smtClean="0"/>
+              <a:rPr lang="en-US" sz="900" dirty="0"/>
               <a:t>Accelerations</a:t>
             </a:r>
-            <a:endParaRPr lang="en-US" sz="900" dirty="0"/>
           </a:p>
         </p:txBody>
       </p:sp>
@@ -14034,10 +17773,9 @@
           <a:p>
             <a:pPr algn="ctr"/>
             <a:r>
-              <a:rPr lang="en-US" sz="900" dirty="0" smtClean="0"/>
+              <a:rPr lang="en-US" sz="900" dirty="0"/>
               <a:t>External forces*</a:t>
             </a:r>
-            <a:endParaRPr lang="en-US" sz="900" dirty="0"/>
           </a:p>
         </p:txBody>
       </p:sp>
@@ -14119,10 +17857,9 @@
           <a:p>
             <a:pPr algn="ctr"/>
             <a:r>
-              <a:rPr lang="en-US" sz="900" dirty="0" smtClean="0"/>
+              <a:rPr lang="en-US" sz="900" dirty="0"/>
               <a:t>Accelerations</a:t>
             </a:r>
-            <a:endParaRPr lang="en-US" sz="900" dirty="0"/>
           </a:p>
         </p:txBody>
       </p:sp>
@@ -14164,10 +17901,9 @@
           <a:p>
             <a:pPr algn="ctr"/>
             <a:r>
-              <a:rPr lang="en-US" sz="900" dirty="0" smtClean="0"/>
+              <a:rPr lang="en-US" sz="900" dirty="0"/>
               <a:t>Robot</a:t>
             </a:r>
-            <a:endParaRPr lang="en-US" sz="900" dirty="0"/>
           </a:p>
         </p:txBody>
       </p:sp>
@@ -14209,10 +17945,9 @@
           <a:p>
             <a:pPr algn="ctr"/>
             <a:r>
-              <a:rPr lang="en-US" sz="900" dirty="0" smtClean="0"/>
+              <a:rPr lang="en-US" sz="900" dirty="0"/>
               <a:t>Gravity vector*</a:t>
             </a:r>
-            <a:endParaRPr lang="en-US" sz="900" dirty="0"/>
           </a:p>
         </p:txBody>
       </p:sp>
@@ -14296,10 +18031,9 @@
           <a:p>
             <a:pPr algn="ctr"/>
             <a:r>
-              <a:rPr lang="en-US" sz="1050" dirty="0" smtClean="0"/>
+              <a:rPr lang="en-US" sz="1050" dirty="0"/>
               <a:t>Inverse dynamics</a:t>
             </a:r>
-            <a:endParaRPr lang="en-US" sz="1050" dirty="0"/>
           </a:p>
         </p:txBody>
       </p:sp>
@@ -14421,10 +18155,9 @@
           <a:p>
             <a:pPr algn="ctr"/>
             <a:r>
-              <a:rPr lang="en-US" sz="900" dirty="0" smtClean="0"/>
+              <a:rPr lang="en-US" sz="900" dirty="0"/>
               <a:t>Torques</a:t>
             </a:r>
-            <a:endParaRPr lang="en-US" sz="900" dirty="0"/>
           </a:p>
         </p:txBody>
       </p:sp>
@@ -14466,10 +18199,9 @@
           <a:p>
             <a:pPr algn="ctr"/>
             <a:r>
-              <a:rPr lang="en-US" sz="900" dirty="0" smtClean="0"/>
+              <a:rPr lang="en-US" sz="900" dirty="0"/>
               <a:t>External forces*</a:t>
             </a:r>
-            <a:endParaRPr lang="en-US" sz="900" dirty="0"/>
           </a:p>
         </p:txBody>
       </p:sp>
@@ -14551,10 +18283,9 @@
           <a:p>
             <a:pPr algn="ctr"/>
             <a:r>
-              <a:rPr lang="en-US" sz="900" dirty="0" smtClean="0"/>
+              <a:rPr lang="en-US" sz="900" dirty="0"/>
               <a:t>Robot</a:t>
             </a:r>
-            <a:endParaRPr lang="en-US" sz="900" dirty="0"/>
           </a:p>
         </p:txBody>
       </p:sp>
@@ -14596,10 +18327,9 @@
           <a:p>
             <a:pPr algn="ctr"/>
             <a:r>
-              <a:rPr lang="en-US" sz="900" dirty="0" smtClean="0"/>
+              <a:rPr lang="en-US" sz="900" dirty="0"/>
               <a:t>Gravity vector*</a:t>
             </a:r>
-            <a:endParaRPr lang="en-US" sz="900" dirty="0"/>
           </a:p>
         </p:txBody>
       </p:sp>
@@ -14643,10 +18373,9 @@
           <a:p>
             <a:pPr algn="ctr"/>
             <a:r>
-              <a:rPr lang="en-US" sz="1050" dirty="0" smtClean="0"/>
+              <a:rPr lang="en-US" sz="1050" dirty="0"/>
               <a:t>Dynamic equation</a:t>
             </a:r>
-            <a:endParaRPr lang="en-US" sz="1050" dirty="0"/>
           </a:p>
         </p:txBody>
       </p:sp>
@@ -14768,10 +18497,9 @@
           <a:p>
             <a:pPr algn="ctr"/>
             <a:r>
-              <a:rPr lang="en-US" sz="900" dirty="0" smtClean="0"/>
+              <a:rPr lang="en-US" sz="900" dirty="0"/>
               <a:t>Mass matrix</a:t>
             </a:r>
-            <a:endParaRPr lang="en-US" sz="900" dirty="0"/>
           </a:p>
         </p:txBody>
       </p:sp>
@@ -14813,14 +18541,13 @@
           <a:p>
             <a:pPr algn="ctr"/>
             <a:r>
-              <a:rPr lang="en-US" sz="900" dirty="0" err="1" smtClean="0"/>
+              <a:rPr lang="en-US" sz="900" dirty="0" err="1"/>
               <a:t>Coriolis</a:t>
             </a:r>
             <a:r>
-              <a:rPr lang="en-US" sz="900" dirty="0" smtClean="0"/>
+              <a:rPr lang="en-US" sz="900" dirty="0"/>
               <a:t> forces</a:t>
             </a:r>
-            <a:endParaRPr lang="en-US" sz="900" dirty="0"/>
           </a:p>
         </p:txBody>
       </p:sp>
@@ -14862,10 +18589,9 @@
           <a:p>
             <a:pPr algn="ctr"/>
             <a:r>
-              <a:rPr lang="en-US" sz="900" dirty="0" smtClean="0"/>
+              <a:rPr lang="en-US" sz="900" dirty="0"/>
               <a:t>Gravity torques</a:t>
             </a:r>
-            <a:endParaRPr lang="en-US" sz="900" dirty="0"/>
           </a:p>
         </p:txBody>
       </p:sp>
@@ -14907,10 +18633,9 @@
           <a:p>
             <a:pPr algn="ctr"/>
             <a:r>
-              <a:rPr lang="en-US" sz="900" dirty="0" smtClean="0"/>
+              <a:rPr lang="en-US" sz="900" dirty="0"/>
               <a:t>Mass matrix inverse</a:t>
             </a:r>
-            <a:endParaRPr lang="en-US" sz="900" dirty="0"/>
           </a:p>
         </p:txBody>
       </p:sp>
@@ -14937,10 +18662,9 @@
           <a:lstStyle/>
           <a:p>
             <a:r>
-              <a:rPr lang="en-US" dirty="0" smtClean="0"/>
+              <a:rPr lang="en-US" dirty="0"/>
               <a:t>Modeling : Dynamics</a:t>
             </a:r>
-            <a:endParaRPr lang="en-US" dirty="0"/>
           </a:p>
         </p:txBody>
       </p:sp>
@@ -15092,10 +18816,9 @@
           <a:p>
             <a:pPr algn="ctr"/>
             <a:r>
-              <a:rPr lang="en-US" sz="900" dirty="0" smtClean="0"/>
+              <a:rPr lang="en-US" sz="900" dirty="0"/>
               <a:t>Contact formation</a:t>
             </a:r>
-            <a:endParaRPr lang="en-US" sz="900" dirty="0"/>
           </a:p>
         </p:txBody>
       </p:sp>
@@ -15151,10 +18874,9 @@
             <a:p>
               <a:pPr algn="ctr"/>
               <a:r>
-                <a:rPr lang="en-US" sz="900" dirty="0" smtClean="0"/>
+                <a:rPr lang="en-US" sz="900" dirty="0"/>
                 <a:t>Contact point</a:t>
               </a:r>
-              <a:endParaRPr lang="en-US" sz="900" dirty="0"/>
             </a:p>
           </p:txBody>
         </p:sp>
@@ -15196,10 +18918,9 @@
             <a:p>
               <a:pPr algn="ctr"/>
               <a:r>
-                <a:rPr lang="en-US" sz="900" dirty="0" smtClean="0"/>
+                <a:rPr lang="en-US" sz="900" dirty="0"/>
                 <a:t>Contact point</a:t>
               </a:r>
-              <a:endParaRPr lang="en-US" sz="900" dirty="0"/>
             </a:p>
           </p:txBody>
         </p:sp>
@@ -15241,10 +18962,9 @@
             <a:p>
               <a:pPr algn="ctr"/>
               <a:r>
-                <a:rPr lang="en-US" sz="900" dirty="0" smtClean="0"/>
+                <a:rPr lang="en-US" sz="900" dirty="0"/>
                 <a:t>Contact point</a:t>
               </a:r>
-              <a:endParaRPr lang="en-US" sz="900" dirty="0"/>
             </a:p>
           </p:txBody>
         </p:sp>
@@ -15287,10 +19007,9 @@
           <a:p>
             <a:pPr algn="ctr"/>
             <a:r>
-              <a:rPr lang="en-US" sz="900" dirty="0" smtClean="0"/>
+              <a:rPr lang="en-US" sz="900" dirty="0"/>
               <a:t>Robot</a:t>
             </a:r>
-            <a:endParaRPr lang="en-US" sz="900" dirty="0"/>
           </a:p>
         </p:txBody>
       </p:sp>
@@ -15332,10 +19051,9 @@
           <a:p>
             <a:pPr algn="ctr"/>
             <a:r>
-              <a:rPr lang="en-US" sz="900" dirty="0" smtClean="0"/>
+              <a:rPr lang="en-US" sz="900" dirty="0"/>
               <a:t>Gravity vector</a:t>
             </a:r>
-            <a:endParaRPr lang="en-US" sz="900" dirty="0"/>
           </a:p>
         </p:txBody>
       </p:sp>
@@ -15419,10 +19137,9 @@
           <a:p>
             <a:pPr algn="ctr"/>
             <a:r>
-              <a:rPr lang="en-US" sz="1050" dirty="0" smtClean="0"/>
+              <a:rPr lang="en-US" sz="1050" dirty="0"/>
               <a:t>Equilibrium test</a:t>
             </a:r>
-            <a:endParaRPr lang="en-US" sz="1050" dirty="0"/>
           </a:p>
         </p:txBody>
       </p:sp>
@@ -15544,10 +19261,9 @@
           <a:p>
             <a:pPr algn="ctr"/>
             <a:r>
-              <a:rPr lang="en-US" sz="900" dirty="0" smtClean="0"/>
+              <a:rPr lang="en-US" sz="900" dirty="0"/>
               <a:t>Gravity vector</a:t>
             </a:r>
-            <a:endParaRPr lang="en-US" sz="900" dirty="0"/>
           </a:p>
         </p:txBody>
       </p:sp>
@@ -15589,10 +19305,9 @@
           <a:p>
             <a:pPr algn="ctr"/>
             <a:r>
-              <a:rPr lang="en-US" sz="900" dirty="0" smtClean="0"/>
+              <a:rPr lang="en-US" sz="900" dirty="0"/>
               <a:t>COM position</a:t>
             </a:r>
-            <a:endParaRPr lang="en-US" sz="900" dirty="0"/>
           </a:p>
         </p:txBody>
       </p:sp>
@@ -15634,10 +19349,9 @@
           <a:p>
             <a:pPr algn="ctr"/>
             <a:r>
-              <a:rPr lang="en-US" sz="900" dirty="0" smtClean="0"/>
+              <a:rPr lang="en-US" sz="900" dirty="0"/>
               <a:t>COM stable?</a:t>
             </a:r>
-            <a:endParaRPr lang="en-US" sz="900" dirty="0"/>
           </a:p>
         </p:txBody>
       </p:sp>
@@ -15721,10 +19435,9 @@
           <a:p>
             <a:pPr algn="ctr"/>
             <a:r>
-              <a:rPr lang="en-US" sz="1050" dirty="0" smtClean="0"/>
+              <a:rPr lang="en-US" sz="1050" dirty="0"/>
               <a:t>Force/Torque solver</a:t>
             </a:r>
-            <a:endParaRPr lang="en-US" sz="1050" dirty="0"/>
           </a:p>
         </p:txBody>
       </p:sp>
@@ -15846,10 +19559,9 @@
           <a:p>
             <a:pPr algn="ctr"/>
             <a:r>
-              <a:rPr lang="en-US" sz="900" dirty="0" smtClean="0"/>
+              <a:rPr lang="en-US" sz="900" dirty="0"/>
               <a:t>Robot stable?</a:t>
             </a:r>
-            <a:endParaRPr lang="en-US" sz="900" dirty="0"/>
           </a:p>
         </p:txBody>
       </p:sp>
@@ -15945,10 +19657,9 @@
             <a:p>
               <a:pPr algn="ctr"/>
               <a:r>
-                <a:rPr lang="en-US" sz="900" dirty="0" smtClean="0"/>
+                <a:rPr lang="en-US" sz="900" dirty="0"/>
                 <a:t>Contact point</a:t>
               </a:r>
-              <a:endParaRPr lang="en-US" sz="900" dirty="0"/>
             </a:p>
           </p:txBody>
         </p:sp>
@@ -15990,10 +19701,9 @@
             <a:p>
               <a:pPr algn="ctr"/>
               <a:r>
-                <a:rPr lang="en-US" sz="900" dirty="0" smtClean="0"/>
+                <a:rPr lang="en-US" sz="900" dirty="0"/>
                 <a:t>Contact point</a:t>
               </a:r>
-              <a:endParaRPr lang="en-US" sz="900" dirty="0"/>
             </a:p>
           </p:txBody>
         </p:sp>
@@ -16035,10 +19745,9 @@
             <a:p>
               <a:pPr algn="ctr"/>
               <a:r>
-                <a:rPr lang="en-US" sz="900" dirty="0" smtClean="0"/>
+                <a:rPr lang="en-US" sz="900" dirty="0"/>
                 <a:t>Contact point</a:t>
               </a:r>
-              <a:endParaRPr lang="en-US" sz="900" dirty="0"/>
             </a:p>
           </p:txBody>
         </p:sp>
@@ -16123,10 +19832,9 @@
           <a:p>
             <a:pPr algn="ctr"/>
             <a:r>
-              <a:rPr lang="en-US" sz="1050" dirty="0" smtClean="0"/>
+              <a:rPr lang="en-US" sz="1050" dirty="0"/>
               <a:t>Support polygon calculator</a:t>
             </a:r>
-            <a:endParaRPr lang="en-US" sz="1050" dirty="0"/>
           </a:p>
         </p:txBody>
       </p:sp>
@@ -16248,10 +19956,9 @@
           <a:p>
             <a:pPr algn="ctr"/>
             <a:r>
-              <a:rPr lang="en-US" sz="900" dirty="0" smtClean="0"/>
+              <a:rPr lang="en-US" sz="900" dirty="0"/>
               <a:t>Gravity vector</a:t>
             </a:r>
-            <a:endParaRPr lang="en-US" sz="900" dirty="0"/>
           </a:p>
         </p:txBody>
       </p:sp>
@@ -16293,10 +20000,9 @@
           <a:p>
             <a:pPr algn="ctr"/>
             <a:r>
-              <a:rPr lang="en-US" sz="900" dirty="0" smtClean="0"/>
+              <a:rPr lang="en-US" sz="900" dirty="0"/>
               <a:t>Support polygon</a:t>
             </a:r>
-            <a:endParaRPr lang="en-US" sz="900" dirty="0"/>
           </a:p>
         </p:txBody>
       </p:sp>
@@ -16323,10 +20029,9 @@
           <a:lstStyle/>
           <a:p>
             <a:r>
-              <a:rPr lang="en-US" dirty="0" smtClean="0"/>
+              <a:rPr lang="en-US" dirty="0"/>
               <a:t>Modeling : Contact mechanics</a:t>
             </a:r>
-            <a:endParaRPr lang="en-US" dirty="0"/>
           </a:p>
         </p:txBody>
       </p:sp>
@@ -16383,18 +20088,17 @@
           <a:lstStyle/>
           <a:p>
             <a:r>
-              <a:rPr lang="en-US" dirty="0" smtClean="0"/>
+              <a:rPr lang="en-US" dirty="0"/>
               <a:t>Controller integration with </a:t>
             </a:r>
             <a:r>
-              <a:rPr lang="en-US" dirty="0" err="1" smtClean="0"/>
+              <a:rPr lang="en-US" dirty="0" err="1"/>
               <a:t>SerialController</a:t>
             </a:r>
             <a:r>
-              <a:rPr lang="en-US" dirty="0" smtClean="0"/>
+              <a:rPr lang="en-US" dirty="0"/>
               <a:t> interface</a:t>
             </a:r>
-            <a:endParaRPr lang="en-US" dirty="0"/>
           </a:p>
         </p:txBody>
       </p:sp>
@@ -16438,14 +20142,9 @@
           <a:p>
             <a:pPr algn="ctr"/>
             <a:r>
-              <a:rPr lang="en-US" sz="1050" dirty="0" smtClean="0"/>
-              <a:t>External c</a:t>
-            </a:r>
-            <a:r>
-              <a:rPr lang="en-US" sz="1050" dirty="0" smtClean="0"/>
-              <a:t>ontroller</a:t>
-            </a:r>
-            <a:endParaRPr lang="en-US" sz="1050" dirty="0"/>
+              <a:rPr lang="en-US" sz="1050" dirty="0"/>
+              <a:t>External controller</a:t>
+            </a:r>
           </a:p>
         </p:txBody>
       </p:sp>
@@ -16486,10 +20185,9 @@
           <a:p>
             <a:pPr algn="ctr"/>
             <a:r>
-              <a:rPr lang="en-US" sz="1200" dirty="0" smtClean="0"/>
+              <a:rPr lang="en-US" sz="1200" dirty="0"/>
               <a:t>JSON controller command message</a:t>
             </a:r>
-            <a:endParaRPr lang="en-US" sz="1200" dirty="0"/>
           </a:p>
         </p:txBody>
       </p:sp>
@@ -16533,7 +20231,6 @@
               <a:rPr lang="en-US" sz="1200" dirty="0"/>
               <a:t>JSON sensor state message</a:t>
             </a:r>
-            <a:endParaRPr lang="en-US" sz="1200" dirty="0"/>
           </a:p>
         </p:txBody>
       </p:sp>
@@ -16713,15 +20410,15 @@
           <a:p>
             <a:pPr algn="ctr"/>
             <a:r>
-              <a:rPr lang="en-US" sz="1050" dirty="0" err="1" smtClean="0"/>
+              <a:rPr lang="en-US" sz="1050" dirty="0" err="1"/>
               <a:t>Klamp’t</a:t>
             </a:r>
             <a:r>
-              <a:rPr lang="en-US" sz="1050" dirty="0" smtClean="0"/>
+              <a:rPr lang="en-US" sz="1050" dirty="0"/>
               <a:t> </a:t>
             </a:r>
             <a:r>
-              <a:rPr lang="en-US" sz="1050" dirty="0" err="1" smtClean="0"/>
+              <a:rPr lang="en-US" sz="1050" dirty="0" err="1"/>
               <a:t>SerialController</a:t>
             </a:r>
             <a:endParaRPr lang="en-US" sz="1050" dirty="0"/>
@@ -16768,22 +20465,17 @@
           <a:p>
             <a:pPr algn="ctr"/>
             <a:r>
-              <a:rPr lang="en-US" sz="1050" dirty="0" smtClean="0"/>
+              <a:rPr lang="en-US" sz="1050" dirty="0"/>
               <a:t>Simulated robot (</a:t>
             </a:r>
             <a:r>
-              <a:rPr lang="en-US" sz="1050" dirty="0" err="1" smtClean="0"/>
+              <a:rPr lang="en-US" sz="1050" dirty="0" err="1"/>
               <a:t>SimTest</a:t>
             </a:r>
             <a:r>
-              <a:rPr lang="en-US" sz="1050" dirty="0" smtClean="0"/>
-              <a:t>, </a:t>
-            </a:r>
-            <a:r>
-              <a:rPr lang="en-US" sz="1050" dirty="0" smtClean="0"/>
-              <a:t>simtest.py, etc.)</a:t>
-            </a:r>
-            <a:endParaRPr lang="en-US" sz="1050" dirty="0"/>
+              <a:rPr lang="en-US" sz="1050" dirty="0"/>
+              <a:t>, simtest.py, etc.)</a:t>
+            </a:r>
           </a:p>
         </p:txBody>
       </p:sp>
